--- a/Joe -ideas.pptx
+++ b/Joe -ideas.pptx
@@ -10,7 +10,29 @@
     <p:sldId id="261" r:id="rId4"/>
     <p:sldId id="258" r:id="rId5"/>
     <p:sldId id="259" r:id="rId6"/>
-    <p:sldId id="260" r:id="rId7"/>
+    <p:sldId id="285" r:id="rId7"/>
+    <p:sldId id="260" r:id="rId8"/>
+    <p:sldId id="262" r:id="rId9"/>
+    <p:sldId id="281" r:id="rId10"/>
+    <p:sldId id="274" r:id="rId11"/>
+    <p:sldId id="263" r:id="rId12"/>
+    <p:sldId id="264" r:id="rId13"/>
+    <p:sldId id="265" r:id="rId14"/>
+    <p:sldId id="266" r:id="rId15"/>
+    <p:sldId id="268" r:id="rId16"/>
+    <p:sldId id="269" r:id="rId17"/>
+    <p:sldId id="270" r:id="rId18"/>
+    <p:sldId id="273" r:id="rId19"/>
+    <p:sldId id="272" r:id="rId20"/>
+    <p:sldId id="275" r:id="rId21"/>
+    <p:sldId id="280" r:id="rId22"/>
+    <p:sldId id="277" r:id="rId23"/>
+    <p:sldId id="279" r:id="rId24"/>
+    <p:sldId id="276" r:id="rId25"/>
+    <p:sldId id="278" r:id="rId26"/>
+    <p:sldId id="282" r:id="rId27"/>
+    <p:sldId id="283" r:id="rId28"/>
+    <p:sldId id="284" r:id="rId29"/>
   </p:sldIdLst>
   <p:sldSz cx="12192000" cy="6858000"/>
   <p:notesSz cx="6858000" cy="9144000"/>
@@ -264,7 +286,7 @@
           <a:p>
             <a:fld id="{544E9635-051E-4BFC-9C0B-AF65265D20AE}" type="datetimeFigureOut">
               <a:rPr lang="zh-TW" altLang="en-US" smtClean="0"/>
-              <a:t>2025/1/2</a:t>
+              <a:t>2025/1/5</a:t>
             </a:fld>
             <a:endParaRPr lang="zh-TW" altLang="en-US"/>
           </a:p>
@@ -462,7 +484,7 @@
           <a:p>
             <a:fld id="{544E9635-051E-4BFC-9C0B-AF65265D20AE}" type="datetimeFigureOut">
               <a:rPr lang="zh-TW" altLang="en-US" smtClean="0"/>
-              <a:t>2025/1/2</a:t>
+              <a:t>2025/1/5</a:t>
             </a:fld>
             <a:endParaRPr lang="zh-TW" altLang="en-US"/>
           </a:p>
@@ -670,7 +692,7 @@
           <a:p>
             <a:fld id="{544E9635-051E-4BFC-9C0B-AF65265D20AE}" type="datetimeFigureOut">
               <a:rPr lang="zh-TW" altLang="en-US" smtClean="0"/>
-              <a:t>2025/1/2</a:t>
+              <a:t>2025/1/5</a:t>
             </a:fld>
             <a:endParaRPr lang="zh-TW" altLang="en-US"/>
           </a:p>
@@ -868,7 +890,7 @@
           <a:p>
             <a:fld id="{544E9635-051E-4BFC-9C0B-AF65265D20AE}" type="datetimeFigureOut">
               <a:rPr lang="zh-TW" altLang="en-US" smtClean="0"/>
-              <a:t>2025/1/2</a:t>
+              <a:t>2025/1/5</a:t>
             </a:fld>
             <a:endParaRPr lang="zh-TW" altLang="en-US"/>
           </a:p>
@@ -1143,7 +1165,7 @@
           <a:p>
             <a:fld id="{544E9635-051E-4BFC-9C0B-AF65265D20AE}" type="datetimeFigureOut">
               <a:rPr lang="zh-TW" altLang="en-US" smtClean="0"/>
-              <a:t>2025/1/2</a:t>
+              <a:t>2025/1/5</a:t>
             </a:fld>
             <a:endParaRPr lang="zh-TW" altLang="en-US"/>
           </a:p>
@@ -1408,7 +1430,7 @@
           <a:p>
             <a:fld id="{544E9635-051E-4BFC-9C0B-AF65265D20AE}" type="datetimeFigureOut">
               <a:rPr lang="zh-TW" altLang="en-US" smtClean="0"/>
-              <a:t>2025/1/2</a:t>
+              <a:t>2025/1/5</a:t>
             </a:fld>
             <a:endParaRPr lang="zh-TW" altLang="en-US"/>
           </a:p>
@@ -1820,7 +1842,7 @@
           <a:p>
             <a:fld id="{544E9635-051E-4BFC-9C0B-AF65265D20AE}" type="datetimeFigureOut">
               <a:rPr lang="zh-TW" altLang="en-US" smtClean="0"/>
-              <a:t>2025/1/2</a:t>
+              <a:t>2025/1/5</a:t>
             </a:fld>
             <a:endParaRPr lang="zh-TW" altLang="en-US"/>
           </a:p>
@@ -1961,7 +1983,7 @@
           <a:p>
             <a:fld id="{544E9635-051E-4BFC-9C0B-AF65265D20AE}" type="datetimeFigureOut">
               <a:rPr lang="zh-TW" altLang="en-US" smtClean="0"/>
-              <a:t>2025/1/2</a:t>
+              <a:t>2025/1/5</a:t>
             </a:fld>
             <a:endParaRPr lang="zh-TW" altLang="en-US"/>
           </a:p>
@@ -2074,7 +2096,7 @@
           <a:p>
             <a:fld id="{544E9635-051E-4BFC-9C0B-AF65265D20AE}" type="datetimeFigureOut">
               <a:rPr lang="zh-TW" altLang="en-US" smtClean="0"/>
-              <a:t>2025/1/2</a:t>
+              <a:t>2025/1/5</a:t>
             </a:fld>
             <a:endParaRPr lang="zh-TW" altLang="en-US"/>
           </a:p>
@@ -2385,7 +2407,7 @@
           <a:p>
             <a:fld id="{544E9635-051E-4BFC-9C0B-AF65265D20AE}" type="datetimeFigureOut">
               <a:rPr lang="zh-TW" altLang="en-US" smtClean="0"/>
-              <a:t>2025/1/2</a:t>
+              <a:t>2025/1/5</a:t>
             </a:fld>
             <a:endParaRPr lang="zh-TW" altLang="en-US"/>
           </a:p>
@@ -2673,7 +2695,7 @@
           <a:p>
             <a:fld id="{544E9635-051E-4BFC-9C0B-AF65265D20AE}" type="datetimeFigureOut">
               <a:rPr lang="zh-TW" altLang="en-US" smtClean="0"/>
-              <a:t>2025/1/2</a:t>
+              <a:t>2025/1/5</a:t>
             </a:fld>
             <a:endParaRPr lang="zh-TW" altLang="en-US"/>
           </a:p>
@@ -2914,7 +2936,7 @@
           <a:p>
             <a:fld id="{544E9635-051E-4BFC-9C0B-AF65265D20AE}" type="datetimeFigureOut">
               <a:rPr lang="zh-TW" altLang="en-US" smtClean="0"/>
-              <a:t>2025/1/2</a:t>
+              <a:t>2025/1/5</a:t>
             </a:fld>
             <a:endParaRPr lang="zh-TW" altLang="en-US"/>
           </a:p>
@@ -3920,6 +3942,5015 @@
 </p:sld>
 </file>
 
+<file path=ppt/slides/slide10.xml><?xml version="1.0" encoding="utf-8"?>
+<p:sld xmlns:a="http://schemas.openxmlformats.org/drawingml/2006/main" xmlns:r="http://schemas.openxmlformats.org/officeDocument/2006/relationships" xmlns:p="http://schemas.openxmlformats.org/presentationml/2006/main">
+  <p:cSld>
+    <p:spTree>
+      <p:nvGrpSpPr>
+        <p:cNvPr id="1" name=""/>
+        <p:cNvGrpSpPr/>
+        <p:nvPr/>
+      </p:nvGrpSpPr>
+      <p:grpSpPr>
+        <a:xfrm>
+          <a:off x="0" y="0"/>
+          <a:ext cx="0" cy="0"/>
+          <a:chOff x="0" y="0"/>
+          <a:chExt cx="0" cy="0"/>
+        </a:xfrm>
+      </p:grpSpPr>
+      <p:pic>
+        <p:nvPicPr>
+          <p:cNvPr id="3" name="圖片 2" descr="一張含有 螢幕擷取畫面, 文字, 鮮豔, 正方形 的圖片&#10;&#10;AI 產生的內容可能不正確。">
+            <a:extLst>
+              <a:ext uri="{FF2B5EF4-FFF2-40B4-BE49-F238E27FC236}">
+                <a16:creationId xmlns:a16="http://schemas.microsoft.com/office/drawing/2014/main" id="{78F870B6-1BEA-FD76-E509-1558B8EA46C5}"/>
+              </a:ext>
+            </a:extLst>
+          </p:cNvPr>
+          <p:cNvPicPr>
+            <a:picLocks noChangeAspect="1"/>
+          </p:cNvPicPr>
+          <p:nvPr/>
+        </p:nvPicPr>
+        <p:blipFill>
+          <a:blip r:embed="rId2">
+            <a:extLst>
+              <a:ext uri="{28A0092B-C50C-407E-A947-70E740481C1C}">
+                <a14:useLocalDpi xmlns:a14="http://schemas.microsoft.com/office/drawing/2010/main" val="0"/>
+              </a:ext>
+            </a:extLst>
+          </a:blip>
+          <a:stretch>
+            <a:fillRect/>
+          </a:stretch>
+        </p:blipFill>
+        <p:spPr>
+          <a:xfrm>
+            <a:off x="744442" y="0"/>
+            <a:ext cx="10703115" cy="6858000"/>
+          </a:xfrm>
+          <a:prstGeom prst="rect">
+            <a:avLst/>
+          </a:prstGeom>
+        </p:spPr>
+      </p:pic>
+    </p:spTree>
+    <p:extLst>
+      <p:ext uri="{BB962C8B-B14F-4D97-AF65-F5344CB8AC3E}">
+        <p14:creationId xmlns:p14="http://schemas.microsoft.com/office/powerpoint/2010/main" val="769885028"/>
+      </p:ext>
+    </p:extLst>
+  </p:cSld>
+  <p:clrMapOvr>
+    <a:masterClrMapping/>
+  </p:clrMapOvr>
+</p:sld>
+</file>
+
+<file path=ppt/slides/slide11.xml><?xml version="1.0" encoding="utf-8"?>
+<p:sld xmlns:a="http://schemas.openxmlformats.org/drawingml/2006/main" xmlns:r="http://schemas.openxmlformats.org/officeDocument/2006/relationships" xmlns:p="http://schemas.openxmlformats.org/presentationml/2006/main">
+  <p:cSld>
+    <p:spTree>
+      <p:nvGrpSpPr>
+        <p:cNvPr id="1" name=""/>
+        <p:cNvGrpSpPr/>
+        <p:nvPr/>
+      </p:nvGrpSpPr>
+      <p:grpSpPr>
+        <a:xfrm>
+          <a:off x="0" y="0"/>
+          <a:ext cx="0" cy="0"/>
+          <a:chOff x="0" y="0"/>
+          <a:chExt cx="0" cy="0"/>
+        </a:xfrm>
+      </p:grpSpPr>
+      <p:sp>
+        <p:nvSpPr>
+          <p:cNvPr id="2" name="標題 1">
+            <a:extLst>
+              <a:ext uri="{FF2B5EF4-FFF2-40B4-BE49-F238E27FC236}">
+                <a16:creationId xmlns:a16="http://schemas.microsoft.com/office/drawing/2014/main" id="{EB09EE9A-7D3F-931C-845B-519A2C518D81}"/>
+              </a:ext>
+            </a:extLst>
+          </p:cNvPr>
+          <p:cNvSpPr>
+            <a:spLocks noGrp="1"/>
+          </p:cNvSpPr>
+          <p:nvPr>
+            <p:ph type="title"/>
+          </p:nvPr>
+        </p:nvSpPr>
+        <p:spPr/>
+        <p:txBody>
+          <a:bodyPr/>
+          <a:lstStyle/>
+          <a:p>
+            <a:endParaRPr lang="en-US"/>
+          </a:p>
+        </p:txBody>
+      </p:sp>
+      <p:pic>
+        <p:nvPicPr>
+          <p:cNvPr id="5" name="內容版面配置區 4" descr="一張含有 文字, 螢幕擷取畫面, 繪圖, 圖表 的圖片&#10;&#10;AI 產生的內容可能不正確。">
+            <a:extLst>
+              <a:ext uri="{FF2B5EF4-FFF2-40B4-BE49-F238E27FC236}">
+                <a16:creationId xmlns:a16="http://schemas.microsoft.com/office/drawing/2014/main" id="{6D0A4893-7A15-C18C-BB3F-E06217D2DC53}"/>
+              </a:ext>
+            </a:extLst>
+          </p:cNvPr>
+          <p:cNvPicPr>
+            <a:picLocks noGrp="1" noChangeAspect="1"/>
+          </p:cNvPicPr>
+          <p:nvPr>
+            <p:ph idx="1"/>
+          </p:nvPr>
+        </p:nvPicPr>
+        <p:blipFill>
+          <a:blip r:embed="rId2">
+            <a:extLst>
+              <a:ext uri="{28A0092B-C50C-407E-A947-70E740481C1C}">
+                <a14:useLocalDpi xmlns:a14="http://schemas.microsoft.com/office/drawing/2010/main" val="0"/>
+              </a:ext>
+            </a:extLst>
+          </a:blip>
+          <a:stretch>
+            <a:fillRect/>
+          </a:stretch>
+        </p:blipFill>
+        <p:spPr>
+          <a:xfrm>
+            <a:off x="1697767" y="1825625"/>
+            <a:ext cx="8796465" cy="4351338"/>
+          </a:xfrm>
+        </p:spPr>
+      </p:pic>
+    </p:spTree>
+    <p:extLst>
+      <p:ext uri="{BB962C8B-B14F-4D97-AF65-F5344CB8AC3E}">
+        <p14:creationId xmlns:p14="http://schemas.microsoft.com/office/powerpoint/2010/main" val="1488492105"/>
+      </p:ext>
+    </p:extLst>
+  </p:cSld>
+  <p:clrMapOvr>
+    <a:masterClrMapping/>
+  </p:clrMapOvr>
+</p:sld>
+</file>
+
+<file path=ppt/slides/slide12.xml><?xml version="1.0" encoding="utf-8"?>
+<p:sld xmlns:a="http://schemas.openxmlformats.org/drawingml/2006/main" xmlns:r="http://schemas.openxmlformats.org/officeDocument/2006/relationships" xmlns:p="http://schemas.openxmlformats.org/presentationml/2006/main">
+  <p:cSld>
+    <p:spTree>
+      <p:nvGrpSpPr>
+        <p:cNvPr id="1" name=""/>
+        <p:cNvGrpSpPr/>
+        <p:nvPr/>
+      </p:nvGrpSpPr>
+      <p:grpSpPr>
+        <a:xfrm>
+          <a:off x="0" y="0"/>
+          <a:ext cx="0" cy="0"/>
+          <a:chOff x="0" y="0"/>
+          <a:chExt cx="0" cy="0"/>
+        </a:xfrm>
+      </p:grpSpPr>
+      <p:pic>
+        <p:nvPicPr>
+          <p:cNvPr id="12" name="內容版面配置區 4" descr="一張含有 螢幕擷取畫面, 正方形 的圖片&#10;&#10;AI 產生的內容可能不正確。">
+            <a:extLst>
+              <a:ext uri="{FF2B5EF4-FFF2-40B4-BE49-F238E27FC236}">
+                <a16:creationId xmlns:a16="http://schemas.microsoft.com/office/drawing/2014/main" id="{34F0AEE9-14DF-1688-33C0-20426EA30BB5}"/>
+              </a:ext>
+            </a:extLst>
+          </p:cNvPr>
+          <p:cNvPicPr>
+            <a:picLocks noChangeAspect="1"/>
+          </p:cNvPicPr>
+          <p:nvPr/>
+        </p:nvPicPr>
+        <p:blipFill>
+          <a:blip r:embed="rId2">
+            <a:extLst>
+              <a:ext uri="{28A0092B-C50C-407E-A947-70E740481C1C}">
+                <a14:useLocalDpi xmlns:a14="http://schemas.microsoft.com/office/drawing/2010/main" val="0"/>
+              </a:ext>
+            </a:extLst>
+          </a:blip>
+          <a:stretch>
+            <a:fillRect/>
+          </a:stretch>
+        </p:blipFill>
+        <p:spPr>
+          <a:xfrm>
+            <a:off x="101599" y="127001"/>
+            <a:ext cx="11816189" cy="6502400"/>
+          </a:xfrm>
+          <a:prstGeom prst="rect">
+            <a:avLst/>
+          </a:prstGeom>
+        </p:spPr>
+      </p:pic>
+    </p:spTree>
+    <p:extLst>
+      <p:ext uri="{BB962C8B-B14F-4D97-AF65-F5344CB8AC3E}">
+        <p14:creationId xmlns:p14="http://schemas.microsoft.com/office/powerpoint/2010/main" val="1988474956"/>
+      </p:ext>
+    </p:extLst>
+  </p:cSld>
+  <p:clrMapOvr>
+    <a:masterClrMapping/>
+  </p:clrMapOvr>
+</p:sld>
+</file>
+
+<file path=ppt/slides/slide13.xml><?xml version="1.0" encoding="utf-8"?>
+<p:sld xmlns:a="http://schemas.openxmlformats.org/drawingml/2006/main" xmlns:r="http://schemas.openxmlformats.org/officeDocument/2006/relationships" xmlns:p="http://schemas.openxmlformats.org/presentationml/2006/main">
+  <p:cSld>
+    <p:spTree>
+      <p:nvGrpSpPr>
+        <p:cNvPr id="1" name=""/>
+        <p:cNvGrpSpPr/>
+        <p:nvPr/>
+      </p:nvGrpSpPr>
+      <p:grpSpPr>
+        <a:xfrm>
+          <a:off x="0" y="0"/>
+          <a:ext cx="0" cy="0"/>
+          <a:chOff x="0" y="0"/>
+          <a:chExt cx="0" cy="0"/>
+        </a:xfrm>
+      </p:grpSpPr>
+      <p:sp>
+        <p:nvSpPr>
+          <p:cNvPr id="2" name="標題 1">
+            <a:extLst>
+              <a:ext uri="{FF2B5EF4-FFF2-40B4-BE49-F238E27FC236}">
+                <a16:creationId xmlns:a16="http://schemas.microsoft.com/office/drawing/2014/main" id="{D66064A6-0315-E7D6-9F1A-AFA09DF7199E}"/>
+              </a:ext>
+            </a:extLst>
+          </p:cNvPr>
+          <p:cNvSpPr>
+            <a:spLocks noGrp="1"/>
+          </p:cNvSpPr>
+          <p:nvPr>
+            <p:ph type="title"/>
+          </p:nvPr>
+        </p:nvSpPr>
+        <p:spPr/>
+        <p:txBody>
+          <a:bodyPr/>
+          <a:lstStyle/>
+          <a:p>
+            <a:endParaRPr lang="en-US"/>
+          </a:p>
+        </p:txBody>
+      </p:sp>
+      <p:sp>
+        <p:nvSpPr>
+          <p:cNvPr id="3" name="內容版面配置區 2">
+            <a:extLst>
+              <a:ext uri="{FF2B5EF4-FFF2-40B4-BE49-F238E27FC236}">
+                <a16:creationId xmlns:a16="http://schemas.microsoft.com/office/drawing/2014/main" id="{D8215B6B-9B3C-6627-CCA4-3019318A835B}"/>
+              </a:ext>
+            </a:extLst>
+          </p:cNvPr>
+          <p:cNvSpPr>
+            <a:spLocks noGrp="1"/>
+          </p:cNvSpPr>
+          <p:nvPr>
+            <p:ph idx="1"/>
+          </p:nvPr>
+        </p:nvSpPr>
+        <p:spPr/>
+        <p:txBody>
+          <a:bodyPr/>
+          <a:lstStyle/>
+          <a:p>
+            <a:endParaRPr lang="en-US"/>
+          </a:p>
+        </p:txBody>
+      </p:sp>
+      <p:pic>
+        <p:nvPicPr>
+          <p:cNvPr id="9" name="圖片 8" descr="一張含有 螢幕擷取畫面, 正方形, 鮮豔 的圖片&#10;&#10;AI 產生的內容可能不正確。">
+            <a:extLst>
+              <a:ext uri="{FF2B5EF4-FFF2-40B4-BE49-F238E27FC236}">
+                <a16:creationId xmlns:a16="http://schemas.microsoft.com/office/drawing/2014/main" id="{A98177D7-1093-2F94-DDBF-481E1EF0E013}"/>
+              </a:ext>
+            </a:extLst>
+          </p:cNvPr>
+          <p:cNvPicPr>
+            <a:picLocks noChangeAspect="1"/>
+          </p:cNvPicPr>
+          <p:nvPr/>
+        </p:nvPicPr>
+        <p:blipFill>
+          <a:blip r:embed="rId2">
+            <a:extLst>
+              <a:ext uri="{28A0092B-C50C-407E-A947-70E740481C1C}">
+                <a14:useLocalDpi xmlns:a14="http://schemas.microsoft.com/office/drawing/2010/main" val="0"/>
+              </a:ext>
+            </a:extLst>
+          </a:blip>
+          <a:stretch>
+            <a:fillRect/>
+          </a:stretch>
+        </p:blipFill>
+        <p:spPr>
+          <a:xfrm>
+            <a:off x="0" y="74396"/>
+            <a:ext cx="12192000" cy="6709207"/>
+          </a:xfrm>
+          <a:prstGeom prst="rect">
+            <a:avLst/>
+          </a:prstGeom>
+        </p:spPr>
+      </p:pic>
+    </p:spTree>
+    <p:extLst>
+      <p:ext uri="{BB962C8B-B14F-4D97-AF65-F5344CB8AC3E}">
+        <p14:creationId xmlns:p14="http://schemas.microsoft.com/office/powerpoint/2010/main" val="2791338215"/>
+      </p:ext>
+    </p:extLst>
+  </p:cSld>
+  <p:clrMapOvr>
+    <a:masterClrMapping/>
+  </p:clrMapOvr>
+</p:sld>
+</file>
+
+<file path=ppt/slides/slide14.xml><?xml version="1.0" encoding="utf-8"?>
+<p:sld xmlns:a="http://schemas.openxmlformats.org/drawingml/2006/main" xmlns:r="http://schemas.openxmlformats.org/officeDocument/2006/relationships" xmlns:p="http://schemas.openxmlformats.org/presentationml/2006/main">
+  <p:cSld>
+    <p:spTree>
+      <p:nvGrpSpPr>
+        <p:cNvPr id="1" name=""/>
+        <p:cNvGrpSpPr/>
+        <p:nvPr/>
+      </p:nvGrpSpPr>
+      <p:grpSpPr>
+        <a:xfrm>
+          <a:off x="0" y="0"/>
+          <a:ext cx="0" cy="0"/>
+          <a:chOff x="0" y="0"/>
+          <a:chExt cx="0" cy="0"/>
+        </a:xfrm>
+      </p:grpSpPr>
+      <p:sp>
+        <p:nvSpPr>
+          <p:cNvPr id="2" name="標題 1">
+            <a:extLst>
+              <a:ext uri="{FF2B5EF4-FFF2-40B4-BE49-F238E27FC236}">
+                <a16:creationId xmlns:a16="http://schemas.microsoft.com/office/drawing/2014/main" id="{9E77F684-B5EB-5D86-C9B6-CF77D0BF0CBE}"/>
+              </a:ext>
+            </a:extLst>
+          </p:cNvPr>
+          <p:cNvSpPr>
+            <a:spLocks noGrp="1"/>
+          </p:cNvSpPr>
+          <p:nvPr>
+            <p:ph type="title"/>
+          </p:nvPr>
+        </p:nvSpPr>
+        <p:spPr/>
+        <p:txBody>
+          <a:bodyPr/>
+          <a:lstStyle/>
+          <a:p>
+            <a:endParaRPr lang="en-US"/>
+          </a:p>
+        </p:txBody>
+      </p:sp>
+      <p:sp>
+        <p:nvSpPr>
+          <p:cNvPr id="3" name="內容版面配置區 2">
+            <a:extLst>
+              <a:ext uri="{FF2B5EF4-FFF2-40B4-BE49-F238E27FC236}">
+                <a16:creationId xmlns:a16="http://schemas.microsoft.com/office/drawing/2014/main" id="{A634C49B-2DB2-8A7D-BD3B-409AB3CDF12E}"/>
+              </a:ext>
+            </a:extLst>
+          </p:cNvPr>
+          <p:cNvSpPr>
+            <a:spLocks noGrp="1"/>
+          </p:cNvSpPr>
+          <p:nvPr>
+            <p:ph idx="1"/>
+          </p:nvPr>
+        </p:nvSpPr>
+        <p:spPr/>
+        <p:txBody>
+          <a:bodyPr/>
+          <a:lstStyle/>
+          <a:p>
+            <a:endParaRPr lang="en-US"/>
+          </a:p>
+        </p:txBody>
+      </p:sp>
+      <p:pic>
+        <p:nvPicPr>
+          <p:cNvPr id="7" name="圖片 6" descr="一張含有 螢幕擷取畫面, 正方形, 鮮豔 的圖片&#10;&#10;AI 產生的內容可能不正確。">
+            <a:extLst>
+              <a:ext uri="{FF2B5EF4-FFF2-40B4-BE49-F238E27FC236}">
+                <a16:creationId xmlns:a16="http://schemas.microsoft.com/office/drawing/2014/main" id="{3565FF9C-3172-F158-AD49-AD3D535AA4ED}"/>
+              </a:ext>
+            </a:extLst>
+          </p:cNvPr>
+          <p:cNvPicPr>
+            <a:picLocks noChangeAspect="1"/>
+          </p:cNvPicPr>
+          <p:nvPr/>
+        </p:nvPicPr>
+        <p:blipFill>
+          <a:blip r:embed="rId2">
+            <a:extLst>
+              <a:ext uri="{28A0092B-C50C-407E-A947-70E740481C1C}">
+                <a14:useLocalDpi xmlns:a14="http://schemas.microsoft.com/office/drawing/2010/main" val="0"/>
+              </a:ext>
+            </a:extLst>
+          </a:blip>
+          <a:stretch>
+            <a:fillRect/>
+          </a:stretch>
+        </p:blipFill>
+        <p:spPr>
+          <a:xfrm>
+            <a:off x="0" y="74396"/>
+            <a:ext cx="12192000" cy="6709207"/>
+          </a:xfrm>
+          <a:prstGeom prst="rect">
+            <a:avLst/>
+          </a:prstGeom>
+        </p:spPr>
+      </p:pic>
+    </p:spTree>
+    <p:extLst>
+      <p:ext uri="{BB962C8B-B14F-4D97-AF65-F5344CB8AC3E}">
+        <p14:creationId xmlns:p14="http://schemas.microsoft.com/office/powerpoint/2010/main" val="2657557279"/>
+      </p:ext>
+    </p:extLst>
+  </p:cSld>
+  <p:clrMapOvr>
+    <a:masterClrMapping/>
+  </p:clrMapOvr>
+</p:sld>
+</file>
+
+<file path=ppt/slides/slide15.xml><?xml version="1.0" encoding="utf-8"?>
+<p:sld xmlns:a="http://schemas.openxmlformats.org/drawingml/2006/main" xmlns:r="http://schemas.openxmlformats.org/officeDocument/2006/relationships" xmlns:p="http://schemas.openxmlformats.org/presentationml/2006/main">
+  <p:cSld>
+    <p:spTree>
+      <p:nvGrpSpPr>
+        <p:cNvPr id="1" name=""/>
+        <p:cNvGrpSpPr/>
+        <p:nvPr/>
+      </p:nvGrpSpPr>
+      <p:grpSpPr>
+        <a:xfrm>
+          <a:off x="0" y="0"/>
+          <a:ext cx="0" cy="0"/>
+          <a:chOff x="0" y="0"/>
+          <a:chExt cx="0" cy="0"/>
+        </a:xfrm>
+      </p:grpSpPr>
+      <p:pic>
+        <p:nvPicPr>
+          <p:cNvPr id="9" name="內容版面配置區 4">
+            <a:extLst>
+              <a:ext uri="{FF2B5EF4-FFF2-40B4-BE49-F238E27FC236}">
+                <a16:creationId xmlns:a16="http://schemas.microsoft.com/office/drawing/2014/main" id="{E2C0C780-F023-DBA6-BF7A-CEFB03C93FB8}"/>
+              </a:ext>
+            </a:extLst>
+          </p:cNvPr>
+          <p:cNvPicPr>
+            <a:picLocks noChangeAspect="1"/>
+          </p:cNvPicPr>
+          <p:nvPr/>
+        </p:nvPicPr>
+        <p:blipFill>
+          <a:blip r:embed="rId2">
+            <a:extLst>
+              <a:ext uri="{28A0092B-C50C-407E-A947-70E740481C1C}">
+                <a14:useLocalDpi xmlns:a14="http://schemas.microsoft.com/office/drawing/2010/main" val="0"/>
+              </a:ext>
+            </a:extLst>
+          </a:blip>
+          <a:stretch>
+            <a:fillRect/>
+          </a:stretch>
+        </p:blipFill>
+        <p:spPr>
+          <a:xfrm>
+            <a:off x="0" y="1051784"/>
+            <a:ext cx="11995174" cy="4754431"/>
+          </a:xfrm>
+          <a:prstGeom prst="rect">
+            <a:avLst/>
+          </a:prstGeom>
+        </p:spPr>
+      </p:pic>
+    </p:spTree>
+    <p:extLst>
+      <p:ext uri="{BB962C8B-B14F-4D97-AF65-F5344CB8AC3E}">
+        <p14:creationId xmlns:p14="http://schemas.microsoft.com/office/powerpoint/2010/main" val="1039585280"/>
+      </p:ext>
+    </p:extLst>
+  </p:cSld>
+  <p:clrMapOvr>
+    <a:masterClrMapping/>
+  </p:clrMapOvr>
+</p:sld>
+</file>
+
+<file path=ppt/slides/slide16.xml><?xml version="1.0" encoding="utf-8"?>
+<p:sld xmlns:a="http://schemas.openxmlformats.org/drawingml/2006/main" xmlns:r="http://schemas.openxmlformats.org/officeDocument/2006/relationships" xmlns:p="http://schemas.openxmlformats.org/presentationml/2006/main">
+  <p:cSld>
+    <p:spTree>
+      <p:nvGrpSpPr>
+        <p:cNvPr id="1" name=""/>
+        <p:cNvGrpSpPr/>
+        <p:nvPr/>
+      </p:nvGrpSpPr>
+      <p:grpSpPr>
+        <a:xfrm>
+          <a:off x="0" y="0"/>
+          <a:ext cx="0" cy="0"/>
+          <a:chOff x="0" y="0"/>
+          <a:chExt cx="0" cy="0"/>
+        </a:xfrm>
+      </p:grpSpPr>
+      <p:graphicFrame>
+        <p:nvGraphicFramePr>
+          <p:cNvPr id="2" name="表格 1">
+            <a:extLst>
+              <a:ext uri="{FF2B5EF4-FFF2-40B4-BE49-F238E27FC236}">
+                <a16:creationId xmlns:a16="http://schemas.microsoft.com/office/drawing/2014/main" id="{A9DFA984-1C44-D8D7-1D7B-D01483A2D444}"/>
+              </a:ext>
+            </a:extLst>
+          </p:cNvPr>
+          <p:cNvGraphicFramePr>
+            <a:graphicFrameLocks noGrp="1"/>
+          </p:cNvGraphicFramePr>
+          <p:nvPr>
+            <p:extLst>
+              <p:ext uri="{D42A27DB-BD31-4B8C-83A1-F6EECF244321}">
+                <p14:modId xmlns:p14="http://schemas.microsoft.com/office/powerpoint/2010/main" val="2269383319"/>
+              </p:ext>
+            </p:extLst>
+          </p:nvPr>
+        </p:nvGraphicFramePr>
+        <p:xfrm>
+          <a:off x="758004" y="462280"/>
+          <a:ext cx="4471544" cy="5933440"/>
+        </p:xfrm>
+        <a:graphic>
+          <a:graphicData uri="http://schemas.openxmlformats.org/drawingml/2006/table">
+            <a:tbl>
+              <a:tblPr firstRow="1" bandRow="1">
+                <a:tableStyleId>{5C22544A-7EE6-4342-B048-85BDC9FD1C3A}</a:tableStyleId>
+              </a:tblPr>
+              <a:tblGrid>
+                <a:gridCol w="1117886">
+                  <a:extLst>
+                    <a:ext uri="{9D8B030D-6E8A-4147-A177-3AD203B41FA5}">
+                      <a16:colId xmlns:a16="http://schemas.microsoft.com/office/drawing/2014/main" val="2852095678"/>
+                    </a:ext>
+                  </a:extLst>
+                </a:gridCol>
+                <a:gridCol w="1117886">
+                  <a:extLst>
+                    <a:ext uri="{9D8B030D-6E8A-4147-A177-3AD203B41FA5}">
+                      <a16:colId xmlns:a16="http://schemas.microsoft.com/office/drawing/2014/main" val="178452080"/>
+                    </a:ext>
+                  </a:extLst>
+                </a:gridCol>
+                <a:gridCol w="1117886">
+                  <a:extLst>
+                    <a:ext uri="{9D8B030D-6E8A-4147-A177-3AD203B41FA5}">
+                      <a16:colId xmlns:a16="http://schemas.microsoft.com/office/drawing/2014/main" val="202068624"/>
+                    </a:ext>
+                  </a:extLst>
+                </a:gridCol>
+                <a:gridCol w="1117886">
+                  <a:extLst>
+                    <a:ext uri="{9D8B030D-6E8A-4147-A177-3AD203B41FA5}">
+                      <a16:colId xmlns:a16="http://schemas.microsoft.com/office/drawing/2014/main" val="2786264312"/>
+                    </a:ext>
+                  </a:extLst>
+                </a:gridCol>
+              </a:tblGrid>
+              <a:tr h="370840">
+                <a:tc>
+                  <a:txBody>
+                    <a:bodyPr/>
+                    <a:lstStyle/>
+                    <a:p>
+                      <a:pPr algn="ctr"/>
+                      <a:r>
+                        <a:rPr lang="en-US" dirty="0"/>
+                        <a:t>Channel</a:t>
+                      </a:r>
+                    </a:p>
+                  </a:txBody>
+                  <a:tcPr/>
+                </a:tc>
+                <a:tc>
+                  <a:txBody>
+                    <a:bodyPr/>
+                    <a:lstStyle/>
+                    <a:p>
+                      <a:pPr algn="ctr"/>
+                      <a:r>
+                        <a:rPr lang="en-US" dirty="0"/>
+                        <a:t>Row</a:t>
+                      </a:r>
+                    </a:p>
+                  </a:txBody>
+                  <a:tcPr/>
+                </a:tc>
+                <a:tc>
+                  <a:txBody>
+                    <a:bodyPr/>
+                    <a:lstStyle/>
+                    <a:p>
+                      <a:pPr algn="ctr"/>
+                      <a:r>
+                        <a:rPr lang="en-US" dirty="0"/>
+                        <a:t>Column</a:t>
+                      </a:r>
+                    </a:p>
+                  </a:txBody>
+                  <a:tcPr/>
+                </a:tc>
+                <a:tc>
+                  <a:txBody>
+                    <a:bodyPr/>
+                    <a:lstStyle/>
+                    <a:p>
+                      <a:pPr algn="ctr"/>
+                      <a:r>
+                        <a:rPr lang="en-US" dirty="0"/>
+                        <a:t>Value</a:t>
+                      </a:r>
+                    </a:p>
+                  </a:txBody>
+                  <a:tcPr/>
+                </a:tc>
+                <a:extLst>
+                  <a:ext uri="{0D108BD9-81ED-4DB2-BD59-A6C34878D82A}">
+                    <a16:rowId xmlns:a16="http://schemas.microsoft.com/office/drawing/2014/main" val="4216508091"/>
+                  </a:ext>
+                </a:extLst>
+              </a:tr>
+              <a:tr h="370840">
+                <a:tc>
+                  <a:txBody>
+                    <a:bodyPr/>
+                    <a:lstStyle/>
+                    <a:p>
+                      <a:pPr algn="ctr"/>
+                      <a:r>
+                        <a:rPr lang="en-US" dirty="0"/>
+                        <a:t>0</a:t>
+                      </a:r>
+                    </a:p>
+                  </a:txBody>
+                  <a:tcPr/>
+                </a:tc>
+                <a:tc>
+                  <a:txBody>
+                    <a:bodyPr/>
+                    <a:lstStyle/>
+                    <a:p>
+                      <a:pPr algn="ctr"/>
+                      <a:r>
+                        <a:rPr lang="en-US" dirty="0"/>
+                        <a:t>0</a:t>
+                      </a:r>
+                    </a:p>
+                  </a:txBody>
+                  <a:tcPr/>
+                </a:tc>
+                <a:tc>
+                  <a:txBody>
+                    <a:bodyPr/>
+                    <a:lstStyle/>
+                    <a:p>
+                      <a:pPr algn="ctr"/>
+                      <a:r>
+                        <a:rPr lang="en-US" dirty="0"/>
+                        <a:t>0</a:t>
+                      </a:r>
+                    </a:p>
+                  </a:txBody>
+                  <a:tcPr/>
+                </a:tc>
+                <a:tc>
+                  <a:txBody>
+                    <a:bodyPr/>
+                    <a:lstStyle/>
+                    <a:p>
+                      <a:pPr algn="ctr"/>
+                      <a:r>
+                        <a:rPr lang="en-US" dirty="0"/>
+                        <a:t>0.14</a:t>
+                      </a:r>
+                    </a:p>
+                  </a:txBody>
+                  <a:tcPr/>
+                </a:tc>
+                <a:extLst>
+                  <a:ext uri="{0D108BD9-81ED-4DB2-BD59-A6C34878D82A}">
+                    <a16:rowId xmlns:a16="http://schemas.microsoft.com/office/drawing/2014/main" val="4252448622"/>
+                  </a:ext>
+                </a:extLst>
+              </a:tr>
+              <a:tr h="370840">
+                <a:tc>
+                  <a:txBody>
+                    <a:bodyPr/>
+                    <a:lstStyle/>
+                    <a:p>
+                      <a:pPr algn="ctr"/>
+                      <a:r>
+                        <a:rPr lang="en-US" dirty="0"/>
+                        <a:t>0</a:t>
+                      </a:r>
+                    </a:p>
+                  </a:txBody>
+                  <a:tcPr/>
+                </a:tc>
+                <a:tc>
+                  <a:txBody>
+                    <a:bodyPr/>
+                    <a:lstStyle/>
+                    <a:p>
+                      <a:pPr algn="ctr"/>
+                      <a:r>
+                        <a:rPr lang="en-US" dirty="0"/>
+                        <a:t>0</a:t>
+                      </a:r>
+                    </a:p>
+                  </a:txBody>
+                  <a:tcPr/>
+                </a:tc>
+                <a:tc>
+                  <a:txBody>
+                    <a:bodyPr/>
+                    <a:lstStyle/>
+                    <a:p>
+                      <a:pPr algn="ctr"/>
+                      <a:r>
+                        <a:rPr lang="en-US" dirty="0"/>
+                        <a:t>0</a:t>
+                      </a:r>
+                    </a:p>
+                  </a:txBody>
+                  <a:tcPr/>
+                </a:tc>
+                <a:tc>
+                  <a:txBody>
+                    <a:bodyPr/>
+                    <a:lstStyle/>
+                    <a:p>
+                      <a:pPr algn="ctr"/>
+                      <a:r>
+                        <a:rPr lang="en-US" dirty="0"/>
+                        <a:t>0.25</a:t>
+                      </a:r>
+                    </a:p>
+                  </a:txBody>
+                  <a:tcPr/>
+                </a:tc>
+                <a:extLst>
+                  <a:ext uri="{0D108BD9-81ED-4DB2-BD59-A6C34878D82A}">
+                    <a16:rowId xmlns:a16="http://schemas.microsoft.com/office/drawing/2014/main" val="2531416486"/>
+                  </a:ext>
+                </a:extLst>
+              </a:tr>
+              <a:tr h="370840">
+                <a:tc>
+                  <a:txBody>
+                    <a:bodyPr/>
+                    <a:lstStyle/>
+                    <a:p>
+                      <a:pPr algn="ctr"/>
+                      <a:r>
+                        <a:rPr lang="en-US" dirty="0"/>
+                        <a:t>0</a:t>
+                      </a:r>
+                    </a:p>
+                  </a:txBody>
+                  <a:tcPr/>
+                </a:tc>
+                <a:tc>
+                  <a:txBody>
+                    <a:bodyPr/>
+                    <a:lstStyle/>
+                    <a:p>
+                      <a:pPr algn="ctr"/>
+                      <a:r>
+                        <a:rPr lang="en-US" dirty="0"/>
+                        <a:t>0</a:t>
+                      </a:r>
+                    </a:p>
+                  </a:txBody>
+                  <a:tcPr/>
+                </a:tc>
+                <a:tc>
+                  <a:txBody>
+                    <a:bodyPr/>
+                    <a:lstStyle/>
+                    <a:p>
+                      <a:pPr algn="ctr"/>
+                      <a:r>
+                        <a:rPr lang="en-US" dirty="0"/>
+                        <a:t>1</a:t>
+                      </a:r>
+                    </a:p>
+                  </a:txBody>
+                  <a:tcPr/>
+                </a:tc>
+                <a:tc>
+                  <a:txBody>
+                    <a:bodyPr/>
+                    <a:lstStyle/>
+                    <a:p>
+                      <a:pPr algn="ctr"/>
+                      <a:r>
+                        <a:rPr lang="en-US" dirty="0"/>
+                        <a:t>0.52</a:t>
+                      </a:r>
+                    </a:p>
+                  </a:txBody>
+                  <a:tcPr/>
+                </a:tc>
+                <a:extLst>
+                  <a:ext uri="{0D108BD9-81ED-4DB2-BD59-A6C34878D82A}">
+                    <a16:rowId xmlns:a16="http://schemas.microsoft.com/office/drawing/2014/main" val="2866520959"/>
+                  </a:ext>
+                </a:extLst>
+              </a:tr>
+              <a:tr h="370840">
+                <a:tc>
+                  <a:txBody>
+                    <a:bodyPr/>
+                    <a:lstStyle/>
+                    <a:p>
+                      <a:pPr algn="ctr"/>
+                      <a:r>
+                        <a:rPr lang="en-US" dirty="0"/>
+                        <a:t>0</a:t>
+                      </a:r>
+                    </a:p>
+                  </a:txBody>
+                  <a:tcPr/>
+                </a:tc>
+                <a:tc>
+                  <a:txBody>
+                    <a:bodyPr/>
+                    <a:lstStyle/>
+                    <a:p>
+                      <a:pPr algn="ctr"/>
+                      <a:r>
+                        <a:rPr lang="en-US" dirty="0"/>
+                        <a:t>0</a:t>
+                      </a:r>
+                    </a:p>
+                  </a:txBody>
+                  <a:tcPr/>
+                </a:tc>
+                <a:tc>
+                  <a:txBody>
+                    <a:bodyPr/>
+                    <a:lstStyle/>
+                    <a:p>
+                      <a:pPr algn="ctr"/>
+                      <a:r>
+                        <a:rPr lang="en-US" dirty="0"/>
+                        <a:t>1</a:t>
+                      </a:r>
+                    </a:p>
+                  </a:txBody>
+                  <a:tcPr/>
+                </a:tc>
+                <a:tc>
+                  <a:txBody>
+                    <a:bodyPr/>
+                    <a:lstStyle/>
+                    <a:p>
+                      <a:pPr algn="ctr"/>
+                      <a:r>
+                        <a:rPr lang="en-US" dirty="0"/>
+                        <a:t>-0.12</a:t>
+                      </a:r>
+                    </a:p>
+                  </a:txBody>
+                  <a:tcPr/>
+                </a:tc>
+                <a:extLst>
+                  <a:ext uri="{0D108BD9-81ED-4DB2-BD59-A6C34878D82A}">
+                    <a16:rowId xmlns:a16="http://schemas.microsoft.com/office/drawing/2014/main" val="2524549907"/>
+                  </a:ext>
+                </a:extLst>
+              </a:tr>
+              <a:tr h="370840">
+                <a:tc>
+                  <a:txBody>
+                    <a:bodyPr/>
+                    <a:lstStyle/>
+                    <a:p>
+                      <a:pPr algn="ctr"/>
+                      <a:r>
+                        <a:rPr lang="en-US" dirty="0"/>
+                        <a:t>0</a:t>
+                      </a:r>
+                    </a:p>
+                  </a:txBody>
+                  <a:tcPr/>
+                </a:tc>
+                <a:tc>
+                  <a:txBody>
+                    <a:bodyPr/>
+                    <a:lstStyle/>
+                    <a:p>
+                      <a:pPr algn="ctr"/>
+                      <a:r>
+                        <a:rPr lang="en-US" dirty="0"/>
+                        <a:t>1</a:t>
+                      </a:r>
+                    </a:p>
+                  </a:txBody>
+                  <a:tcPr/>
+                </a:tc>
+                <a:tc>
+                  <a:txBody>
+                    <a:bodyPr/>
+                    <a:lstStyle/>
+                    <a:p>
+                      <a:pPr algn="ctr"/>
+                      <a:r>
+                        <a:rPr lang="en-US" dirty="0"/>
+                        <a:t>0</a:t>
+                      </a:r>
+                    </a:p>
+                  </a:txBody>
+                  <a:tcPr/>
+                </a:tc>
+                <a:tc>
+                  <a:txBody>
+                    <a:bodyPr/>
+                    <a:lstStyle/>
+                    <a:p>
+                      <a:pPr algn="ctr"/>
+                      <a:r>
+                        <a:rPr lang="en-US" dirty="0"/>
+                        <a:t>0.45</a:t>
+                      </a:r>
+                    </a:p>
+                  </a:txBody>
+                  <a:tcPr/>
+                </a:tc>
+                <a:extLst>
+                  <a:ext uri="{0D108BD9-81ED-4DB2-BD59-A6C34878D82A}">
+                    <a16:rowId xmlns:a16="http://schemas.microsoft.com/office/drawing/2014/main" val="3237164137"/>
+                  </a:ext>
+                </a:extLst>
+              </a:tr>
+              <a:tr h="370840">
+                <a:tc>
+                  <a:txBody>
+                    <a:bodyPr/>
+                    <a:lstStyle/>
+                    <a:p>
+                      <a:pPr algn="ctr"/>
+                      <a:r>
+                        <a:rPr lang="en-US" dirty="0"/>
+                        <a:t>0</a:t>
+                      </a:r>
+                    </a:p>
+                  </a:txBody>
+                  <a:tcPr/>
+                </a:tc>
+                <a:tc>
+                  <a:txBody>
+                    <a:bodyPr/>
+                    <a:lstStyle/>
+                    <a:p>
+                      <a:pPr algn="ctr"/>
+                      <a:r>
+                        <a:rPr lang="en-US" dirty="0"/>
+                        <a:t>1</a:t>
+                      </a:r>
+                    </a:p>
+                  </a:txBody>
+                  <a:tcPr/>
+                </a:tc>
+                <a:tc>
+                  <a:txBody>
+                    <a:bodyPr/>
+                    <a:lstStyle/>
+                    <a:p>
+                      <a:pPr algn="ctr"/>
+                      <a:r>
+                        <a:rPr lang="en-US" dirty="0"/>
+                        <a:t>0</a:t>
+                      </a:r>
+                    </a:p>
+                  </a:txBody>
+                  <a:tcPr/>
+                </a:tc>
+                <a:tc>
+                  <a:txBody>
+                    <a:bodyPr/>
+                    <a:lstStyle/>
+                    <a:p>
+                      <a:pPr algn="ctr"/>
+                      <a:r>
+                        <a:rPr lang="en-US" dirty="0"/>
+                        <a:t>1.20</a:t>
+                      </a:r>
+                    </a:p>
+                  </a:txBody>
+                  <a:tcPr/>
+                </a:tc>
+                <a:extLst>
+                  <a:ext uri="{0D108BD9-81ED-4DB2-BD59-A6C34878D82A}">
+                    <a16:rowId xmlns:a16="http://schemas.microsoft.com/office/drawing/2014/main" val="3157315607"/>
+                  </a:ext>
+                </a:extLst>
+              </a:tr>
+              <a:tr h="370840">
+                <a:tc>
+                  <a:txBody>
+                    <a:bodyPr/>
+                    <a:lstStyle/>
+                    <a:p>
+                      <a:pPr algn="ctr"/>
+                      <a:r>
+                        <a:rPr lang="en-US" dirty="0"/>
+                        <a:t>0</a:t>
+                      </a:r>
+                    </a:p>
+                  </a:txBody>
+                  <a:tcPr/>
+                </a:tc>
+                <a:tc>
+                  <a:txBody>
+                    <a:bodyPr/>
+                    <a:lstStyle/>
+                    <a:p>
+                      <a:pPr algn="ctr"/>
+                      <a:r>
+                        <a:rPr lang="en-US" dirty="0"/>
+                        <a:t>1</a:t>
+                      </a:r>
+                    </a:p>
+                  </a:txBody>
+                  <a:tcPr/>
+                </a:tc>
+                <a:tc>
+                  <a:txBody>
+                    <a:bodyPr/>
+                    <a:lstStyle/>
+                    <a:p>
+                      <a:pPr algn="ctr"/>
+                      <a:r>
+                        <a:rPr lang="en-US" dirty="0"/>
+                        <a:t>1</a:t>
+                      </a:r>
+                    </a:p>
+                  </a:txBody>
+                  <a:tcPr/>
+                </a:tc>
+                <a:tc>
+                  <a:txBody>
+                    <a:bodyPr/>
+                    <a:lstStyle/>
+                    <a:p>
+                      <a:pPr algn="ctr"/>
+                      <a:r>
+                        <a:rPr lang="en-US" dirty="0"/>
+                        <a:t>-0.62</a:t>
+                      </a:r>
+                    </a:p>
+                  </a:txBody>
+                  <a:tcPr/>
+                </a:tc>
+                <a:extLst>
+                  <a:ext uri="{0D108BD9-81ED-4DB2-BD59-A6C34878D82A}">
+                    <a16:rowId xmlns:a16="http://schemas.microsoft.com/office/drawing/2014/main" val="3417470771"/>
+                  </a:ext>
+                </a:extLst>
+              </a:tr>
+              <a:tr h="370840">
+                <a:tc>
+                  <a:txBody>
+                    <a:bodyPr/>
+                    <a:lstStyle/>
+                    <a:p>
+                      <a:pPr algn="ctr"/>
+                      <a:r>
+                        <a:rPr lang="en-US" dirty="0"/>
+                        <a:t>0</a:t>
+                      </a:r>
+                    </a:p>
+                  </a:txBody>
+                  <a:tcPr/>
+                </a:tc>
+                <a:tc>
+                  <a:txBody>
+                    <a:bodyPr/>
+                    <a:lstStyle/>
+                    <a:p>
+                      <a:pPr algn="ctr"/>
+                      <a:r>
+                        <a:rPr lang="en-US" dirty="0"/>
+                        <a:t>1</a:t>
+                      </a:r>
+                    </a:p>
+                  </a:txBody>
+                  <a:tcPr/>
+                </a:tc>
+                <a:tc>
+                  <a:txBody>
+                    <a:bodyPr/>
+                    <a:lstStyle/>
+                    <a:p>
+                      <a:pPr algn="ctr"/>
+                      <a:r>
+                        <a:rPr lang="en-US" dirty="0"/>
+                        <a:t>1</a:t>
+                      </a:r>
+                    </a:p>
+                  </a:txBody>
+                  <a:tcPr/>
+                </a:tc>
+                <a:tc>
+                  <a:txBody>
+                    <a:bodyPr/>
+                    <a:lstStyle/>
+                    <a:p>
+                      <a:pPr algn="ctr"/>
+                      <a:r>
+                        <a:rPr lang="en-US" dirty="0"/>
+                        <a:t>0.54</a:t>
+                      </a:r>
+                    </a:p>
+                  </a:txBody>
+                  <a:tcPr/>
+                </a:tc>
+                <a:extLst>
+                  <a:ext uri="{0D108BD9-81ED-4DB2-BD59-A6C34878D82A}">
+                    <a16:rowId xmlns:a16="http://schemas.microsoft.com/office/drawing/2014/main" val="860568051"/>
+                  </a:ext>
+                </a:extLst>
+              </a:tr>
+              <a:tr h="370840">
+                <a:tc>
+                  <a:txBody>
+                    <a:bodyPr/>
+                    <a:lstStyle/>
+                    <a:p>
+                      <a:pPr algn="ctr"/>
+                      <a:r>
+                        <a:rPr lang="en-US" dirty="0"/>
+                        <a:t>0</a:t>
+                      </a:r>
+                    </a:p>
+                  </a:txBody>
+                  <a:tcPr/>
+                </a:tc>
+                <a:tc>
+                  <a:txBody>
+                    <a:bodyPr/>
+                    <a:lstStyle/>
+                    <a:p>
+                      <a:pPr algn="ctr"/>
+                      <a:r>
+                        <a:rPr lang="en-US" dirty="0"/>
+                        <a:t>2</a:t>
+                      </a:r>
+                    </a:p>
+                  </a:txBody>
+                  <a:tcPr/>
+                </a:tc>
+                <a:tc>
+                  <a:txBody>
+                    <a:bodyPr/>
+                    <a:lstStyle/>
+                    <a:p>
+                      <a:pPr algn="ctr"/>
+                      <a:r>
+                        <a:rPr lang="en-US" dirty="0"/>
+                        <a:t>0</a:t>
+                      </a:r>
+                    </a:p>
+                  </a:txBody>
+                  <a:tcPr/>
+                </a:tc>
+                <a:tc>
+                  <a:txBody>
+                    <a:bodyPr/>
+                    <a:lstStyle/>
+                    <a:p>
+                      <a:pPr algn="ctr"/>
+                      <a:r>
+                        <a:rPr lang="en-US" dirty="0"/>
+                        <a:t>-0.23</a:t>
+                      </a:r>
+                    </a:p>
+                  </a:txBody>
+                  <a:tcPr/>
+                </a:tc>
+                <a:extLst>
+                  <a:ext uri="{0D108BD9-81ED-4DB2-BD59-A6C34878D82A}">
+                    <a16:rowId xmlns:a16="http://schemas.microsoft.com/office/drawing/2014/main" val="1960092094"/>
+                  </a:ext>
+                </a:extLst>
+              </a:tr>
+              <a:tr h="370840">
+                <a:tc>
+                  <a:txBody>
+                    <a:bodyPr/>
+                    <a:lstStyle/>
+                    <a:p>
+                      <a:pPr algn="ctr"/>
+                      <a:r>
+                        <a:rPr lang="en-US" dirty="0"/>
+                        <a:t>0</a:t>
+                      </a:r>
+                    </a:p>
+                  </a:txBody>
+                  <a:tcPr/>
+                </a:tc>
+                <a:tc>
+                  <a:txBody>
+                    <a:bodyPr/>
+                    <a:lstStyle/>
+                    <a:p>
+                      <a:pPr algn="ctr"/>
+                      <a:r>
+                        <a:rPr lang="en-US" dirty="0"/>
+                        <a:t>2</a:t>
+                      </a:r>
+                    </a:p>
+                  </a:txBody>
+                  <a:tcPr/>
+                </a:tc>
+                <a:tc>
+                  <a:txBody>
+                    <a:bodyPr/>
+                    <a:lstStyle/>
+                    <a:p>
+                      <a:pPr algn="ctr"/>
+                      <a:r>
+                        <a:rPr lang="en-US" dirty="0"/>
+                        <a:t>0</a:t>
+                      </a:r>
+                    </a:p>
+                  </a:txBody>
+                  <a:tcPr/>
+                </a:tc>
+                <a:tc>
+                  <a:txBody>
+                    <a:bodyPr/>
+                    <a:lstStyle/>
+                    <a:p>
+                      <a:pPr algn="ctr"/>
+                      <a:r>
+                        <a:rPr lang="en-US" dirty="0"/>
+                        <a:t>0.12</a:t>
+                      </a:r>
+                    </a:p>
+                  </a:txBody>
+                  <a:tcPr/>
+                </a:tc>
+                <a:extLst>
+                  <a:ext uri="{0D108BD9-81ED-4DB2-BD59-A6C34878D82A}">
+                    <a16:rowId xmlns:a16="http://schemas.microsoft.com/office/drawing/2014/main" val="2128441436"/>
+                  </a:ext>
+                </a:extLst>
+              </a:tr>
+              <a:tr h="370840">
+                <a:tc>
+                  <a:txBody>
+                    <a:bodyPr/>
+                    <a:lstStyle/>
+                    <a:p>
+                      <a:pPr algn="ctr"/>
+                      <a:r>
+                        <a:rPr lang="en-US" dirty="0"/>
+                        <a:t>0</a:t>
+                      </a:r>
+                    </a:p>
+                  </a:txBody>
+                  <a:tcPr/>
+                </a:tc>
+                <a:tc>
+                  <a:txBody>
+                    <a:bodyPr/>
+                    <a:lstStyle/>
+                    <a:p>
+                      <a:pPr algn="ctr"/>
+                      <a:r>
+                        <a:rPr lang="en-US" dirty="0"/>
+                        <a:t>2</a:t>
+                      </a:r>
+                    </a:p>
+                  </a:txBody>
+                  <a:tcPr/>
+                </a:tc>
+                <a:tc>
+                  <a:txBody>
+                    <a:bodyPr/>
+                    <a:lstStyle/>
+                    <a:p>
+                      <a:pPr algn="ctr"/>
+                      <a:r>
+                        <a:rPr lang="en-US" dirty="0"/>
+                        <a:t>1</a:t>
+                      </a:r>
+                    </a:p>
+                  </a:txBody>
+                  <a:tcPr/>
+                </a:tc>
+                <a:tc>
+                  <a:txBody>
+                    <a:bodyPr/>
+                    <a:lstStyle/>
+                    <a:p>
+                      <a:pPr algn="ctr"/>
+                      <a:r>
+                        <a:rPr lang="en-US" dirty="0"/>
+                        <a:t>0.76</a:t>
+                      </a:r>
+                    </a:p>
+                  </a:txBody>
+                  <a:tcPr/>
+                </a:tc>
+                <a:extLst>
+                  <a:ext uri="{0D108BD9-81ED-4DB2-BD59-A6C34878D82A}">
+                    <a16:rowId xmlns:a16="http://schemas.microsoft.com/office/drawing/2014/main" val="1736675443"/>
+                  </a:ext>
+                </a:extLst>
+              </a:tr>
+              <a:tr h="370840">
+                <a:tc>
+                  <a:txBody>
+                    <a:bodyPr/>
+                    <a:lstStyle/>
+                    <a:p>
+                      <a:pPr algn="ctr"/>
+                      <a:r>
+                        <a:rPr lang="en-US" dirty="0"/>
+                        <a:t>0</a:t>
+                      </a:r>
+                    </a:p>
+                  </a:txBody>
+                  <a:tcPr/>
+                </a:tc>
+                <a:tc>
+                  <a:txBody>
+                    <a:bodyPr/>
+                    <a:lstStyle/>
+                    <a:p>
+                      <a:pPr algn="ctr"/>
+                      <a:r>
+                        <a:rPr lang="en-US" dirty="0"/>
+                        <a:t>2</a:t>
+                      </a:r>
+                    </a:p>
+                  </a:txBody>
+                  <a:tcPr/>
+                </a:tc>
+                <a:tc>
+                  <a:txBody>
+                    <a:bodyPr/>
+                    <a:lstStyle/>
+                    <a:p>
+                      <a:pPr algn="ctr"/>
+                      <a:r>
+                        <a:rPr lang="en-US" dirty="0"/>
+                        <a:t>1</a:t>
+                      </a:r>
+                    </a:p>
+                  </a:txBody>
+                  <a:tcPr/>
+                </a:tc>
+                <a:tc>
+                  <a:txBody>
+                    <a:bodyPr/>
+                    <a:lstStyle/>
+                    <a:p>
+                      <a:pPr algn="ctr"/>
+                      <a:r>
+                        <a:rPr lang="en-US" dirty="0"/>
+                        <a:t>-0.42</a:t>
+                      </a:r>
+                    </a:p>
+                  </a:txBody>
+                  <a:tcPr/>
+                </a:tc>
+                <a:extLst>
+                  <a:ext uri="{0D108BD9-81ED-4DB2-BD59-A6C34878D82A}">
+                    <a16:rowId xmlns:a16="http://schemas.microsoft.com/office/drawing/2014/main" val="4266779158"/>
+                  </a:ext>
+                </a:extLst>
+              </a:tr>
+              <a:tr h="370840">
+                <a:tc>
+                  <a:txBody>
+                    <a:bodyPr/>
+                    <a:lstStyle/>
+                    <a:p>
+                      <a:pPr algn="ctr"/>
+                      <a:r>
+                        <a:rPr lang="en-US" dirty="0"/>
+                        <a:t>1</a:t>
+                      </a:r>
+                    </a:p>
+                  </a:txBody>
+                  <a:tcPr/>
+                </a:tc>
+                <a:tc>
+                  <a:txBody>
+                    <a:bodyPr/>
+                    <a:lstStyle/>
+                    <a:p>
+                      <a:pPr algn="ctr"/>
+                      <a:r>
+                        <a:rPr lang="en-US" dirty="0"/>
+                        <a:t>0</a:t>
+                      </a:r>
+                    </a:p>
+                  </a:txBody>
+                  <a:tcPr/>
+                </a:tc>
+                <a:tc>
+                  <a:txBody>
+                    <a:bodyPr/>
+                    <a:lstStyle/>
+                    <a:p>
+                      <a:pPr algn="ctr"/>
+                      <a:r>
+                        <a:rPr lang="en-US" dirty="0"/>
+                        <a:t>0</a:t>
+                      </a:r>
+                    </a:p>
+                  </a:txBody>
+                  <a:tcPr/>
+                </a:tc>
+                <a:tc>
+                  <a:txBody>
+                    <a:bodyPr/>
+                    <a:lstStyle/>
+                    <a:p>
+                      <a:pPr algn="ctr"/>
+                      <a:r>
+                        <a:rPr lang="en-US" dirty="0"/>
+                        <a:t>-2.1</a:t>
+                      </a:r>
+                    </a:p>
+                  </a:txBody>
+                  <a:tcPr/>
+                </a:tc>
+                <a:extLst>
+                  <a:ext uri="{0D108BD9-81ED-4DB2-BD59-A6C34878D82A}">
+                    <a16:rowId xmlns:a16="http://schemas.microsoft.com/office/drawing/2014/main" val="795802479"/>
+                  </a:ext>
+                </a:extLst>
+              </a:tr>
+              <a:tr h="370840">
+                <a:tc>
+                  <a:txBody>
+                    <a:bodyPr/>
+                    <a:lstStyle/>
+                    <a:p>
+                      <a:pPr algn="ctr"/>
+                      <a:r>
+                        <a:rPr lang="en-US" dirty="0"/>
+                        <a:t>1</a:t>
+                      </a:r>
+                    </a:p>
+                  </a:txBody>
+                  <a:tcPr/>
+                </a:tc>
+                <a:tc>
+                  <a:txBody>
+                    <a:bodyPr/>
+                    <a:lstStyle/>
+                    <a:p>
+                      <a:pPr algn="ctr"/>
+                      <a:r>
+                        <a:rPr lang="en-US" dirty="0"/>
+                        <a:t>0</a:t>
+                      </a:r>
+                    </a:p>
+                  </a:txBody>
+                  <a:tcPr/>
+                </a:tc>
+                <a:tc>
+                  <a:txBody>
+                    <a:bodyPr/>
+                    <a:lstStyle/>
+                    <a:p>
+                      <a:pPr algn="ctr"/>
+                      <a:r>
+                        <a:rPr lang="en-US" dirty="0"/>
+                        <a:t>0</a:t>
+                      </a:r>
+                    </a:p>
+                  </a:txBody>
+                  <a:tcPr/>
+                </a:tc>
+                <a:tc>
+                  <a:txBody>
+                    <a:bodyPr/>
+                    <a:lstStyle/>
+                    <a:p>
+                      <a:pPr algn="ctr"/>
+                      <a:r>
+                        <a:rPr lang="en-US" dirty="0"/>
+                        <a:t>0.39</a:t>
+                      </a:r>
+                    </a:p>
+                  </a:txBody>
+                  <a:tcPr/>
+                </a:tc>
+                <a:extLst>
+                  <a:ext uri="{0D108BD9-81ED-4DB2-BD59-A6C34878D82A}">
+                    <a16:rowId xmlns:a16="http://schemas.microsoft.com/office/drawing/2014/main" val="4071544804"/>
+                  </a:ext>
+                </a:extLst>
+              </a:tr>
+              <a:tr h="370840">
+                <a:tc>
+                  <a:txBody>
+                    <a:bodyPr/>
+                    <a:lstStyle/>
+                    <a:p>
+                      <a:pPr algn="ctr"/>
+                      <a:r>
+                        <a:rPr lang="en-US" dirty="0"/>
+                        <a:t>…</a:t>
+                      </a:r>
+                    </a:p>
+                  </a:txBody>
+                  <a:tcPr/>
+                </a:tc>
+                <a:tc>
+                  <a:txBody>
+                    <a:bodyPr/>
+                    <a:lstStyle/>
+                    <a:p>
+                      <a:pPr algn="ctr"/>
+                      <a:r>
+                        <a:rPr lang="en-US" dirty="0"/>
+                        <a:t>…</a:t>
+                      </a:r>
+                    </a:p>
+                  </a:txBody>
+                  <a:tcPr/>
+                </a:tc>
+                <a:tc>
+                  <a:txBody>
+                    <a:bodyPr/>
+                    <a:lstStyle/>
+                    <a:p>
+                      <a:pPr algn="ctr"/>
+                      <a:r>
+                        <a:rPr lang="en-US" dirty="0"/>
+                        <a:t>…</a:t>
+                      </a:r>
+                    </a:p>
+                  </a:txBody>
+                  <a:tcPr/>
+                </a:tc>
+                <a:tc>
+                  <a:txBody>
+                    <a:bodyPr/>
+                    <a:lstStyle/>
+                    <a:p>
+                      <a:pPr algn="ctr"/>
+                      <a:r>
+                        <a:rPr lang="en-US" dirty="0"/>
+                        <a:t>…</a:t>
+                      </a:r>
+                    </a:p>
+                  </a:txBody>
+                  <a:tcPr/>
+                </a:tc>
+                <a:extLst>
+                  <a:ext uri="{0D108BD9-81ED-4DB2-BD59-A6C34878D82A}">
+                    <a16:rowId xmlns:a16="http://schemas.microsoft.com/office/drawing/2014/main" val="2760897089"/>
+                  </a:ext>
+                </a:extLst>
+              </a:tr>
+            </a:tbl>
+          </a:graphicData>
+        </a:graphic>
+      </p:graphicFrame>
+    </p:spTree>
+    <p:extLst>
+      <p:ext uri="{BB962C8B-B14F-4D97-AF65-F5344CB8AC3E}">
+        <p14:creationId xmlns:p14="http://schemas.microsoft.com/office/powerpoint/2010/main" val="2462431562"/>
+      </p:ext>
+    </p:extLst>
+  </p:cSld>
+  <p:clrMapOvr>
+    <a:masterClrMapping/>
+  </p:clrMapOvr>
+</p:sld>
+</file>
+
+<file path=ppt/slides/slide17.xml><?xml version="1.0" encoding="utf-8"?>
+<p:sld xmlns:a="http://schemas.openxmlformats.org/drawingml/2006/main" xmlns:r="http://schemas.openxmlformats.org/officeDocument/2006/relationships" xmlns:p="http://schemas.openxmlformats.org/presentationml/2006/main">
+  <p:cSld>
+    <p:spTree>
+      <p:nvGrpSpPr>
+        <p:cNvPr id="1" name="">
+          <a:extLst>
+            <a:ext uri="{FF2B5EF4-FFF2-40B4-BE49-F238E27FC236}">
+              <a16:creationId xmlns:a16="http://schemas.microsoft.com/office/drawing/2014/main" id="{C2578AAC-3DD2-3326-E760-3EEE4351D30C}"/>
+            </a:ext>
+          </a:extLst>
+        </p:cNvPr>
+        <p:cNvGrpSpPr/>
+        <p:nvPr/>
+      </p:nvGrpSpPr>
+      <p:grpSpPr>
+        <a:xfrm>
+          <a:off x="0" y="0"/>
+          <a:ext cx="0" cy="0"/>
+          <a:chOff x="0" y="0"/>
+          <a:chExt cx="0" cy="0"/>
+        </a:xfrm>
+      </p:grpSpPr>
+      <p:graphicFrame>
+        <p:nvGraphicFramePr>
+          <p:cNvPr id="2" name="表格 1">
+            <a:extLst>
+              <a:ext uri="{FF2B5EF4-FFF2-40B4-BE49-F238E27FC236}">
+                <a16:creationId xmlns:a16="http://schemas.microsoft.com/office/drawing/2014/main" id="{ECC8C07F-5490-B3B1-D1FD-DE63247A1B3C}"/>
+              </a:ext>
+            </a:extLst>
+          </p:cNvPr>
+          <p:cNvGraphicFramePr>
+            <a:graphicFrameLocks noGrp="1"/>
+          </p:cNvGraphicFramePr>
+          <p:nvPr>
+            <p:extLst>
+              <p:ext uri="{D42A27DB-BD31-4B8C-83A1-F6EECF244321}">
+                <p14:modId xmlns:p14="http://schemas.microsoft.com/office/powerpoint/2010/main" val="3273625919"/>
+              </p:ext>
+            </p:extLst>
+          </p:nvPr>
+        </p:nvGraphicFramePr>
+        <p:xfrm>
+          <a:off x="758004" y="462280"/>
+          <a:ext cx="4471544" cy="5933440"/>
+        </p:xfrm>
+        <a:graphic>
+          <a:graphicData uri="http://schemas.openxmlformats.org/drawingml/2006/table">
+            <a:tbl>
+              <a:tblPr firstRow="1" bandRow="1">
+                <a:tableStyleId>{5C22544A-7EE6-4342-B048-85BDC9FD1C3A}</a:tableStyleId>
+              </a:tblPr>
+              <a:tblGrid>
+                <a:gridCol w="1117886">
+                  <a:extLst>
+                    <a:ext uri="{9D8B030D-6E8A-4147-A177-3AD203B41FA5}">
+                      <a16:colId xmlns:a16="http://schemas.microsoft.com/office/drawing/2014/main" val="2852095678"/>
+                    </a:ext>
+                  </a:extLst>
+                </a:gridCol>
+                <a:gridCol w="1117886">
+                  <a:extLst>
+                    <a:ext uri="{9D8B030D-6E8A-4147-A177-3AD203B41FA5}">
+                      <a16:colId xmlns:a16="http://schemas.microsoft.com/office/drawing/2014/main" val="178452080"/>
+                    </a:ext>
+                  </a:extLst>
+                </a:gridCol>
+                <a:gridCol w="1117886">
+                  <a:extLst>
+                    <a:ext uri="{9D8B030D-6E8A-4147-A177-3AD203B41FA5}">
+                      <a16:colId xmlns:a16="http://schemas.microsoft.com/office/drawing/2014/main" val="202068624"/>
+                    </a:ext>
+                  </a:extLst>
+                </a:gridCol>
+                <a:gridCol w="1117886">
+                  <a:extLst>
+                    <a:ext uri="{9D8B030D-6E8A-4147-A177-3AD203B41FA5}">
+                      <a16:colId xmlns:a16="http://schemas.microsoft.com/office/drawing/2014/main" val="2786264312"/>
+                    </a:ext>
+                  </a:extLst>
+                </a:gridCol>
+              </a:tblGrid>
+              <a:tr h="370840">
+                <a:tc>
+                  <a:txBody>
+                    <a:bodyPr/>
+                    <a:lstStyle/>
+                    <a:p>
+                      <a:pPr algn="ctr"/>
+                      <a:r>
+                        <a:rPr lang="en-US" dirty="0"/>
+                        <a:t>Channel</a:t>
+                      </a:r>
+                    </a:p>
+                  </a:txBody>
+                  <a:tcPr/>
+                </a:tc>
+                <a:tc>
+                  <a:txBody>
+                    <a:bodyPr/>
+                    <a:lstStyle/>
+                    <a:p>
+                      <a:pPr algn="ctr"/>
+                      <a:r>
+                        <a:rPr lang="en-US" dirty="0"/>
+                        <a:t>Row</a:t>
+                      </a:r>
+                    </a:p>
+                  </a:txBody>
+                  <a:tcPr/>
+                </a:tc>
+                <a:tc>
+                  <a:txBody>
+                    <a:bodyPr/>
+                    <a:lstStyle/>
+                    <a:p>
+                      <a:pPr algn="ctr"/>
+                      <a:r>
+                        <a:rPr lang="en-US" dirty="0"/>
+                        <a:t>Column</a:t>
+                      </a:r>
+                    </a:p>
+                  </a:txBody>
+                  <a:tcPr/>
+                </a:tc>
+                <a:tc>
+                  <a:txBody>
+                    <a:bodyPr/>
+                    <a:lstStyle/>
+                    <a:p>
+                      <a:pPr algn="ctr"/>
+                      <a:r>
+                        <a:rPr lang="en-US" dirty="0"/>
+                        <a:t>Value</a:t>
+                      </a:r>
+                    </a:p>
+                  </a:txBody>
+                  <a:tcPr/>
+                </a:tc>
+                <a:extLst>
+                  <a:ext uri="{0D108BD9-81ED-4DB2-BD59-A6C34878D82A}">
+                    <a16:rowId xmlns:a16="http://schemas.microsoft.com/office/drawing/2014/main" val="4216508091"/>
+                  </a:ext>
+                </a:extLst>
+              </a:tr>
+              <a:tr h="370840">
+                <a:tc>
+                  <a:txBody>
+                    <a:bodyPr/>
+                    <a:lstStyle/>
+                    <a:p>
+                      <a:pPr algn="ctr"/>
+                      <a:r>
+                        <a:rPr lang="en-US" dirty="0"/>
+                        <a:t>0 x 12</a:t>
+                      </a:r>
+                    </a:p>
+                  </a:txBody>
+                  <a:tcPr/>
+                </a:tc>
+                <a:tc>
+                  <a:txBody>
+                    <a:bodyPr/>
+                    <a:lstStyle/>
+                    <a:p>
+                      <a:pPr algn="ctr"/>
+                      <a:r>
+                        <a:rPr lang="en-US" dirty="0"/>
+                        <a:t>0 x 4</a:t>
+                      </a:r>
+                    </a:p>
+                  </a:txBody>
+                  <a:tcPr/>
+                </a:tc>
+                <a:tc>
+                  <a:txBody>
+                    <a:bodyPr/>
+                    <a:lstStyle/>
+                    <a:p>
+                      <a:pPr algn="ctr"/>
+                      <a:r>
+                        <a:rPr lang="en-US" dirty="0"/>
+                        <a:t>0 x 2</a:t>
+                      </a:r>
+                    </a:p>
+                  </a:txBody>
+                  <a:tcPr/>
+                </a:tc>
+                <a:tc>
+                  <a:txBody>
+                    <a:bodyPr/>
+                    <a:lstStyle/>
+                    <a:p>
+                      <a:pPr algn="ctr"/>
+                      <a:r>
+                        <a:rPr lang="en-US" dirty="0"/>
+                        <a:t>0.14</a:t>
+                      </a:r>
+                    </a:p>
+                  </a:txBody>
+                  <a:tcPr/>
+                </a:tc>
+                <a:extLst>
+                  <a:ext uri="{0D108BD9-81ED-4DB2-BD59-A6C34878D82A}">
+                    <a16:rowId xmlns:a16="http://schemas.microsoft.com/office/drawing/2014/main" val="4252448622"/>
+                  </a:ext>
+                </a:extLst>
+              </a:tr>
+              <a:tr h="370840">
+                <a:tc>
+                  <a:txBody>
+                    <a:bodyPr/>
+                    <a:lstStyle/>
+                    <a:p>
+                      <a:pPr algn="ctr"/>
+                      <a:endParaRPr lang="en-US" dirty="0"/>
+                    </a:p>
+                  </a:txBody>
+                  <a:tcPr/>
+                </a:tc>
+                <a:tc>
+                  <a:txBody>
+                    <a:bodyPr/>
+                    <a:lstStyle/>
+                    <a:p>
+                      <a:pPr algn="ctr"/>
+                      <a:endParaRPr lang="en-US" dirty="0"/>
+                    </a:p>
+                  </a:txBody>
+                  <a:tcPr/>
+                </a:tc>
+                <a:tc>
+                  <a:txBody>
+                    <a:bodyPr/>
+                    <a:lstStyle/>
+                    <a:p>
+                      <a:pPr algn="ctr"/>
+                      <a:endParaRPr lang="en-US" dirty="0"/>
+                    </a:p>
+                  </a:txBody>
+                  <a:tcPr/>
+                </a:tc>
+                <a:tc>
+                  <a:txBody>
+                    <a:bodyPr/>
+                    <a:lstStyle/>
+                    <a:p>
+                      <a:pPr algn="ctr"/>
+                      <a:r>
+                        <a:rPr lang="en-US" dirty="0"/>
+                        <a:t>0.25</a:t>
+                      </a:r>
+                    </a:p>
+                  </a:txBody>
+                  <a:tcPr/>
+                </a:tc>
+                <a:extLst>
+                  <a:ext uri="{0D108BD9-81ED-4DB2-BD59-A6C34878D82A}">
+                    <a16:rowId xmlns:a16="http://schemas.microsoft.com/office/drawing/2014/main" val="2531416486"/>
+                  </a:ext>
+                </a:extLst>
+              </a:tr>
+              <a:tr h="370840">
+                <a:tc>
+                  <a:txBody>
+                    <a:bodyPr/>
+                    <a:lstStyle/>
+                    <a:p>
+                      <a:pPr algn="ctr"/>
+                      <a:endParaRPr lang="en-US" dirty="0"/>
+                    </a:p>
+                  </a:txBody>
+                  <a:tcPr/>
+                </a:tc>
+                <a:tc>
+                  <a:txBody>
+                    <a:bodyPr/>
+                    <a:lstStyle/>
+                    <a:p>
+                      <a:pPr algn="ctr"/>
+                      <a:endParaRPr lang="en-US" dirty="0"/>
+                    </a:p>
+                  </a:txBody>
+                  <a:tcPr/>
+                </a:tc>
+                <a:tc>
+                  <a:txBody>
+                    <a:bodyPr/>
+                    <a:lstStyle/>
+                    <a:p>
+                      <a:pPr algn="ctr"/>
+                      <a:r>
+                        <a:rPr lang="en-US" dirty="0"/>
+                        <a:t>1 x 2</a:t>
+                      </a:r>
+                    </a:p>
+                  </a:txBody>
+                  <a:tcPr/>
+                </a:tc>
+                <a:tc>
+                  <a:txBody>
+                    <a:bodyPr/>
+                    <a:lstStyle/>
+                    <a:p>
+                      <a:pPr algn="ctr"/>
+                      <a:r>
+                        <a:rPr lang="en-US" dirty="0"/>
+                        <a:t>0.52</a:t>
+                      </a:r>
+                    </a:p>
+                  </a:txBody>
+                  <a:tcPr/>
+                </a:tc>
+                <a:extLst>
+                  <a:ext uri="{0D108BD9-81ED-4DB2-BD59-A6C34878D82A}">
+                    <a16:rowId xmlns:a16="http://schemas.microsoft.com/office/drawing/2014/main" val="2866520959"/>
+                  </a:ext>
+                </a:extLst>
+              </a:tr>
+              <a:tr h="370840">
+                <a:tc>
+                  <a:txBody>
+                    <a:bodyPr/>
+                    <a:lstStyle/>
+                    <a:p>
+                      <a:pPr algn="ctr"/>
+                      <a:endParaRPr lang="en-US" dirty="0"/>
+                    </a:p>
+                  </a:txBody>
+                  <a:tcPr/>
+                </a:tc>
+                <a:tc>
+                  <a:txBody>
+                    <a:bodyPr/>
+                    <a:lstStyle/>
+                    <a:p>
+                      <a:pPr algn="ctr"/>
+                      <a:endParaRPr lang="en-US" dirty="0"/>
+                    </a:p>
+                  </a:txBody>
+                  <a:tcPr/>
+                </a:tc>
+                <a:tc>
+                  <a:txBody>
+                    <a:bodyPr/>
+                    <a:lstStyle/>
+                    <a:p>
+                      <a:pPr algn="ctr"/>
+                      <a:endParaRPr lang="en-US" dirty="0"/>
+                    </a:p>
+                  </a:txBody>
+                  <a:tcPr/>
+                </a:tc>
+                <a:tc>
+                  <a:txBody>
+                    <a:bodyPr/>
+                    <a:lstStyle/>
+                    <a:p>
+                      <a:pPr algn="ctr"/>
+                      <a:r>
+                        <a:rPr lang="en-US" dirty="0"/>
+                        <a:t>-0.12</a:t>
+                      </a:r>
+                    </a:p>
+                  </a:txBody>
+                  <a:tcPr/>
+                </a:tc>
+                <a:extLst>
+                  <a:ext uri="{0D108BD9-81ED-4DB2-BD59-A6C34878D82A}">
+                    <a16:rowId xmlns:a16="http://schemas.microsoft.com/office/drawing/2014/main" val="2524549907"/>
+                  </a:ext>
+                </a:extLst>
+              </a:tr>
+              <a:tr h="370840">
+                <a:tc>
+                  <a:txBody>
+                    <a:bodyPr/>
+                    <a:lstStyle/>
+                    <a:p>
+                      <a:pPr algn="ctr"/>
+                      <a:endParaRPr lang="en-US" dirty="0"/>
+                    </a:p>
+                  </a:txBody>
+                  <a:tcPr/>
+                </a:tc>
+                <a:tc>
+                  <a:txBody>
+                    <a:bodyPr/>
+                    <a:lstStyle/>
+                    <a:p>
+                      <a:pPr algn="ctr"/>
+                      <a:r>
+                        <a:rPr lang="en-US" dirty="0"/>
+                        <a:t>1 x 4</a:t>
+                      </a:r>
+                    </a:p>
+                  </a:txBody>
+                  <a:tcPr/>
+                </a:tc>
+                <a:tc>
+                  <a:txBody>
+                    <a:bodyPr/>
+                    <a:lstStyle/>
+                    <a:p>
+                      <a:pPr algn="ctr"/>
+                      <a:r>
+                        <a:rPr lang="en-US" dirty="0"/>
+                        <a:t>0 x 2</a:t>
+                      </a:r>
+                    </a:p>
+                  </a:txBody>
+                  <a:tcPr/>
+                </a:tc>
+                <a:tc>
+                  <a:txBody>
+                    <a:bodyPr/>
+                    <a:lstStyle/>
+                    <a:p>
+                      <a:pPr algn="ctr"/>
+                      <a:r>
+                        <a:rPr lang="en-US" dirty="0"/>
+                        <a:t>0.45</a:t>
+                      </a:r>
+                    </a:p>
+                  </a:txBody>
+                  <a:tcPr/>
+                </a:tc>
+                <a:extLst>
+                  <a:ext uri="{0D108BD9-81ED-4DB2-BD59-A6C34878D82A}">
+                    <a16:rowId xmlns:a16="http://schemas.microsoft.com/office/drawing/2014/main" val="3237164137"/>
+                  </a:ext>
+                </a:extLst>
+              </a:tr>
+              <a:tr h="370840">
+                <a:tc>
+                  <a:txBody>
+                    <a:bodyPr/>
+                    <a:lstStyle/>
+                    <a:p>
+                      <a:pPr algn="ctr"/>
+                      <a:endParaRPr lang="en-US" dirty="0"/>
+                    </a:p>
+                  </a:txBody>
+                  <a:tcPr/>
+                </a:tc>
+                <a:tc>
+                  <a:txBody>
+                    <a:bodyPr/>
+                    <a:lstStyle/>
+                    <a:p>
+                      <a:pPr algn="ctr"/>
+                      <a:endParaRPr lang="en-US" dirty="0"/>
+                    </a:p>
+                  </a:txBody>
+                  <a:tcPr/>
+                </a:tc>
+                <a:tc>
+                  <a:txBody>
+                    <a:bodyPr/>
+                    <a:lstStyle/>
+                    <a:p>
+                      <a:pPr algn="ctr"/>
+                      <a:endParaRPr lang="en-US" dirty="0"/>
+                    </a:p>
+                  </a:txBody>
+                  <a:tcPr/>
+                </a:tc>
+                <a:tc>
+                  <a:txBody>
+                    <a:bodyPr/>
+                    <a:lstStyle/>
+                    <a:p>
+                      <a:pPr algn="ctr"/>
+                      <a:r>
+                        <a:rPr lang="en-US" dirty="0"/>
+                        <a:t>1.20</a:t>
+                      </a:r>
+                    </a:p>
+                  </a:txBody>
+                  <a:tcPr/>
+                </a:tc>
+                <a:extLst>
+                  <a:ext uri="{0D108BD9-81ED-4DB2-BD59-A6C34878D82A}">
+                    <a16:rowId xmlns:a16="http://schemas.microsoft.com/office/drawing/2014/main" val="3157315607"/>
+                  </a:ext>
+                </a:extLst>
+              </a:tr>
+              <a:tr h="370840">
+                <a:tc>
+                  <a:txBody>
+                    <a:bodyPr/>
+                    <a:lstStyle/>
+                    <a:p>
+                      <a:pPr algn="ctr"/>
+                      <a:endParaRPr lang="en-US" dirty="0"/>
+                    </a:p>
+                  </a:txBody>
+                  <a:tcPr/>
+                </a:tc>
+                <a:tc>
+                  <a:txBody>
+                    <a:bodyPr/>
+                    <a:lstStyle/>
+                    <a:p>
+                      <a:pPr algn="ctr"/>
+                      <a:endParaRPr lang="en-US" dirty="0"/>
+                    </a:p>
+                  </a:txBody>
+                  <a:tcPr/>
+                </a:tc>
+                <a:tc>
+                  <a:txBody>
+                    <a:bodyPr/>
+                    <a:lstStyle/>
+                    <a:p>
+                      <a:pPr algn="ctr"/>
+                      <a:r>
+                        <a:rPr lang="en-US" dirty="0"/>
+                        <a:t>1 x 2</a:t>
+                      </a:r>
+                    </a:p>
+                  </a:txBody>
+                  <a:tcPr/>
+                </a:tc>
+                <a:tc>
+                  <a:txBody>
+                    <a:bodyPr/>
+                    <a:lstStyle/>
+                    <a:p>
+                      <a:pPr algn="ctr"/>
+                      <a:r>
+                        <a:rPr lang="en-US" dirty="0"/>
+                        <a:t>-0.62</a:t>
+                      </a:r>
+                    </a:p>
+                  </a:txBody>
+                  <a:tcPr/>
+                </a:tc>
+                <a:extLst>
+                  <a:ext uri="{0D108BD9-81ED-4DB2-BD59-A6C34878D82A}">
+                    <a16:rowId xmlns:a16="http://schemas.microsoft.com/office/drawing/2014/main" val="3417470771"/>
+                  </a:ext>
+                </a:extLst>
+              </a:tr>
+              <a:tr h="370840">
+                <a:tc>
+                  <a:txBody>
+                    <a:bodyPr/>
+                    <a:lstStyle/>
+                    <a:p>
+                      <a:pPr algn="ctr"/>
+                      <a:endParaRPr lang="en-US" dirty="0"/>
+                    </a:p>
+                  </a:txBody>
+                  <a:tcPr/>
+                </a:tc>
+                <a:tc>
+                  <a:txBody>
+                    <a:bodyPr/>
+                    <a:lstStyle/>
+                    <a:p>
+                      <a:pPr algn="ctr"/>
+                      <a:endParaRPr lang="en-US" dirty="0"/>
+                    </a:p>
+                  </a:txBody>
+                  <a:tcPr/>
+                </a:tc>
+                <a:tc>
+                  <a:txBody>
+                    <a:bodyPr/>
+                    <a:lstStyle/>
+                    <a:p>
+                      <a:pPr algn="ctr"/>
+                      <a:endParaRPr lang="en-US" dirty="0"/>
+                    </a:p>
+                  </a:txBody>
+                  <a:tcPr/>
+                </a:tc>
+                <a:tc>
+                  <a:txBody>
+                    <a:bodyPr/>
+                    <a:lstStyle/>
+                    <a:p>
+                      <a:pPr algn="ctr"/>
+                      <a:r>
+                        <a:rPr lang="en-US" dirty="0"/>
+                        <a:t>0.54</a:t>
+                      </a:r>
+                    </a:p>
+                  </a:txBody>
+                  <a:tcPr/>
+                </a:tc>
+                <a:extLst>
+                  <a:ext uri="{0D108BD9-81ED-4DB2-BD59-A6C34878D82A}">
+                    <a16:rowId xmlns:a16="http://schemas.microsoft.com/office/drawing/2014/main" val="860568051"/>
+                  </a:ext>
+                </a:extLst>
+              </a:tr>
+              <a:tr h="370840">
+                <a:tc>
+                  <a:txBody>
+                    <a:bodyPr/>
+                    <a:lstStyle/>
+                    <a:p>
+                      <a:pPr algn="ctr"/>
+                      <a:endParaRPr lang="en-US" dirty="0"/>
+                    </a:p>
+                  </a:txBody>
+                  <a:tcPr/>
+                </a:tc>
+                <a:tc>
+                  <a:txBody>
+                    <a:bodyPr/>
+                    <a:lstStyle/>
+                    <a:p>
+                      <a:pPr algn="ctr"/>
+                      <a:r>
+                        <a:rPr lang="en-US" dirty="0"/>
+                        <a:t>2 x 4</a:t>
+                      </a:r>
+                    </a:p>
+                  </a:txBody>
+                  <a:tcPr/>
+                </a:tc>
+                <a:tc>
+                  <a:txBody>
+                    <a:bodyPr/>
+                    <a:lstStyle/>
+                    <a:p>
+                      <a:pPr algn="ctr"/>
+                      <a:r>
+                        <a:rPr lang="en-US" dirty="0"/>
+                        <a:t>0 x 2</a:t>
+                      </a:r>
+                    </a:p>
+                  </a:txBody>
+                  <a:tcPr/>
+                </a:tc>
+                <a:tc>
+                  <a:txBody>
+                    <a:bodyPr/>
+                    <a:lstStyle/>
+                    <a:p>
+                      <a:pPr algn="ctr"/>
+                      <a:r>
+                        <a:rPr lang="en-US" dirty="0"/>
+                        <a:t>-0.23</a:t>
+                      </a:r>
+                    </a:p>
+                  </a:txBody>
+                  <a:tcPr/>
+                </a:tc>
+                <a:extLst>
+                  <a:ext uri="{0D108BD9-81ED-4DB2-BD59-A6C34878D82A}">
+                    <a16:rowId xmlns:a16="http://schemas.microsoft.com/office/drawing/2014/main" val="1960092094"/>
+                  </a:ext>
+                </a:extLst>
+              </a:tr>
+              <a:tr h="370840">
+                <a:tc>
+                  <a:txBody>
+                    <a:bodyPr/>
+                    <a:lstStyle/>
+                    <a:p>
+                      <a:pPr algn="ctr"/>
+                      <a:endParaRPr lang="en-US" dirty="0"/>
+                    </a:p>
+                  </a:txBody>
+                  <a:tcPr/>
+                </a:tc>
+                <a:tc>
+                  <a:txBody>
+                    <a:bodyPr/>
+                    <a:lstStyle/>
+                    <a:p>
+                      <a:pPr algn="ctr"/>
+                      <a:endParaRPr lang="en-US" dirty="0"/>
+                    </a:p>
+                  </a:txBody>
+                  <a:tcPr/>
+                </a:tc>
+                <a:tc>
+                  <a:txBody>
+                    <a:bodyPr/>
+                    <a:lstStyle/>
+                    <a:p>
+                      <a:pPr algn="ctr"/>
+                      <a:endParaRPr lang="en-US" dirty="0"/>
+                    </a:p>
+                  </a:txBody>
+                  <a:tcPr/>
+                </a:tc>
+                <a:tc>
+                  <a:txBody>
+                    <a:bodyPr/>
+                    <a:lstStyle/>
+                    <a:p>
+                      <a:pPr algn="ctr"/>
+                      <a:r>
+                        <a:rPr lang="en-US" dirty="0"/>
+                        <a:t>0.12</a:t>
+                      </a:r>
+                    </a:p>
+                  </a:txBody>
+                  <a:tcPr/>
+                </a:tc>
+                <a:extLst>
+                  <a:ext uri="{0D108BD9-81ED-4DB2-BD59-A6C34878D82A}">
+                    <a16:rowId xmlns:a16="http://schemas.microsoft.com/office/drawing/2014/main" val="2128441436"/>
+                  </a:ext>
+                </a:extLst>
+              </a:tr>
+              <a:tr h="370840">
+                <a:tc>
+                  <a:txBody>
+                    <a:bodyPr/>
+                    <a:lstStyle/>
+                    <a:p>
+                      <a:pPr algn="ctr"/>
+                      <a:endParaRPr lang="en-US" dirty="0"/>
+                    </a:p>
+                  </a:txBody>
+                  <a:tcPr/>
+                </a:tc>
+                <a:tc>
+                  <a:txBody>
+                    <a:bodyPr/>
+                    <a:lstStyle/>
+                    <a:p>
+                      <a:pPr algn="ctr"/>
+                      <a:endParaRPr lang="en-US" dirty="0"/>
+                    </a:p>
+                  </a:txBody>
+                  <a:tcPr/>
+                </a:tc>
+                <a:tc>
+                  <a:txBody>
+                    <a:bodyPr/>
+                    <a:lstStyle/>
+                    <a:p>
+                      <a:pPr algn="ctr"/>
+                      <a:r>
+                        <a:rPr lang="en-US" dirty="0"/>
+                        <a:t>1 x 2</a:t>
+                      </a:r>
+                    </a:p>
+                  </a:txBody>
+                  <a:tcPr/>
+                </a:tc>
+                <a:tc>
+                  <a:txBody>
+                    <a:bodyPr/>
+                    <a:lstStyle/>
+                    <a:p>
+                      <a:pPr algn="ctr"/>
+                      <a:r>
+                        <a:rPr lang="en-US" dirty="0"/>
+                        <a:t>0.76</a:t>
+                      </a:r>
+                    </a:p>
+                  </a:txBody>
+                  <a:tcPr/>
+                </a:tc>
+                <a:extLst>
+                  <a:ext uri="{0D108BD9-81ED-4DB2-BD59-A6C34878D82A}">
+                    <a16:rowId xmlns:a16="http://schemas.microsoft.com/office/drawing/2014/main" val="1736675443"/>
+                  </a:ext>
+                </a:extLst>
+              </a:tr>
+              <a:tr h="370840">
+                <a:tc>
+                  <a:txBody>
+                    <a:bodyPr/>
+                    <a:lstStyle/>
+                    <a:p>
+                      <a:pPr algn="ctr"/>
+                      <a:endParaRPr lang="en-US" dirty="0"/>
+                    </a:p>
+                  </a:txBody>
+                  <a:tcPr/>
+                </a:tc>
+                <a:tc>
+                  <a:txBody>
+                    <a:bodyPr/>
+                    <a:lstStyle/>
+                    <a:p>
+                      <a:pPr algn="ctr"/>
+                      <a:endParaRPr lang="en-US" dirty="0"/>
+                    </a:p>
+                  </a:txBody>
+                  <a:tcPr/>
+                </a:tc>
+                <a:tc>
+                  <a:txBody>
+                    <a:bodyPr/>
+                    <a:lstStyle/>
+                    <a:p>
+                      <a:pPr algn="ctr"/>
+                      <a:endParaRPr lang="en-US" dirty="0"/>
+                    </a:p>
+                  </a:txBody>
+                  <a:tcPr/>
+                </a:tc>
+                <a:tc>
+                  <a:txBody>
+                    <a:bodyPr/>
+                    <a:lstStyle/>
+                    <a:p>
+                      <a:pPr algn="ctr"/>
+                      <a:r>
+                        <a:rPr lang="en-US" dirty="0"/>
+                        <a:t>-0.42</a:t>
+                      </a:r>
+                    </a:p>
+                  </a:txBody>
+                  <a:tcPr/>
+                </a:tc>
+                <a:extLst>
+                  <a:ext uri="{0D108BD9-81ED-4DB2-BD59-A6C34878D82A}">
+                    <a16:rowId xmlns:a16="http://schemas.microsoft.com/office/drawing/2014/main" val="4266779158"/>
+                  </a:ext>
+                </a:extLst>
+              </a:tr>
+              <a:tr h="370840">
+                <a:tc>
+                  <a:txBody>
+                    <a:bodyPr/>
+                    <a:lstStyle/>
+                    <a:p>
+                      <a:pPr algn="ctr"/>
+                      <a:r>
+                        <a:rPr lang="en-US" dirty="0"/>
+                        <a:t>1 x 12</a:t>
+                      </a:r>
+                    </a:p>
+                  </a:txBody>
+                  <a:tcPr/>
+                </a:tc>
+                <a:tc>
+                  <a:txBody>
+                    <a:bodyPr/>
+                    <a:lstStyle/>
+                    <a:p>
+                      <a:pPr algn="ctr"/>
+                      <a:r>
+                        <a:rPr lang="en-US" dirty="0"/>
+                        <a:t>0 x 4</a:t>
+                      </a:r>
+                    </a:p>
+                  </a:txBody>
+                  <a:tcPr/>
+                </a:tc>
+                <a:tc>
+                  <a:txBody>
+                    <a:bodyPr/>
+                    <a:lstStyle/>
+                    <a:p>
+                      <a:pPr algn="ctr"/>
+                      <a:r>
+                        <a:rPr lang="en-US" dirty="0"/>
+                        <a:t>0 x 2</a:t>
+                      </a:r>
+                    </a:p>
+                  </a:txBody>
+                  <a:tcPr/>
+                </a:tc>
+                <a:tc>
+                  <a:txBody>
+                    <a:bodyPr/>
+                    <a:lstStyle/>
+                    <a:p>
+                      <a:pPr algn="ctr"/>
+                      <a:r>
+                        <a:rPr lang="en-US" dirty="0"/>
+                        <a:t>-2.1</a:t>
+                      </a:r>
+                    </a:p>
+                  </a:txBody>
+                  <a:tcPr/>
+                </a:tc>
+                <a:extLst>
+                  <a:ext uri="{0D108BD9-81ED-4DB2-BD59-A6C34878D82A}">
+                    <a16:rowId xmlns:a16="http://schemas.microsoft.com/office/drawing/2014/main" val="795802479"/>
+                  </a:ext>
+                </a:extLst>
+              </a:tr>
+              <a:tr h="370840">
+                <a:tc>
+                  <a:txBody>
+                    <a:bodyPr/>
+                    <a:lstStyle/>
+                    <a:p>
+                      <a:pPr algn="ctr"/>
+                      <a:endParaRPr lang="en-US" dirty="0"/>
+                    </a:p>
+                  </a:txBody>
+                  <a:tcPr/>
+                </a:tc>
+                <a:tc>
+                  <a:txBody>
+                    <a:bodyPr/>
+                    <a:lstStyle/>
+                    <a:p>
+                      <a:pPr algn="ctr"/>
+                      <a:endParaRPr lang="en-US" dirty="0"/>
+                    </a:p>
+                  </a:txBody>
+                  <a:tcPr/>
+                </a:tc>
+                <a:tc>
+                  <a:txBody>
+                    <a:bodyPr/>
+                    <a:lstStyle/>
+                    <a:p>
+                      <a:pPr algn="ctr"/>
+                      <a:endParaRPr lang="en-US" dirty="0"/>
+                    </a:p>
+                  </a:txBody>
+                  <a:tcPr/>
+                </a:tc>
+                <a:tc>
+                  <a:txBody>
+                    <a:bodyPr/>
+                    <a:lstStyle/>
+                    <a:p>
+                      <a:pPr algn="ctr"/>
+                      <a:r>
+                        <a:rPr lang="en-US" dirty="0"/>
+                        <a:t>0.39</a:t>
+                      </a:r>
+                    </a:p>
+                  </a:txBody>
+                  <a:tcPr/>
+                </a:tc>
+                <a:extLst>
+                  <a:ext uri="{0D108BD9-81ED-4DB2-BD59-A6C34878D82A}">
+                    <a16:rowId xmlns:a16="http://schemas.microsoft.com/office/drawing/2014/main" val="4071544804"/>
+                  </a:ext>
+                </a:extLst>
+              </a:tr>
+              <a:tr h="370840">
+                <a:tc>
+                  <a:txBody>
+                    <a:bodyPr/>
+                    <a:lstStyle/>
+                    <a:p>
+                      <a:pPr algn="ctr"/>
+                      <a:r>
+                        <a:rPr lang="en-US" dirty="0"/>
+                        <a:t>…</a:t>
+                      </a:r>
+                    </a:p>
+                  </a:txBody>
+                  <a:tcPr/>
+                </a:tc>
+                <a:tc>
+                  <a:txBody>
+                    <a:bodyPr/>
+                    <a:lstStyle/>
+                    <a:p>
+                      <a:pPr algn="ctr"/>
+                      <a:r>
+                        <a:rPr lang="en-US" dirty="0"/>
+                        <a:t>…</a:t>
+                      </a:r>
+                    </a:p>
+                  </a:txBody>
+                  <a:tcPr/>
+                </a:tc>
+                <a:tc>
+                  <a:txBody>
+                    <a:bodyPr/>
+                    <a:lstStyle/>
+                    <a:p>
+                      <a:pPr algn="ctr"/>
+                      <a:r>
+                        <a:rPr lang="en-US" dirty="0"/>
+                        <a:t>…</a:t>
+                      </a:r>
+                    </a:p>
+                  </a:txBody>
+                  <a:tcPr/>
+                </a:tc>
+                <a:tc>
+                  <a:txBody>
+                    <a:bodyPr/>
+                    <a:lstStyle/>
+                    <a:p>
+                      <a:pPr algn="ctr"/>
+                      <a:r>
+                        <a:rPr lang="en-US" dirty="0"/>
+                        <a:t>…</a:t>
+                      </a:r>
+                    </a:p>
+                  </a:txBody>
+                  <a:tcPr/>
+                </a:tc>
+                <a:extLst>
+                  <a:ext uri="{0D108BD9-81ED-4DB2-BD59-A6C34878D82A}">
+                    <a16:rowId xmlns:a16="http://schemas.microsoft.com/office/drawing/2014/main" val="2760897089"/>
+                  </a:ext>
+                </a:extLst>
+              </a:tr>
+            </a:tbl>
+          </a:graphicData>
+        </a:graphic>
+      </p:graphicFrame>
+    </p:spTree>
+    <p:extLst>
+      <p:ext uri="{BB962C8B-B14F-4D97-AF65-F5344CB8AC3E}">
+        <p14:creationId xmlns:p14="http://schemas.microsoft.com/office/powerpoint/2010/main" val="1483434326"/>
+      </p:ext>
+    </p:extLst>
+  </p:cSld>
+  <p:clrMapOvr>
+    <a:masterClrMapping/>
+  </p:clrMapOvr>
+</p:sld>
+</file>
+
+<file path=ppt/slides/slide18.xml><?xml version="1.0" encoding="utf-8"?>
+<p:sld xmlns:a="http://schemas.openxmlformats.org/drawingml/2006/main" xmlns:r="http://schemas.openxmlformats.org/officeDocument/2006/relationships" xmlns:p="http://schemas.openxmlformats.org/presentationml/2006/main">
+  <p:cSld>
+    <p:spTree>
+      <p:nvGrpSpPr>
+        <p:cNvPr id="1" name="">
+          <a:extLst>
+            <a:ext uri="{FF2B5EF4-FFF2-40B4-BE49-F238E27FC236}">
+              <a16:creationId xmlns:a16="http://schemas.microsoft.com/office/drawing/2014/main" id="{98439DA3-154F-E288-1759-7220FCDC6289}"/>
+            </a:ext>
+          </a:extLst>
+        </p:cNvPr>
+        <p:cNvGrpSpPr/>
+        <p:nvPr/>
+      </p:nvGrpSpPr>
+      <p:grpSpPr>
+        <a:xfrm>
+          <a:off x="0" y="0"/>
+          <a:ext cx="0" cy="0"/>
+          <a:chOff x="0" y="0"/>
+          <a:chExt cx="0" cy="0"/>
+        </a:xfrm>
+      </p:grpSpPr>
+      <p:graphicFrame>
+        <p:nvGraphicFramePr>
+          <p:cNvPr id="2" name="表格 1">
+            <a:extLst>
+              <a:ext uri="{FF2B5EF4-FFF2-40B4-BE49-F238E27FC236}">
+                <a16:creationId xmlns:a16="http://schemas.microsoft.com/office/drawing/2014/main" id="{D768A469-D85E-CBCF-2322-F87F3E0E3819}"/>
+              </a:ext>
+            </a:extLst>
+          </p:cNvPr>
+          <p:cNvGraphicFramePr>
+            <a:graphicFrameLocks noGrp="1"/>
+          </p:cNvGraphicFramePr>
+          <p:nvPr/>
+        </p:nvGraphicFramePr>
+        <p:xfrm>
+          <a:off x="758004" y="462280"/>
+          <a:ext cx="4471544" cy="5933440"/>
+        </p:xfrm>
+        <a:graphic>
+          <a:graphicData uri="http://schemas.openxmlformats.org/drawingml/2006/table">
+            <a:tbl>
+              <a:tblPr firstRow="1" bandRow="1">
+                <a:tableStyleId>{5C22544A-7EE6-4342-B048-85BDC9FD1C3A}</a:tableStyleId>
+              </a:tblPr>
+              <a:tblGrid>
+                <a:gridCol w="1117886">
+                  <a:extLst>
+                    <a:ext uri="{9D8B030D-6E8A-4147-A177-3AD203B41FA5}">
+                      <a16:colId xmlns:a16="http://schemas.microsoft.com/office/drawing/2014/main" val="2852095678"/>
+                    </a:ext>
+                  </a:extLst>
+                </a:gridCol>
+                <a:gridCol w="1117886">
+                  <a:extLst>
+                    <a:ext uri="{9D8B030D-6E8A-4147-A177-3AD203B41FA5}">
+                      <a16:colId xmlns:a16="http://schemas.microsoft.com/office/drawing/2014/main" val="178452080"/>
+                    </a:ext>
+                  </a:extLst>
+                </a:gridCol>
+                <a:gridCol w="1117886">
+                  <a:extLst>
+                    <a:ext uri="{9D8B030D-6E8A-4147-A177-3AD203B41FA5}">
+                      <a16:colId xmlns:a16="http://schemas.microsoft.com/office/drawing/2014/main" val="202068624"/>
+                    </a:ext>
+                  </a:extLst>
+                </a:gridCol>
+                <a:gridCol w="1117886">
+                  <a:extLst>
+                    <a:ext uri="{9D8B030D-6E8A-4147-A177-3AD203B41FA5}">
+                      <a16:colId xmlns:a16="http://schemas.microsoft.com/office/drawing/2014/main" val="2786264312"/>
+                    </a:ext>
+                  </a:extLst>
+                </a:gridCol>
+              </a:tblGrid>
+              <a:tr h="370840">
+                <a:tc>
+                  <a:txBody>
+                    <a:bodyPr/>
+                    <a:lstStyle/>
+                    <a:p>
+                      <a:pPr algn="ctr"/>
+                      <a:r>
+                        <a:rPr lang="en-US" dirty="0"/>
+                        <a:t>Channel</a:t>
+                      </a:r>
+                    </a:p>
+                  </a:txBody>
+                  <a:tcPr/>
+                </a:tc>
+                <a:tc>
+                  <a:txBody>
+                    <a:bodyPr/>
+                    <a:lstStyle/>
+                    <a:p>
+                      <a:pPr algn="ctr"/>
+                      <a:r>
+                        <a:rPr lang="en-US" dirty="0"/>
+                        <a:t>Row</a:t>
+                      </a:r>
+                    </a:p>
+                  </a:txBody>
+                  <a:tcPr/>
+                </a:tc>
+                <a:tc>
+                  <a:txBody>
+                    <a:bodyPr/>
+                    <a:lstStyle/>
+                    <a:p>
+                      <a:pPr algn="ctr"/>
+                      <a:r>
+                        <a:rPr lang="en-US" dirty="0"/>
+                        <a:t>Column</a:t>
+                      </a:r>
+                    </a:p>
+                  </a:txBody>
+                  <a:tcPr/>
+                </a:tc>
+                <a:tc>
+                  <a:txBody>
+                    <a:bodyPr/>
+                    <a:lstStyle/>
+                    <a:p>
+                      <a:pPr algn="ctr"/>
+                      <a:r>
+                        <a:rPr lang="en-US" dirty="0"/>
+                        <a:t>Value</a:t>
+                      </a:r>
+                    </a:p>
+                  </a:txBody>
+                  <a:tcPr/>
+                </a:tc>
+                <a:extLst>
+                  <a:ext uri="{0D108BD9-81ED-4DB2-BD59-A6C34878D82A}">
+                    <a16:rowId xmlns:a16="http://schemas.microsoft.com/office/drawing/2014/main" val="4216508091"/>
+                  </a:ext>
+                </a:extLst>
+              </a:tr>
+              <a:tr h="370840">
+                <a:tc>
+                  <a:txBody>
+                    <a:bodyPr/>
+                    <a:lstStyle/>
+                    <a:p>
+                      <a:pPr algn="ctr"/>
+                      <a:r>
+                        <a:rPr lang="en-US" dirty="0"/>
+                        <a:t>0</a:t>
+                      </a:r>
+                    </a:p>
+                  </a:txBody>
+                  <a:tcPr/>
+                </a:tc>
+                <a:tc>
+                  <a:txBody>
+                    <a:bodyPr/>
+                    <a:lstStyle/>
+                    <a:p>
+                      <a:pPr algn="ctr"/>
+                      <a:r>
+                        <a:rPr lang="en-US" dirty="0"/>
+                        <a:t>0</a:t>
+                      </a:r>
+                    </a:p>
+                  </a:txBody>
+                  <a:tcPr/>
+                </a:tc>
+                <a:tc>
+                  <a:txBody>
+                    <a:bodyPr/>
+                    <a:lstStyle/>
+                    <a:p>
+                      <a:pPr algn="ctr"/>
+                      <a:r>
+                        <a:rPr lang="en-US" dirty="0"/>
+                        <a:t>0</a:t>
+                      </a:r>
+                    </a:p>
+                  </a:txBody>
+                  <a:tcPr/>
+                </a:tc>
+                <a:tc>
+                  <a:txBody>
+                    <a:bodyPr/>
+                    <a:lstStyle/>
+                    <a:p>
+                      <a:pPr algn="ctr"/>
+                      <a:r>
+                        <a:rPr lang="en-US" dirty="0"/>
+                        <a:t>0.14</a:t>
+                      </a:r>
+                    </a:p>
+                  </a:txBody>
+                  <a:tcPr/>
+                </a:tc>
+                <a:extLst>
+                  <a:ext uri="{0D108BD9-81ED-4DB2-BD59-A6C34878D82A}">
+                    <a16:rowId xmlns:a16="http://schemas.microsoft.com/office/drawing/2014/main" val="4252448622"/>
+                  </a:ext>
+                </a:extLst>
+              </a:tr>
+              <a:tr h="370840">
+                <a:tc>
+                  <a:txBody>
+                    <a:bodyPr/>
+                    <a:lstStyle/>
+                    <a:p>
+                      <a:pPr algn="ctr"/>
+                      <a:r>
+                        <a:rPr lang="en-US" dirty="0"/>
+                        <a:t>0</a:t>
+                      </a:r>
+                    </a:p>
+                  </a:txBody>
+                  <a:tcPr/>
+                </a:tc>
+                <a:tc>
+                  <a:txBody>
+                    <a:bodyPr/>
+                    <a:lstStyle/>
+                    <a:p>
+                      <a:pPr algn="ctr"/>
+                      <a:r>
+                        <a:rPr lang="en-US" dirty="0"/>
+                        <a:t>0</a:t>
+                      </a:r>
+                    </a:p>
+                  </a:txBody>
+                  <a:tcPr/>
+                </a:tc>
+                <a:tc>
+                  <a:txBody>
+                    <a:bodyPr/>
+                    <a:lstStyle/>
+                    <a:p>
+                      <a:pPr algn="ctr"/>
+                      <a:r>
+                        <a:rPr lang="en-US" dirty="0"/>
+                        <a:t>0</a:t>
+                      </a:r>
+                    </a:p>
+                  </a:txBody>
+                  <a:tcPr/>
+                </a:tc>
+                <a:tc>
+                  <a:txBody>
+                    <a:bodyPr/>
+                    <a:lstStyle/>
+                    <a:p>
+                      <a:pPr algn="ctr"/>
+                      <a:r>
+                        <a:rPr lang="en-US" dirty="0"/>
+                        <a:t>0.25</a:t>
+                      </a:r>
+                    </a:p>
+                  </a:txBody>
+                  <a:tcPr/>
+                </a:tc>
+                <a:extLst>
+                  <a:ext uri="{0D108BD9-81ED-4DB2-BD59-A6C34878D82A}">
+                    <a16:rowId xmlns:a16="http://schemas.microsoft.com/office/drawing/2014/main" val="2531416486"/>
+                  </a:ext>
+                </a:extLst>
+              </a:tr>
+              <a:tr h="370840">
+                <a:tc>
+                  <a:txBody>
+                    <a:bodyPr/>
+                    <a:lstStyle/>
+                    <a:p>
+                      <a:pPr algn="ctr"/>
+                      <a:r>
+                        <a:rPr lang="en-US" dirty="0"/>
+                        <a:t>0</a:t>
+                      </a:r>
+                    </a:p>
+                  </a:txBody>
+                  <a:tcPr/>
+                </a:tc>
+                <a:tc>
+                  <a:txBody>
+                    <a:bodyPr/>
+                    <a:lstStyle/>
+                    <a:p>
+                      <a:pPr algn="ctr"/>
+                      <a:r>
+                        <a:rPr lang="en-US" dirty="0"/>
+                        <a:t>0</a:t>
+                      </a:r>
+                    </a:p>
+                  </a:txBody>
+                  <a:tcPr/>
+                </a:tc>
+                <a:tc>
+                  <a:txBody>
+                    <a:bodyPr/>
+                    <a:lstStyle/>
+                    <a:p>
+                      <a:pPr algn="ctr"/>
+                      <a:r>
+                        <a:rPr lang="en-US" dirty="0"/>
+                        <a:t>1</a:t>
+                      </a:r>
+                    </a:p>
+                  </a:txBody>
+                  <a:tcPr/>
+                </a:tc>
+                <a:tc>
+                  <a:txBody>
+                    <a:bodyPr/>
+                    <a:lstStyle/>
+                    <a:p>
+                      <a:pPr algn="ctr"/>
+                      <a:r>
+                        <a:rPr lang="en-US" dirty="0"/>
+                        <a:t>0.52</a:t>
+                      </a:r>
+                    </a:p>
+                  </a:txBody>
+                  <a:tcPr/>
+                </a:tc>
+                <a:extLst>
+                  <a:ext uri="{0D108BD9-81ED-4DB2-BD59-A6C34878D82A}">
+                    <a16:rowId xmlns:a16="http://schemas.microsoft.com/office/drawing/2014/main" val="2866520959"/>
+                  </a:ext>
+                </a:extLst>
+              </a:tr>
+              <a:tr h="370840">
+                <a:tc>
+                  <a:txBody>
+                    <a:bodyPr/>
+                    <a:lstStyle/>
+                    <a:p>
+                      <a:pPr algn="ctr"/>
+                      <a:r>
+                        <a:rPr lang="en-US" dirty="0"/>
+                        <a:t>0</a:t>
+                      </a:r>
+                    </a:p>
+                  </a:txBody>
+                  <a:tcPr/>
+                </a:tc>
+                <a:tc>
+                  <a:txBody>
+                    <a:bodyPr/>
+                    <a:lstStyle/>
+                    <a:p>
+                      <a:pPr algn="ctr"/>
+                      <a:r>
+                        <a:rPr lang="en-US" dirty="0"/>
+                        <a:t>0</a:t>
+                      </a:r>
+                    </a:p>
+                  </a:txBody>
+                  <a:tcPr/>
+                </a:tc>
+                <a:tc>
+                  <a:txBody>
+                    <a:bodyPr/>
+                    <a:lstStyle/>
+                    <a:p>
+                      <a:pPr algn="ctr"/>
+                      <a:r>
+                        <a:rPr lang="en-US" dirty="0"/>
+                        <a:t>1</a:t>
+                      </a:r>
+                    </a:p>
+                  </a:txBody>
+                  <a:tcPr/>
+                </a:tc>
+                <a:tc>
+                  <a:txBody>
+                    <a:bodyPr/>
+                    <a:lstStyle/>
+                    <a:p>
+                      <a:pPr algn="ctr"/>
+                      <a:r>
+                        <a:rPr lang="en-US" dirty="0"/>
+                        <a:t>-0.12</a:t>
+                      </a:r>
+                    </a:p>
+                  </a:txBody>
+                  <a:tcPr/>
+                </a:tc>
+                <a:extLst>
+                  <a:ext uri="{0D108BD9-81ED-4DB2-BD59-A6C34878D82A}">
+                    <a16:rowId xmlns:a16="http://schemas.microsoft.com/office/drawing/2014/main" val="2524549907"/>
+                  </a:ext>
+                </a:extLst>
+              </a:tr>
+              <a:tr h="370840">
+                <a:tc>
+                  <a:txBody>
+                    <a:bodyPr/>
+                    <a:lstStyle/>
+                    <a:p>
+                      <a:pPr algn="ctr"/>
+                      <a:r>
+                        <a:rPr lang="en-US" dirty="0"/>
+                        <a:t>0</a:t>
+                      </a:r>
+                    </a:p>
+                  </a:txBody>
+                  <a:tcPr/>
+                </a:tc>
+                <a:tc>
+                  <a:txBody>
+                    <a:bodyPr/>
+                    <a:lstStyle/>
+                    <a:p>
+                      <a:pPr algn="ctr"/>
+                      <a:r>
+                        <a:rPr lang="en-US" dirty="0"/>
+                        <a:t>1</a:t>
+                      </a:r>
+                    </a:p>
+                  </a:txBody>
+                  <a:tcPr/>
+                </a:tc>
+                <a:tc>
+                  <a:txBody>
+                    <a:bodyPr/>
+                    <a:lstStyle/>
+                    <a:p>
+                      <a:pPr algn="ctr"/>
+                      <a:r>
+                        <a:rPr lang="en-US" dirty="0"/>
+                        <a:t>0</a:t>
+                      </a:r>
+                    </a:p>
+                  </a:txBody>
+                  <a:tcPr/>
+                </a:tc>
+                <a:tc>
+                  <a:txBody>
+                    <a:bodyPr/>
+                    <a:lstStyle/>
+                    <a:p>
+                      <a:pPr algn="ctr"/>
+                      <a:r>
+                        <a:rPr lang="en-US" dirty="0"/>
+                        <a:t>0.45</a:t>
+                      </a:r>
+                    </a:p>
+                  </a:txBody>
+                  <a:tcPr/>
+                </a:tc>
+                <a:extLst>
+                  <a:ext uri="{0D108BD9-81ED-4DB2-BD59-A6C34878D82A}">
+                    <a16:rowId xmlns:a16="http://schemas.microsoft.com/office/drawing/2014/main" val="3237164137"/>
+                  </a:ext>
+                </a:extLst>
+              </a:tr>
+              <a:tr h="370840">
+                <a:tc>
+                  <a:txBody>
+                    <a:bodyPr/>
+                    <a:lstStyle/>
+                    <a:p>
+                      <a:pPr algn="ctr"/>
+                      <a:r>
+                        <a:rPr lang="en-US" dirty="0"/>
+                        <a:t>0</a:t>
+                      </a:r>
+                    </a:p>
+                  </a:txBody>
+                  <a:tcPr/>
+                </a:tc>
+                <a:tc>
+                  <a:txBody>
+                    <a:bodyPr/>
+                    <a:lstStyle/>
+                    <a:p>
+                      <a:pPr algn="ctr"/>
+                      <a:r>
+                        <a:rPr lang="en-US" dirty="0"/>
+                        <a:t>1</a:t>
+                      </a:r>
+                    </a:p>
+                  </a:txBody>
+                  <a:tcPr/>
+                </a:tc>
+                <a:tc>
+                  <a:txBody>
+                    <a:bodyPr/>
+                    <a:lstStyle/>
+                    <a:p>
+                      <a:pPr algn="ctr"/>
+                      <a:r>
+                        <a:rPr lang="en-US" dirty="0"/>
+                        <a:t>0</a:t>
+                      </a:r>
+                    </a:p>
+                  </a:txBody>
+                  <a:tcPr/>
+                </a:tc>
+                <a:tc>
+                  <a:txBody>
+                    <a:bodyPr/>
+                    <a:lstStyle/>
+                    <a:p>
+                      <a:pPr algn="ctr"/>
+                      <a:r>
+                        <a:rPr lang="en-US" dirty="0"/>
+                        <a:t>1.20</a:t>
+                      </a:r>
+                    </a:p>
+                  </a:txBody>
+                  <a:tcPr/>
+                </a:tc>
+                <a:extLst>
+                  <a:ext uri="{0D108BD9-81ED-4DB2-BD59-A6C34878D82A}">
+                    <a16:rowId xmlns:a16="http://schemas.microsoft.com/office/drawing/2014/main" val="3157315607"/>
+                  </a:ext>
+                </a:extLst>
+              </a:tr>
+              <a:tr h="370840">
+                <a:tc>
+                  <a:txBody>
+                    <a:bodyPr/>
+                    <a:lstStyle/>
+                    <a:p>
+                      <a:pPr algn="ctr"/>
+                      <a:r>
+                        <a:rPr lang="en-US" dirty="0"/>
+                        <a:t>0</a:t>
+                      </a:r>
+                    </a:p>
+                  </a:txBody>
+                  <a:tcPr/>
+                </a:tc>
+                <a:tc>
+                  <a:txBody>
+                    <a:bodyPr/>
+                    <a:lstStyle/>
+                    <a:p>
+                      <a:pPr algn="ctr"/>
+                      <a:r>
+                        <a:rPr lang="en-US" dirty="0"/>
+                        <a:t>1</a:t>
+                      </a:r>
+                    </a:p>
+                  </a:txBody>
+                  <a:tcPr/>
+                </a:tc>
+                <a:tc>
+                  <a:txBody>
+                    <a:bodyPr/>
+                    <a:lstStyle/>
+                    <a:p>
+                      <a:pPr algn="ctr"/>
+                      <a:r>
+                        <a:rPr lang="en-US" dirty="0"/>
+                        <a:t>1</a:t>
+                      </a:r>
+                    </a:p>
+                  </a:txBody>
+                  <a:tcPr/>
+                </a:tc>
+                <a:tc>
+                  <a:txBody>
+                    <a:bodyPr/>
+                    <a:lstStyle/>
+                    <a:p>
+                      <a:pPr algn="ctr"/>
+                      <a:r>
+                        <a:rPr lang="en-US" dirty="0"/>
+                        <a:t>-0.62</a:t>
+                      </a:r>
+                    </a:p>
+                  </a:txBody>
+                  <a:tcPr/>
+                </a:tc>
+                <a:extLst>
+                  <a:ext uri="{0D108BD9-81ED-4DB2-BD59-A6C34878D82A}">
+                    <a16:rowId xmlns:a16="http://schemas.microsoft.com/office/drawing/2014/main" val="3417470771"/>
+                  </a:ext>
+                </a:extLst>
+              </a:tr>
+              <a:tr h="370840">
+                <a:tc>
+                  <a:txBody>
+                    <a:bodyPr/>
+                    <a:lstStyle/>
+                    <a:p>
+                      <a:pPr algn="ctr"/>
+                      <a:r>
+                        <a:rPr lang="en-US" dirty="0"/>
+                        <a:t>0</a:t>
+                      </a:r>
+                    </a:p>
+                  </a:txBody>
+                  <a:tcPr/>
+                </a:tc>
+                <a:tc>
+                  <a:txBody>
+                    <a:bodyPr/>
+                    <a:lstStyle/>
+                    <a:p>
+                      <a:pPr algn="ctr"/>
+                      <a:r>
+                        <a:rPr lang="en-US" dirty="0"/>
+                        <a:t>1</a:t>
+                      </a:r>
+                    </a:p>
+                  </a:txBody>
+                  <a:tcPr/>
+                </a:tc>
+                <a:tc>
+                  <a:txBody>
+                    <a:bodyPr/>
+                    <a:lstStyle/>
+                    <a:p>
+                      <a:pPr algn="ctr"/>
+                      <a:r>
+                        <a:rPr lang="en-US" dirty="0"/>
+                        <a:t>1</a:t>
+                      </a:r>
+                    </a:p>
+                  </a:txBody>
+                  <a:tcPr/>
+                </a:tc>
+                <a:tc>
+                  <a:txBody>
+                    <a:bodyPr/>
+                    <a:lstStyle/>
+                    <a:p>
+                      <a:pPr algn="ctr"/>
+                      <a:r>
+                        <a:rPr lang="en-US" dirty="0"/>
+                        <a:t>0.54</a:t>
+                      </a:r>
+                    </a:p>
+                  </a:txBody>
+                  <a:tcPr/>
+                </a:tc>
+                <a:extLst>
+                  <a:ext uri="{0D108BD9-81ED-4DB2-BD59-A6C34878D82A}">
+                    <a16:rowId xmlns:a16="http://schemas.microsoft.com/office/drawing/2014/main" val="860568051"/>
+                  </a:ext>
+                </a:extLst>
+              </a:tr>
+              <a:tr h="370840">
+                <a:tc>
+                  <a:txBody>
+                    <a:bodyPr/>
+                    <a:lstStyle/>
+                    <a:p>
+                      <a:pPr algn="ctr"/>
+                      <a:r>
+                        <a:rPr lang="en-US" dirty="0"/>
+                        <a:t>0</a:t>
+                      </a:r>
+                    </a:p>
+                  </a:txBody>
+                  <a:tcPr/>
+                </a:tc>
+                <a:tc>
+                  <a:txBody>
+                    <a:bodyPr/>
+                    <a:lstStyle/>
+                    <a:p>
+                      <a:pPr algn="ctr"/>
+                      <a:r>
+                        <a:rPr lang="en-US" dirty="0"/>
+                        <a:t>2</a:t>
+                      </a:r>
+                    </a:p>
+                  </a:txBody>
+                  <a:tcPr/>
+                </a:tc>
+                <a:tc>
+                  <a:txBody>
+                    <a:bodyPr/>
+                    <a:lstStyle/>
+                    <a:p>
+                      <a:pPr algn="ctr"/>
+                      <a:r>
+                        <a:rPr lang="en-US" dirty="0"/>
+                        <a:t>0</a:t>
+                      </a:r>
+                    </a:p>
+                  </a:txBody>
+                  <a:tcPr/>
+                </a:tc>
+                <a:tc>
+                  <a:txBody>
+                    <a:bodyPr/>
+                    <a:lstStyle/>
+                    <a:p>
+                      <a:pPr algn="ctr"/>
+                      <a:r>
+                        <a:rPr lang="en-US" dirty="0"/>
+                        <a:t>-0.23</a:t>
+                      </a:r>
+                    </a:p>
+                  </a:txBody>
+                  <a:tcPr/>
+                </a:tc>
+                <a:extLst>
+                  <a:ext uri="{0D108BD9-81ED-4DB2-BD59-A6C34878D82A}">
+                    <a16:rowId xmlns:a16="http://schemas.microsoft.com/office/drawing/2014/main" val="1960092094"/>
+                  </a:ext>
+                </a:extLst>
+              </a:tr>
+              <a:tr h="370840">
+                <a:tc>
+                  <a:txBody>
+                    <a:bodyPr/>
+                    <a:lstStyle/>
+                    <a:p>
+                      <a:pPr algn="ctr"/>
+                      <a:r>
+                        <a:rPr lang="en-US" dirty="0"/>
+                        <a:t>0</a:t>
+                      </a:r>
+                    </a:p>
+                  </a:txBody>
+                  <a:tcPr/>
+                </a:tc>
+                <a:tc>
+                  <a:txBody>
+                    <a:bodyPr/>
+                    <a:lstStyle/>
+                    <a:p>
+                      <a:pPr algn="ctr"/>
+                      <a:r>
+                        <a:rPr lang="en-US" dirty="0"/>
+                        <a:t>2</a:t>
+                      </a:r>
+                    </a:p>
+                  </a:txBody>
+                  <a:tcPr/>
+                </a:tc>
+                <a:tc>
+                  <a:txBody>
+                    <a:bodyPr/>
+                    <a:lstStyle/>
+                    <a:p>
+                      <a:pPr algn="ctr"/>
+                      <a:r>
+                        <a:rPr lang="en-US" dirty="0"/>
+                        <a:t>0</a:t>
+                      </a:r>
+                    </a:p>
+                  </a:txBody>
+                  <a:tcPr/>
+                </a:tc>
+                <a:tc>
+                  <a:txBody>
+                    <a:bodyPr/>
+                    <a:lstStyle/>
+                    <a:p>
+                      <a:pPr algn="ctr"/>
+                      <a:r>
+                        <a:rPr lang="en-US" dirty="0"/>
+                        <a:t>0.12</a:t>
+                      </a:r>
+                    </a:p>
+                  </a:txBody>
+                  <a:tcPr/>
+                </a:tc>
+                <a:extLst>
+                  <a:ext uri="{0D108BD9-81ED-4DB2-BD59-A6C34878D82A}">
+                    <a16:rowId xmlns:a16="http://schemas.microsoft.com/office/drawing/2014/main" val="2128441436"/>
+                  </a:ext>
+                </a:extLst>
+              </a:tr>
+              <a:tr h="370840">
+                <a:tc>
+                  <a:txBody>
+                    <a:bodyPr/>
+                    <a:lstStyle/>
+                    <a:p>
+                      <a:pPr algn="ctr"/>
+                      <a:r>
+                        <a:rPr lang="en-US" dirty="0"/>
+                        <a:t>0</a:t>
+                      </a:r>
+                    </a:p>
+                  </a:txBody>
+                  <a:tcPr/>
+                </a:tc>
+                <a:tc>
+                  <a:txBody>
+                    <a:bodyPr/>
+                    <a:lstStyle/>
+                    <a:p>
+                      <a:pPr algn="ctr"/>
+                      <a:r>
+                        <a:rPr lang="en-US" dirty="0"/>
+                        <a:t>2</a:t>
+                      </a:r>
+                    </a:p>
+                  </a:txBody>
+                  <a:tcPr/>
+                </a:tc>
+                <a:tc>
+                  <a:txBody>
+                    <a:bodyPr/>
+                    <a:lstStyle/>
+                    <a:p>
+                      <a:pPr algn="ctr"/>
+                      <a:r>
+                        <a:rPr lang="en-US" dirty="0"/>
+                        <a:t>1</a:t>
+                      </a:r>
+                    </a:p>
+                  </a:txBody>
+                  <a:tcPr/>
+                </a:tc>
+                <a:tc>
+                  <a:txBody>
+                    <a:bodyPr/>
+                    <a:lstStyle/>
+                    <a:p>
+                      <a:pPr algn="ctr"/>
+                      <a:r>
+                        <a:rPr lang="en-US" dirty="0"/>
+                        <a:t>0.76</a:t>
+                      </a:r>
+                    </a:p>
+                  </a:txBody>
+                  <a:tcPr/>
+                </a:tc>
+                <a:extLst>
+                  <a:ext uri="{0D108BD9-81ED-4DB2-BD59-A6C34878D82A}">
+                    <a16:rowId xmlns:a16="http://schemas.microsoft.com/office/drawing/2014/main" val="1736675443"/>
+                  </a:ext>
+                </a:extLst>
+              </a:tr>
+              <a:tr h="370840">
+                <a:tc>
+                  <a:txBody>
+                    <a:bodyPr/>
+                    <a:lstStyle/>
+                    <a:p>
+                      <a:pPr algn="ctr"/>
+                      <a:r>
+                        <a:rPr lang="en-US" dirty="0"/>
+                        <a:t>0</a:t>
+                      </a:r>
+                    </a:p>
+                  </a:txBody>
+                  <a:tcPr/>
+                </a:tc>
+                <a:tc>
+                  <a:txBody>
+                    <a:bodyPr/>
+                    <a:lstStyle/>
+                    <a:p>
+                      <a:pPr algn="ctr"/>
+                      <a:r>
+                        <a:rPr lang="en-US" dirty="0"/>
+                        <a:t>2</a:t>
+                      </a:r>
+                    </a:p>
+                  </a:txBody>
+                  <a:tcPr/>
+                </a:tc>
+                <a:tc>
+                  <a:txBody>
+                    <a:bodyPr/>
+                    <a:lstStyle/>
+                    <a:p>
+                      <a:pPr algn="ctr"/>
+                      <a:r>
+                        <a:rPr lang="en-US" dirty="0"/>
+                        <a:t>1</a:t>
+                      </a:r>
+                    </a:p>
+                  </a:txBody>
+                  <a:tcPr/>
+                </a:tc>
+                <a:tc>
+                  <a:txBody>
+                    <a:bodyPr/>
+                    <a:lstStyle/>
+                    <a:p>
+                      <a:pPr algn="ctr"/>
+                      <a:r>
+                        <a:rPr lang="en-US" dirty="0"/>
+                        <a:t>-0.42</a:t>
+                      </a:r>
+                    </a:p>
+                  </a:txBody>
+                  <a:tcPr/>
+                </a:tc>
+                <a:extLst>
+                  <a:ext uri="{0D108BD9-81ED-4DB2-BD59-A6C34878D82A}">
+                    <a16:rowId xmlns:a16="http://schemas.microsoft.com/office/drawing/2014/main" val="4266779158"/>
+                  </a:ext>
+                </a:extLst>
+              </a:tr>
+              <a:tr h="370840">
+                <a:tc>
+                  <a:txBody>
+                    <a:bodyPr/>
+                    <a:lstStyle/>
+                    <a:p>
+                      <a:pPr algn="ctr"/>
+                      <a:r>
+                        <a:rPr lang="en-US" dirty="0"/>
+                        <a:t>1</a:t>
+                      </a:r>
+                    </a:p>
+                  </a:txBody>
+                  <a:tcPr/>
+                </a:tc>
+                <a:tc>
+                  <a:txBody>
+                    <a:bodyPr/>
+                    <a:lstStyle/>
+                    <a:p>
+                      <a:pPr algn="ctr"/>
+                      <a:r>
+                        <a:rPr lang="en-US" dirty="0"/>
+                        <a:t>0</a:t>
+                      </a:r>
+                    </a:p>
+                  </a:txBody>
+                  <a:tcPr/>
+                </a:tc>
+                <a:tc>
+                  <a:txBody>
+                    <a:bodyPr/>
+                    <a:lstStyle/>
+                    <a:p>
+                      <a:pPr algn="ctr"/>
+                      <a:r>
+                        <a:rPr lang="en-US" dirty="0"/>
+                        <a:t>0</a:t>
+                      </a:r>
+                    </a:p>
+                  </a:txBody>
+                  <a:tcPr/>
+                </a:tc>
+                <a:tc>
+                  <a:txBody>
+                    <a:bodyPr/>
+                    <a:lstStyle/>
+                    <a:p>
+                      <a:pPr algn="ctr"/>
+                      <a:r>
+                        <a:rPr lang="en-US" dirty="0"/>
+                        <a:t>-2.1</a:t>
+                      </a:r>
+                    </a:p>
+                  </a:txBody>
+                  <a:tcPr/>
+                </a:tc>
+                <a:extLst>
+                  <a:ext uri="{0D108BD9-81ED-4DB2-BD59-A6C34878D82A}">
+                    <a16:rowId xmlns:a16="http://schemas.microsoft.com/office/drawing/2014/main" val="795802479"/>
+                  </a:ext>
+                </a:extLst>
+              </a:tr>
+              <a:tr h="370840">
+                <a:tc>
+                  <a:txBody>
+                    <a:bodyPr/>
+                    <a:lstStyle/>
+                    <a:p>
+                      <a:pPr algn="ctr"/>
+                      <a:r>
+                        <a:rPr lang="en-US" dirty="0"/>
+                        <a:t>1</a:t>
+                      </a:r>
+                    </a:p>
+                  </a:txBody>
+                  <a:tcPr/>
+                </a:tc>
+                <a:tc>
+                  <a:txBody>
+                    <a:bodyPr/>
+                    <a:lstStyle/>
+                    <a:p>
+                      <a:pPr algn="ctr"/>
+                      <a:r>
+                        <a:rPr lang="en-US" dirty="0"/>
+                        <a:t>0</a:t>
+                      </a:r>
+                    </a:p>
+                  </a:txBody>
+                  <a:tcPr/>
+                </a:tc>
+                <a:tc>
+                  <a:txBody>
+                    <a:bodyPr/>
+                    <a:lstStyle/>
+                    <a:p>
+                      <a:pPr algn="ctr"/>
+                      <a:r>
+                        <a:rPr lang="en-US" dirty="0"/>
+                        <a:t>0</a:t>
+                      </a:r>
+                    </a:p>
+                  </a:txBody>
+                  <a:tcPr/>
+                </a:tc>
+                <a:tc>
+                  <a:txBody>
+                    <a:bodyPr/>
+                    <a:lstStyle/>
+                    <a:p>
+                      <a:pPr algn="ctr"/>
+                      <a:r>
+                        <a:rPr lang="en-US" dirty="0"/>
+                        <a:t>0.39</a:t>
+                      </a:r>
+                    </a:p>
+                  </a:txBody>
+                  <a:tcPr/>
+                </a:tc>
+                <a:extLst>
+                  <a:ext uri="{0D108BD9-81ED-4DB2-BD59-A6C34878D82A}">
+                    <a16:rowId xmlns:a16="http://schemas.microsoft.com/office/drawing/2014/main" val="4071544804"/>
+                  </a:ext>
+                </a:extLst>
+              </a:tr>
+              <a:tr h="370840">
+                <a:tc>
+                  <a:txBody>
+                    <a:bodyPr/>
+                    <a:lstStyle/>
+                    <a:p>
+                      <a:pPr algn="ctr"/>
+                      <a:r>
+                        <a:rPr lang="en-US" dirty="0"/>
+                        <a:t>…</a:t>
+                      </a:r>
+                    </a:p>
+                  </a:txBody>
+                  <a:tcPr/>
+                </a:tc>
+                <a:tc>
+                  <a:txBody>
+                    <a:bodyPr/>
+                    <a:lstStyle/>
+                    <a:p>
+                      <a:pPr algn="ctr"/>
+                      <a:r>
+                        <a:rPr lang="en-US" dirty="0"/>
+                        <a:t>…</a:t>
+                      </a:r>
+                    </a:p>
+                  </a:txBody>
+                  <a:tcPr/>
+                </a:tc>
+                <a:tc>
+                  <a:txBody>
+                    <a:bodyPr/>
+                    <a:lstStyle/>
+                    <a:p>
+                      <a:pPr algn="ctr"/>
+                      <a:r>
+                        <a:rPr lang="en-US" dirty="0"/>
+                        <a:t>…</a:t>
+                      </a:r>
+                    </a:p>
+                  </a:txBody>
+                  <a:tcPr/>
+                </a:tc>
+                <a:tc>
+                  <a:txBody>
+                    <a:bodyPr/>
+                    <a:lstStyle/>
+                    <a:p>
+                      <a:pPr algn="ctr"/>
+                      <a:r>
+                        <a:rPr lang="en-US" dirty="0"/>
+                        <a:t>…</a:t>
+                      </a:r>
+                    </a:p>
+                  </a:txBody>
+                  <a:tcPr/>
+                </a:tc>
+                <a:extLst>
+                  <a:ext uri="{0D108BD9-81ED-4DB2-BD59-A6C34878D82A}">
+                    <a16:rowId xmlns:a16="http://schemas.microsoft.com/office/drawing/2014/main" val="2760897089"/>
+                  </a:ext>
+                </a:extLst>
+              </a:tr>
+            </a:tbl>
+          </a:graphicData>
+        </a:graphic>
+      </p:graphicFrame>
+    </p:spTree>
+    <p:extLst>
+      <p:ext uri="{BB962C8B-B14F-4D97-AF65-F5344CB8AC3E}">
+        <p14:creationId xmlns:p14="http://schemas.microsoft.com/office/powerpoint/2010/main" val="4131461578"/>
+      </p:ext>
+    </p:extLst>
+  </p:cSld>
+  <p:clrMapOvr>
+    <a:masterClrMapping/>
+  </p:clrMapOvr>
+</p:sld>
+</file>
+
+<file path=ppt/slides/slide19.xml><?xml version="1.0" encoding="utf-8"?>
+<p:sld xmlns:a="http://schemas.openxmlformats.org/drawingml/2006/main" xmlns:r="http://schemas.openxmlformats.org/officeDocument/2006/relationships" xmlns:p="http://schemas.openxmlformats.org/presentationml/2006/main">
+  <p:cSld>
+    <p:spTree>
+      <p:nvGrpSpPr>
+        <p:cNvPr id="1" name="">
+          <a:extLst>
+            <a:ext uri="{FF2B5EF4-FFF2-40B4-BE49-F238E27FC236}">
+              <a16:creationId xmlns:a16="http://schemas.microsoft.com/office/drawing/2014/main" id="{3C470481-9204-897E-0A9F-60BB202FDD5C}"/>
+            </a:ext>
+          </a:extLst>
+        </p:cNvPr>
+        <p:cNvGrpSpPr/>
+        <p:nvPr/>
+      </p:nvGrpSpPr>
+      <p:grpSpPr>
+        <a:xfrm>
+          <a:off x="0" y="0"/>
+          <a:ext cx="0" cy="0"/>
+          <a:chOff x="0" y="0"/>
+          <a:chExt cx="0" cy="0"/>
+        </a:xfrm>
+      </p:grpSpPr>
+      <p:graphicFrame>
+        <p:nvGraphicFramePr>
+          <p:cNvPr id="2" name="表格 1">
+            <a:extLst>
+              <a:ext uri="{FF2B5EF4-FFF2-40B4-BE49-F238E27FC236}">
+                <a16:creationId xmlns:a16="http://schemas.microsoft.com/office/drawing/2014/main" id="{BFC443F9-C77E-F575-FB48-95BD2AB7DD90}"/>
+              </a:ext>
+            </a:extLst>
+          </p:cNvPr>
+          <p:cNvGraphicFramePr>
+            <a:graphicFrameLocks noGrp="1"/>
+          </p:cNvGraphicFramePr>
+          <p:nvPr>
+            <p:extLst>
+              <p:ext uri="{D42A27DB-BD31-4B8C-83A1-F6EECF244321}">
+                <p14:modId xmlns:p14="http://schemas.microsoft.com/office/powerpoint/2010/main" val="915860658"/>
+              </p:ext>
+            </p:extLst>
+          </p:nvPr>
+        </p:nvGraphicFramePr>
+        <p:xfrm>
+          <a:off x="758004" y="462280"/>
+          <a:ext cx="4471544" cy="5962493"/>
+        </p:xfrm>
+        <a:graphic>
+          <a:graphicData uri="http://schemas.openxmlformats.org/drawingml/2006/table">
+            <a:tbl>
+              <a:tblPr firstRow="1" bandRow="1">
+                <a:tableStyleId>{5C22544A-7EE6-4342-B048-85BDC9FD1C3A}</a:tableStyleId>
+              </a:tblPr>
+              <a:tblGrid>
+                <a:gridCol w="1117886">
+                  <a:extLst>
+                    <a:ext uri="{9D8B030D-6E8A-4147-A177-3AD203B41FA5}">
+                      <a16:colId xmlns:a16="http://schemas.microsoft.com/office/drawing/2014/main" val="2852095678"/>
+                    </a:ext>
+                  </a:extLst>
+                </a:gridCol>
+                <a:gridCol w="1117886">
+                  <a:extLst>
+                    <a:ext uri="{9D8B030D-6E8A-4147-A177-3AD203B41FA5}">
+                      <a16:colId xmlns:a16="http://schemas.microsoft.com/office/drawing/2014/main" val="178452080"/>
+                    </a:ext>
+                  </a:extLst>
+                </a:gridCol>
+                <a:gridCol w="1117886">
+                  <a:extLst>
+                    <a:ext uri="{9D8B030D-6E8A-4147-A177-3AD203B41FA5}">
+                      <a16:colId xmlns:a16="http://schemas.microsoft.com/office/drawing/2014/main" val="202068624"/>
+                    </a:ext>
+                  </a:extLst>
+                </a:gridCol>
+                <a:gridCol w="1117886">
+                  <a:extLst>
+                    <a:ext uri="{9D8B030D-6E8A-4147-A177-3AD203B41FA5}">
+                      <a16:colId xmlns:a16="http://schemas.microsoft.com/office/drawing/2014/main" val="2786264312"/>
+                    </a:ext>
+                  </a:extLst>
+                </a:gridCol>
+              </a:tblGrid>
+              <a:tr h="370840">
+                <a:tc>
+                  <a:txBody>
+                    <a:bodyPr/>
+                    <a:lstStyle/>
+                    <a:p>
+                      <a:pPr algn="ctr"/>
+                      <a:r>
+                        <a:rPr lang="en-US" dirty="0"/>
+                        <a:t>Channel</a:t>
+                      </a:r>
+                    </a:p>
+                  </a:txBody>
+                  <a:tcPr/>
+                </a:tc>
+                <a:tc>
+                  <a:txBody>
+                    <a:bodyPr/>
+                    <a:lstStyle/>
+                    <a:p>
+                      <a:pPr algn="ctr"/>
+                      <a:r>
+                        <a:rPr lang="en-US" dirty="0"/>
+                        <a:t>Row</a:t>
+                      </a:r>
+                    </a:p>
+                  </a:txBody>
+                  <a:tcPr/>
+                </a:tc>
+                <a:tc>
+                  <a:txBody>
+                    <a:bodyPr/>
+                    <a:lstStyle/>
+                    <a:p>
+                      <a:pPr algn="ctr"/>
+                      <a:r>
+                        <a:rPr lang="en-US" dirty="0"/>
+                        <a:t>Column</a:t>
+                      </a:r>
+                    </a:p>
+                  </a:txBody>
+                  <a:tcPr/>
+                </a:tc>
+                <a:tc>
+                  <a:txBody>
+                    <a:bodyPr/>
+                    <a:lstStyle/>
+                    <a:p>
+                      <a:pPr algn="ctr"/>
+                      <a:r>
+                        <a:rPr lang="en-US" dirty="0"/>
+                        <a:t>Value</a:t>
+                      </a:r>
+                    </a:p>
+                  </a:txBody>
+                  <a:tcPr/>
+                </a:tc>
+                <a:extLst>
+                  <a:ext uri="{0D108BD9-81ED-4DB2-BD59-A6C34878D82A}">
+                    <a16:rowId xmlns:a16="http://schemas.microsoft.com/office/drawing/2014/main" val="4216508091"/>
+                  </a:ext>
+                </a:extLst>
+              </a:tr>
+              <a:tr h="410053">
+                <a:tc>
+                  <a:txBody>
+                    <a:bodyPr/>
+                    <a:lstStyle/>
+                    <a:p>
+                      <a:pPr algn="ctr"/>
+                      <a:r>
+                        <a:rPr lang="en-US" dirty="0"/>
+                        <a:t>0</a:t>
+                      </a:r>
+                    </a:p>
+                  </a:txBody>
+                  <a:tcPr/>
+                </a:tc>
+                <a:tc>
+                  <a:txBody>
+                    <a:bodyPr/>
+                    <a:lstStyle/>
+                    <a:p>
+                      <a:pPr algn="ctr"/>
+                      <a:r>
+                        <a:rPr lang="en-US" dirty="0"/>
+                        <a:t>0</a:t>
+                      </a:r>
+                    </a:p>
+                  </a:txBody>
+                  <a:tcPr/>
+                </a:tc>
+                <a:tc>
+                  <a:txBody>
+                    <a:bodyPr/>
+                    <a:lstStyle/>
+                    <a:p>
+                      <a:pPr algn="ctr"/>
+                      <a:r>
+                        <a:rPr lang="en-US" dirty="0"/>
+                        <a:t>0</a:t>
+                      </a:r>
+                    </a:p>
+                  </a:txBody>
+                  <a:tcPr/>
+                </a:tc>
+                <a:tc>
+                  <a:txBody>
+                    <a:bodyPr/>
+                    <a:lstStyle/>
+                    <a:p>
+                      <a:pPr algn="ctr"/>
+                      <a:r>
+                        <a:rPr lang="en-US" dirty="0"/>
+                        <a:t>0.14</a:t>
+                      </a:r>
+                    </a:p>
+                  </a:txBody>
+                  <a:tcPr/>
+                </a:tc>
+                <a:extLst>
+                  <a:ext uri="{0D108BD9-81ED-4DB2-BD59-A6C34878D82A}">
+                    <a16:rowId xmlns:a16="http://schemas.microsoft.com/office/drawing/2014/main" val="4252448622"/>
+                  </a:ext>
+                </a:extLst>
+              </a:tr>
+              <a:tr h="370840">
+                <a:tc>
+                  <a:txBody>
+                    <a:bodyPr/>
+                    <a:lstStyle/>
+                    <a:p>
+                      <a:pPr algn="ctr"/>
+                      <a:r>
+                        <a:rPr lang="en-US" dirty="0">
+                          <a:solidFill>
+                            <a:srgbClr val="FF0000"/>
+                          </a:solidFill>
+                        </a:rPr>
+                        <a:t>0</a:t>
+                      </a:r>
+                    </a:p>
+                  </a:txBody>
+                  <a:tcPr/>
+                </a:tc>
+                <a:tc>
+                  <a:txBody>
+                    <a:bodyPr/>
+                    <a:lstStyle/>
+                    <a:p>
+                      <a:pPr algn="ctr"/>
+                      <a:r>
+                        <a:rPr lang="en-US" dirty="0">
+                          <a:solidFill>
+                            <a:srgbClr val="FF0000"/>
+                          </a:solidFill>
+                        </a:rPr>
+                        <a:t>0</a:t>
+                      </a:r>
+                    </a:p>
+                  </a:txBody>
+                  <a:tcPr/>
+                </a:tc>
+                <a:tc>
+                  <a:txBody>
+                    <a:bodyPr/>
+                    <a:lstStyle/>
+                    <a:p>
+                      <a:pPr algn="ctr"/>
+                      <a:r>
+                        <a:rPr lang="en-US" dirty="0">
+                          <a:solidFill>
+                            <a:srgbClr val="FF0000"/>
+                          </a:solidFill>
+                        </a:rPr>
+                        <a:t>0</a:t>
+                      </a:r>
+                    </a:p>
+                  </a:txBody>
+                  <a:tcPr/>
+                </a:tc>
+                <a:tc>
+                  <a:txBody>
+                    <a:bodyPr/>
+                    <a:lstStyle/>
+                    <a:p>
+                      <a:pPr algn="ctr"/>
+                      <a:r>
+                        <a:rPr lang="en-US" dirty="0"/>
+                        <a:t>0.25</a:t>
+                      </a:r>
+                    </a:p>
+                  </a:txBody>
+                  <a:tcPr/>
+                </a:tc>
+                <a:extLst>
+                  <a:ext uri="{0D108BD9-81ED-4DB2-BD59-A6C34878D82A}">
+                    <a16:rowId xmlns:a16="http://schemas.microsoft.com/office/drawing/2014/main" val="2531416486"/>
+                  </a:ext>
+                </a:extLst>
+              </a:tr>
+              <a:tr h="370840">
+                <a:tc>
+                  <a:txBody>
+                    <a:bodyPr/>
+                    <a:lstStyle/>
+                    <a:p>
+                      <a:pPr algn="ctr"/>
+                      <a:r>
+                        <a:rPr lang="en-US" dirty="0">
+                          <a:solidFill>
+                            <a:srgbClr val="FF0000"/>
+                          </a:solidFill>
+                        </a:rPr>
+                        <a:t>0</a:t>
+                      </a:r>
+                    </a:p>
+                  </a:txBody>
+                  <a:tcPr/>
+                </a:tc>
+                <a:tc>
+                  <a:txBody>
+                    <a:bodyPr/>
+                    <a:lstStyle/>
+                    <a:p>
+                      <a:pPr algn="ctr"/>
+                      <a:r>
+                        <a:rPr lang="en-US" dirty="0">
+                          <a:solidFill>
+                            <a:srgbClr val="FF0000"/>
+                          </a:solidFill>
+                        </a:rPr>
+                        <a:t>0</a:t>
+                      </a:r>
+                    </a:p>
+                  </a:txBody>
+                  <a:tcPr/>
+                </a:tc>
+                <a:tc>
+                  <a:txBody>
+                    <a:bodyPr/>
+                    <a:lstStyle/>
+                    <a:p>
+                      <a:pPr algn="ctr"/>
+                      <a:r>
+                        <a:rPr lang="en-US" dirty="0">
+                          <a:solidFill>
+                            <a:srgbClr val="FF0000"/>
+                          </a:solidFill>
+                        </a:rPr>
+                        <a:t>1</a:t>
+                      </a:r>
+                    </a:p>
+                  </a:txBody>
+                  <a:tcPr/>
+                </a:tc>
+                <a:tc>
+                  <a:txBody>
+                    <a:bodyPr/>
+                    <a:lstStyle/>
+                    <a:p>
+                      <a:pPr algn="ctr"/>
+                      <a:r>
+                        <a:rPr lang="en-US" dirty="0"/>
+                        <a:t>0.52</a:t>
+                      </a:r>
+                    </a:p>
+                  </a:txBody>
+                  <a:tcPr/>
+                </a:tc>
+                <a:extLst>
+                  <a:ext uri="{0D108BD9-81ED-4DB2-BD59-A6C34878D82A}">
+                    <a16:rowId xmlns:a16="http://schemas.microsoft.com/office/drawing/2014/main" val="2866520959"/>
+                  </a:ext>
+                </a:extLst>
+              </a:tr>
+              <a:tr h="216480">
+                <a:tc>
+                  <a:txBody>
+                    <a:bodyPr/>
+                    <a:lstStyle/>
+                    <a:p>
+                      <a:pPr algn="ctr"/>
+                      <a:r>
+                        <a:rPr lang="en-US" dirty="0">
+                          <a:solidFill>
+                            <a:srgbClr val="FF0000"/>
+                          </a:solidFill>
+                        </a:rPr>
+                        <a:t>0</a:t>
+                      </a:r>
+                    </a:p>
+                  </a:txBody>
+                  <a:tcPr/>
+                </a:tc>
+                <a:tc>
+                  <a:txBody>
+                    <a:bodyPr/>
+                    <a:lstStyle/>
+                    <a:p>
+                      <a:pPr algn="ctr"/>
+                      <a:r>
+                        <a:rPr lang="en-US" dirty="0">
+                          <a:solidFill>
+                            <a:srgbClr val="FF0000"/>
+                          </a:solidFill>
+                        </a:rPr>
+                        <a:t>0</a:t>
+                      </a:r>
+                    </a:p>
+                  </a:txBody>
+                  <a:tcPr/>
+                </a:tc>
+                <a:tc>
+                  <a:txBody>
+                    <a:bodyPr/>
+                    <a:lstStyle/>
+                    <a:p>
+                      <a:pPr algn="ctr"/>
+                      <a:r>
+                        <a:rPr lang="en-US" dirty="0">
+                          <a:solidFill>
+                            <a:srgbClr val="FF0000"/>
+                          </a:solidFill>
+                        </a:rPr>
+                        <a:t>0</a:t>
+                      </a:r>
+                    </a:p>
+                  </a:txBody>
+                  <a:tcPr/>
+                </a:tc>
+                <a:tc>
+                  <a:txBody>
+                    <a:bodyPr/>
+                    <a:lstStyle/>
+                    <a:p>
+                      <a:pPr algn="ctr"/>
+                      <a:r>
+                        <a:rPr lang="en-US" dirty="0"/>
+                        <a:t>-0.12</a:t>
+                      </a:r>
+                    </a:p>
+                  </a:txBody>
+                  <a:tcPr/>
+                </a:tc>
+                <a:extLst>
+                  <a:ext uri="{0D108BD9-81ED-4DB2-BD59-A6C34878D82A}">
+                    <a16:rowId xmlns:a16="http://schemas.microsoft.com/office/drawing/2014/main" val="2524549907"/>
+                  </a:ext>
+                </a:extLst>
+              </a:tr>
+              <a:tr h="358720">
+                <a:tc>
+                  <a:txBody>
+                    <a:bodyPr/>
+                    <a:lstStyle/>
+                    <a:p>
+                      <a:pPr algn="ctr"/>
+                      <a:r>
+                        <a:rPr lang="en-US" dirty="0">
+                          <a:solidFill>
+                            <a:srgbClr val="FF0000"/>
+                          </a:solidFill>
+                        </a:rPr>
+                        <a:t>0</a:t>
+                      </a:r>
+                    </a:p>
+                  </a:txBody>
+                  <a:tcPr/>
+                </a:tc>
+                <a:tc>
+                  <a:txBody>
+                    <a:bodyPr/>
+                    <a:lstStyle/>
+                    <a:p>
+                      <a:pPr algn="ctr"/>
+                      <a:r>
+                        <a:rPr lang="en-US" dirty="0">
+                          <a:solidFill>
+                            <a:srgbClr val="FF0000"/>
+                          </a:solidFill>
+                        </a:rPr>
+                        <a:t>1</a:t>
+                      </a:r>
+                    </a:p>
+                  </a:txBody>
+                  <a:tcPr/>
+                </a:tc>
+                <a:tc>
+                  <a:txBody>
+                    <a:bodyPr/>
+                    <a:lstStyle/>
+                    <a:p>
+                      <a:pPr algn="ctr"/>
+                      <a:r>
+                        <a:rPr lang="en-US" dirty="0">
+                          <a:solidFill>
+                            <a:srgbClr val="FF0000"/>
+                          </a:solidFill>
+                        </a:rPr>
+                        <a:t>-1</a:t>
+                      </a:r>
+                    </a:p>
+                  </a:txBody>
+                  <a:tcPr/>
+                </a:tc>
+                <a:tc>
+                  <a:txBody>
+                    <a:bodyPr/>
+                    <a:lstStyle/>
+                    <a:p>
+                      <a:pPr algn="ctr"/>
+                      <a:r>
+                        <a:rPr lang="en-US" dirty="0"/>
+                        <a:t>0.45</a:t>
+                      </a:r>
+                    </a:p>
+                  </a:txBody>
+                  <a:tcPr/>
+                </a:tc>
+                <a:extLst>
+                  <a:ext uri="{0D108BD9-81ED-4DB2-BD59-A6C34878D82A}">
+                    <a16:rowId xmlns:a16="http://schemas.microsoft.com/office/drawing/2014/main" val="3237164137"/>
+                  </a:ext>
+                </a:extLst>
+              </a:tr>
+              <a:tr h="370840">
+                <a:tc>
+                  <a:txBody>
+                    <a:bodyPr/>
+                    <a:lstStyle/>
+                    <a:p>
+                      <a:pPr algn="ctr"/>
+                      <a:r>
+                        <a:rPr lang="en-US" dirty="0">
+                          <a:solidFill>
+                            <a:srgbClr val="FF0000"/>
+                          </a:solidFill>
+                        </a:rPr>
+                        <a:t>0</a:t>
+                      </a:r>
+                    </a:p>
+                  </a:txBody>
+                  <a:tcPr/>
+                </a:tc>
+                <a:tc>
+                  <a:txBody>
+                    <a:bodyPr/>
+                    <a:lstStyle/>
+                    <a:p>
+                      <a:pPr algn="ctr"/>
+                      <a:r>
+                        <a:rPr lang="en-US" dirty="0">
+                          <a:solidFill>
+                            <a:srgbClr val="FF0000"/>
+                          </a:solidFill>
+                        </a:rPr>
+                        <a:t>0</a:t>
+                      </a:r>
+                    </a:p>
+                  </a:txBody>
+                  <a:tcPr/>
+                </a:tc>
+                <a:tc>
+                  <a:txBody>
+                    <a:bodyPr/>
+                    <a:lstStyle/>
+                    <a:p>
+                      <a:pPr algn="ctr"/>
+                      <a:r>
+                        <a:rPr lang="en-US" dirty="0">
+                          <a:solidFill>
+                            <a:srgbClr val="FF0000"/>
+                          </a:solidFill>
+                        </a:rPr>
+                        <a:t>0</a:t>
+                      </a:r>
+                    </a:p>
+                  </a:txBody>
+                  <a:tcPr/>
+                </a:tc>
+                <a:tc>
+                  <a:txBody>
+                    <a:bodyPr/>
+                    <a:lstStyle/>
+                    <a:p>
+                      <a:pPr algn="ctr"/>
+                      <a:r>
+                        <a:rPr lang="en-US" dirty="0"/>
+                        <a:t>1.20</a:t>
+                      </a:r>
+                    </a:p>
+                  </a:txBody>
+                  <a:tcPr/>
+                </a:tc>
+                <a:extLst>
+                  <a:ext uri="{0D108BD9-81ED-4DB2-BD59-A6C34878D82A}">
+                    <a16:rowId xmlns:a16="http://schemas.microsoft.com/office/drawing/2014/main" val="3157315607"/>
+                  </a:ext>
+                </a:extLst>
+              </a:tr>
+              <a:tr h="370840">
+                <a:tc>
+                  <a:txBody>
+                    <a:bodyPr/>
+                    <a:lstStyle/>
+                    <a:p>
+                      <a:pPr algn="ctr"/>
+                      <a:r>
+                        <a:rPr lang="en-US" dirty="0">
+                          <a:solidFill>
+                            <a:srgbClr val="FF0000"/>
+                          </a:solidFill>
+                        </a:rPr>
+                        <a:t>0</a:t>
+                      </a:r>
+                    </a:p>
+                  </a:txBody>
+                  <a:tcPr/>
+                </a:tc>
+                <a:tc>
+                  <a:txBody>
+                    <a:bodyPr/>
+                    <a:lstStyle/>
+                    <a:p>
+                      <a:pPr algn="ctr"/>
+                      <a:r>
+                        <a:rPr lang="en-US" dirty="0">
+                          <a:solidFill>
+                            <a:srgbClr val="FF0000"/>
+                          </a:solidFill>
+                        </a:rPr>
+                        <a:t>0</a:t>
+                      </a:r>
+                    </a:p>
+                  </a:txBody>
+                  <a:tcPr/>
+                </a:tc>
+                <a:tc>
+                  <a:txBody>
+                    <a:bodyPr/>
+                    <a:lstStyle/>
+                    <a:p>
+                      <a:pPr algn="ctr"/>
+                      <a:r>
+                        <a:rPr lang="en-US" dirty="0">
+                          <a:solidFill>
+                            <a:srgbClr val="FF0000"/>
+                          </a:solidFill>
+                        </a:rPr>
+                        <a:t>1</a:t>
+                      </a:r>
+                    </a:p>
+                  </a:txBody>
+                  <a:tcPr/>
+                </a:tc>
+                <a:tc>
+                  <a:txBody>
+                    <a:bodyPr/>
+                    <a:lstStyle/>
+                    <a:p>
+                      <a:pPr algn="ctr"/>
+                      <a:r>
+                        <a:rPr lang="en-US" dirty="0"/>
+                        <a:t>-0.62</a:t>
+                      </a:r>
+                    </a:p>
+                  </a:txBody>
+                  <a:tcPr/>
+                </a:tc>
+                <a:extLst>
+                  <a:ext uri="{0D108BD9-81ED-4DB2-BD59-A6C34878D82A}">
+                    <a16:rowId xmlns:a16="http://schemas.microsoft.com/office/drawing/2014/main" val="3417470771"/>
+                  </a:ext>
+                </a:extLst>
+              </a:tr>
+              <a:tr h="370840">
+                <a:tc>
+                  <a:txBody>
+                    <a:bodyPr/>
+                    <a:lstStyle/>
+                    <a:p>
+                      <a:pPr algn="ctr"/>
+                      <a:r>
+                        <a:rPr lang="en-US" dirty="0">
+                          <a:solidFill>
+                            <a:srgbClr val="FF0000"/>
+                          </a:solidFill>
+                        </a:rPr>
+                        <a:t>0</a:t>
+                      </a:r>
+                    </a:p>
+                  </a:txBody>
+                  <a:tcPr/>
+                </a:tc>
+                <a:tc>
+                  <a:txBody>
+                    <a:bodyPr/>
+                    <a:lstStyle/>
+                    <a:p>
+                      <a:pPr algn="ctr"/>
+                      <a:r>
+                        <a:rPr lang="en-US" dirty="0">
+                          <a:solidFill>
+                            <a:srgbClr val="FF0000"/>
+                          </a:solidFill>
+                        </a:rPr>
+                        <a:t>0</a:t>
+                      </a:r>
+                    </a:p>
+                  </a:txBody>
+                  <a:tcPr/>
+                </a:tc>
+                <a:tc>
+                  <a:txBody>
+                    <a:bodyPr/>
+                    <a:lstStyle/>
+                    <a:p>
+                      <a:pPr algn="ctr"/>
+                      <a:r>
+                        <a:rPr lang="en-US" dirty="0">
+                          <a:solidFill>
+                            <a:srgbClr val="FF0000"/>
+                          </a:solidFill>
+                        </a:rPr>
+                        <a:t>0</a:t>
+                      </a:r>
+                    </a:p>
+                  </a:txBody>
+                  <a:tcPr/>
+                </a:tc>
+                <a:tc>
+                  <a:txBody>
+                    <a:bodyPr/>
+                    <a:lstStyle/>
+                    <a:p>
+                      <a:pPr algn="ctr"/>
+                      <a:r>
+                        <a:rPr lang="en-US" dirty="0"/>
+                        <a:t>0.54</a:t>
+                      </a:r>
+                    </a:p>
+                  </a:txBody>
+                  <a:tcPr/>
+                </a:tc>
+                <a:extLst>
+                  <a:ext uri="{0D108BD9-81ED-4DB2-BD59-A6C34878D82A}">
+                    <a16:rowId xmlns:a16="http://schemas.microsoft.com/office/drawing/2014/main" val="860568051"/>
+                  </a:ext>
+                </a:extLst>
+              </a:tr>
+              <a:tr h="370840">
+                <a:tc>
+                  <a:txBody>
+                    <a:bodyPr/>
+                    <a:lstStyle/>
+                    <a:p>
+                      <a:pPr algn="ctr"/>
+                      <a:r>
+                        <a:rPr lang="en-US" dirty="0">
+                          <a:solidFill>
+                            <a:srgbClr val="FF0000"/>
+                          </a:solidFill>
+                        </a:rPr>
+                        <a:t>0</a:t>
+                      </a:r>
+                    </a:p>
+                  </a:txBody>
+                  <a:tcPr/>
+                </a:tc>
+                <a:tc>
+                  <a:txBody>
+                    <a:bodyPr/>
+                    <a:lstStyle/>
+                    <a:p>
+                      <a:pPr algn="ctr"/>
+                      <a:r>
+                        <a:rPr lang="en-US" dirty="0">
+                          <a:solidFill>
+                            <a:srgbClr val="FF0000"/>
+                          </a:solidFill>
+                        </a:rPr>
+                        <a:t>1</a:t>
+                      </a:r>
+                    </a:p>
+                  </a:txBody>
+                  <a:tcPr/>
+                </a:tc>
+                <a:tc>
+                  <a:txBody>
+                    <a:bodyPr/>
+                    <a:lstStyle/>
+                    <a:p>
+                      <a:pPr algn="ctr"/>
+                      <a:r>
+                        <a:rPr lang="en-US" dirty="0">
+                          <a:solidFill>
+                            <a:srgbClr val="FF0000"/>
+                          </a:solidFill>
+                        </a:rPr>
+                        <a:t>-1</a:t>
+                      </a:r>
+                    </a:p>
+                  </a:txBody>
+                  <a:tcPr/>
+                </a:tc>
+                <a:tc>
+                  <a:txBody>
+                    <a:bodyPr/>
+                    <a:lstStyle/>
+                    <a:p>
+                      <a:pPr algn="ctr"/>
+                      <a:r>
+                        <a:rPr lang="en-US" dirty="0"/>
+                        <a:t>-0.23</a:t>
+                      </a:r>
+                    </a:p>
+                  </a:txBody>
+                  <a:tcPr/>
+                </a:tc>
+                <a:extLst>
+                  <a:ext uri="{0D108BD9-81ED-4DB2-BD59-A6C34878D82A}">
+                    <a16:rowId xmlns:a16="http://schemas.microsoft.com/office/drawing/2014/main" val="1960092094"/>
+                  </a:ext>
+                </a:extLst>
+              </a:tr>
+              <a:tr h="370840">
+                <a:tc>
+                  <a:txBody>
+                    <a:bodyPr/>
+                    <a:lstStyle/>
+                    <a:p>
+                      <a:pPr algn="ctr"/>
+                      <a:r>
+                        <a:rPr lang="en-US" dirty="0">
+                          <a:solidFill>
+                            <a:srgbClr val="FF0000"/>
+                          </a:solidFill>
+                        </a:rPr>
+                        <a:t>0</a:t>
+                      </a:r>
+                    </a:p>
+                  </a:txBody>
+                  <a:tcPr/>
+                </a:tc>
+                <a:tc>
+                  <a:txBody>
+                    <a:bodyPr/>
+                    <a:lstStyle/>
+                    <a:p>
+                      <a:pPr algn="ctr"/>
+                      <a:r>
+                        <a:rPr lang="en-US" dirty="0">
+                          <a:solidFill>
+                            <a:srgbClr val="FF0000"/>
+                          </a:solidFill>
+                        </a:rPr>
+                        <a:t>0</a:t>
+                      </a:r>
+                    </a:p>
+                  </a:txBody>
+                  <a:tcPr/>
+                </a:tc>
+                <a:tc>
+                  <a:txBody>
+                    <a:bodyPr/>
+                    <a:lstStyle/>
+                    <a:p>
+                      <a:pPr algn="ctr"/>
+                      <a:r>
+                        <a:rPr lang="en-US" dirty="0">
+                          <a:solidFill>
+                            <a:srgbClr val="FF0000"/>
+                          </a:solidFill>
+                        </a:rPr>
+                        <a:t>0</a:t>
+                      </a:r>
+                    </a:p>
+                  </a:txBody>
+                  <a:tcPr/>
+                </a:tc>
+                <a:tc>
+                  <a:txBody>
+                    <a:bodyPr/>
+                    <a:lstStyle/>
+                    <a:p>
+                      <a:pPr algn="ctr"/>
+                      <a:r>
+                        <a:rPr lang="en-US" dirty="0"/>
+                        <a:t>0.12</a:t>
+                      </a:r>
+                    </a:p>
+                  </a:txBody>
+                  <a:tcPr/>
+                </a:tc>
+                <a:extLst>
+                  <a:ext uri="{0D108BD9-81ED-4DB2-BD59-A6C34878D82A}">
+                    <a16:rowId xmlns:a16="http://schemas.microsoft.com/office/drawing/2014/main" val="2128441436"/>
+                  </a:ext>
+                </a:extLst>
+              </a:tr>
+              <a:tr h="370840">
+                <a:tc>
+                  <a:txBody>
+                    <a:bodyPr/>
+                    <a:lstStyle/>
+                    <a:p>
+                      <a:pPr algn="ctr"/>
+                      <a:r>
+                        <a:rPr lang="en-US" dirty="0">
+                          <a:solidFill>
+                            <a:srgbClr val="FF0000"/>
+                          </a:solidFill>
+                        </a:rPr>
+                        <a:t>0</a:t>
+                      </a:r>
+                    </a:p>
+                  </a:txBody>
+                  <a:tcPr/>
+                </a:tc>
+                <a:tc>
+                  <a:txBody>
+                    <a:bodyPr/>
+                    <a:lstStyle/>
+                    <a:p>
+                      <a:pPr algn="ctr"/>
+                      <a:r>
+                        <a:rPr lang="en-US" dirty="0">
+                          <a:solidFill>
+                            <a:srgbClr val="FF0000"/>
+                          </a:solidFill>
+                        </a:rPr>
+                        <a:t>0</a:t>
+                      </a:r>
+                    </a:p>
+                  </a:txBody>
+                  <a:tcPr/>
+                </a:tc>
+                <a:tc>
+                  <a:txBody>
+                    <a:bodyPr/>
+                    <a:lstStyle/>
+                    <a:p>
+                      <a:pPr algn="ctr"/>
+                      <a:r>
+                        <a:rPr lang="en-US" dirty="0">
+                          <a:solidFill>
+                            <a:srgbClr val="FF0000"/>
+                          </a:solidFill>
+                        </a:rPr>
+                        <a:t>1</a:t>
+                      </a:r>
+                    </a:p>
+                  </a:txBody>
+                  <a:tcPr/>
+                </a:tc>
+                <a:tc>
+                  <a:txBody>
+                    <a:bodyPr/>
+                    <a:lstStyle/>
+                    <a:p>
+                      <a:pPr algn="ctr"/>
+                      <a:r>
+                        <a:rPr lang="en-US" dirty="0"/>
+                        <a:t>0.76</a:t>
+                      </a:r>
+                    </a:p>
+                  </a:txBody>
+                  <a:tcPr/>
+                </a:tc>
+                <a:extLst>
+                  <a:ext uri="{0D108BD9-81ED-4DB2-BD59-A6C34878D82A}">
+                    <a16:rowId xmlns:a16="http://schemas.microsoft.com/office/drawing/2014/main" val="1736675443"/>
+                  </a:ext>
+                </a:extLst>
+              </a:tr>
+              <a:tr h="370840">
+                <a:tc>
+                  <a:txBody>
+                    <a:bodyPr/>
+                    <a:lstStyle/>
+                    <a:p>
+                      <a:pPr algn="ctr"/>
+                      <a:r>
+                        <a:rPr lang="en-US" dirty="0">
+                          <a:solidFill>
+                            <a:srgbClr val="FF0000"/>
+                          </a:solidFill>
+                        </a:rPr>
+                        <a:t>0</a:t>
+                      </a:r>
+                    </a:p>
+                  </a:txBody>
+                  <a:tcPr/>
+                </a:tc>
+                <a:tc>
+                  <a:txBody>
+                    <a:bodyPr/>
+                    <a:lstStyle/>
+                    <a:p>
+                      <a:pPr algn="ctr"/>
+                      <a:r>
+                        <a:rPr lang="en-US" dirty="0">
+                          <a:solidFill>
+                            <a:srgbClr val="FF0000"/>
+                          </a:solidFill>
+                        </a:rPr>
+                        <a:t>0</a:t>
+                      </a:r>
+                    </a:p>
+                  </a:txBody>
+                  <a:tcPr/>
+                </a:tc>
+                <a:tc>
+                  <a:txBody>
+                    <a:bodyPr/>
+                    <a:lstStyle/>
+                    <a:p>
+                      <a:pPr algn="ctr"/>
+                      <a:r>
+                        <a:rPr lang="en-US" dirty="0">
+                          <a:solidFill>
+                            <a:srgbClr val="FF0000"/>
+                          </a:solidFill>
+                        </a:rPr>
+                        <a:t>0</a:t>
+                      </a:r>
+                    </a:p>
+                  </a:txBody>
+                  <a:tcPr/>
+                </a:tc>
+                <a:tc>
+                  <a:txBody>
+                    <a:bodyPr/>
+                    <a:lstStyle/>
+                    <a:p>
+                      <a:pPr algn="ctr"/>
+                      <a:r>
+                        <a:rPr lang="en-US" dirty="0"/>
+                        <a:t>-0.42</a:t>
+                      </a:r>
+                    </a:p>
+                  </a:txBody>
+                  <a:tcPr/>
+                </a:tc>
+                <a:extLst>
+                  <a:ext uri="{0D108BD9-81ED-4DB2-BD59-A6C34878D82A}">
+                    <a16:rowId xmlns:a16="http://schemas.microsoft.com/office/drawing/2014/main" val="4266779158"/>
+                  </a:ext>
+                </a:extLst>
+              </a:tr>
+              <a:tr h="370840">
+                <a:tc>
+                  <a:txBody>
+                    <a:bodyPr/>
+                    <a:lstStyle/>
+                    <a:p>
+                      <a:pPr algn="ctr"/>
+                      <a:r>
+                        <a:rPr lang="en-US" dirty="0">
+                          <a:solidFill>
+                            <a:srgbClr val="FF0000"/>
+                          </a:solidFill>
+                        </a:rPr>
+                        <a:t>1</a:t>
+                      </a:r>
+                    </a:p>
+                  </a:txBody>
+                  <a:tcPr/>
+                </a:tc>
+                <a:tc>
+                  <a:txBody>
+                    <a:bodyPr/>
+                    <a:lstStyle/>
+                    <a:p>
+                      <a:pPr algn="ctr"/>
+                      <a:r>
+                        <a:rPr lang="en-US" dirty="0">
+                          <a:solidFill>
+                            <a:srgbClr val="FF0000"/>
+                          </a:solidFill>
+                        </a:rPr>
+                        <a:t>-1</a:t>
+                      </a:r>
+                    </a:p>
+                  </a:txBody>
+                  <a:tcPr/>
+                </a:tc>
+                <a:tc>
+                  <a:txBody>
+                    <a:bodyPr/>
+                    <a:lstStyle/>
+                    <a:p>
+                      <a:pPr algn="ctr"/>
+                      <a:r>
+                        <a:rPr lang="en-US" dirty="0">
+                          <a:solidFill>
+                            <a:srgbClr val="FF0000"/>
+                          </a:solidFill>
+                        </a:rPr>
+                        <a:t>-1</a:t>
+                      </a:r>
+                    </a:p>
+                  </a:txBody>
+                  <a:tcPr/>
+                </a:tc>
+                <a:tc>
+                  <a:txBody>
+                    <a:bodyPr/>
+                    <a:lstStyle/>
+                    <a:p>
+                      <a:pPr algn="ctr"/>
+                      <a:r>
+                        <a:rPr lang="en-US" dirty="0"/>
+                        <a:t>-2.1</a:t>
+                      </a:r>
+                    </a:p>
+                  </a:txBody>
+                  <a:tcPr/>
+                </a:tc>
+                <a:extLst>
+                  <a:ext uri="{0D108BD9-81ED-4DB2-BD59-A6C34878D82A}">
+                    <a16:rowId xmlns:a16="http://schemas.microsoft.com/office/drawing/2014/main" val="795802479"/>
+                  </a:ext>
+                </a:extLst>
+              </a:tr>
+              <a:tr h="370840">
+                <a:tc>
+                  <a:txBody>
+                    <a:bodyPr/>
+                    <a:lstStyle/>
+                    <a:p>
+                      <a:pPr algn="ctr"/>
+                      <a:r>
+                        <a:rPr lang="en-US" dirty="0">
+                          <a:solidFill>
+                            <a:srgbClr val="FF0000"/>
+                          </a:solidFill>
+                        </a:rPr>
+                        <a:t>0</a:t>
+                      </a:r>
+                    </a:p>
+                  </a:txBody>
+                  <a:tcPr/>
+                </a:tc>
+                <a:tc>
+                  <a:txBody>
+                    <a:bodyPr/>
+                    <a:lstStyle/>
+                    <a:p>
+                      <a:pPr algn="ctr"/>
+                      <a:r>
+                        <a:rPr lang="en-US" dirty="0">
+                          <a:solidFill>
+                            <a:srgbClr val="FF0000"/>
+                          </a:solidFill>
+                        </a:rPr>
+                        <a:t>0</a:t>
+                      </a:r>
+                    </a:p>
+                  </a:txBody>
+                  <a:tcPr/>
+                </a:tc>
+                <a:tc>
+                  <a:txBody>
+                    <a:bodyPr/>
+                    <a:lstStyle/>
+                    <a:p>
+                      <a:pPr algn="ctr"/>
+                      <a:r>
+                        <a:rPr lang="en-US" dirty="0">
+                          <a:solidFill>
+                            <a:srgbClr val="FF0000"/>
+                          </a:solidFill>
+                        </a:rPr>
+                        <a:t>0</a:t>
+                      </a:r>
+                    </a:p>
+                  </a:txBody>
+                  <a:tcPr/>
+                </a:tc>
+                <a:tc>
+                  <a:txBody>
+                    <a:bodyPr/>
+                    <a:lstStyle/>
+                    <a:p>
+                      <a:pPr algn="ctr"/>
+                      <a:r>
+                        <a:rPr lang="en-US" dirty="0"/>
+                        <a:t>0.39</a:t>
+                      </a:r>
+                    </a:p>
+                  </a:txBody>
+                  <a:tcPr/>
+                </a:tc>
+                <a:extLst>
+                  <a:ext uri="{0D108BD9-81ED-4DB2-BD59-A6C34878D82A}">
+                    <a16:rowId xmlns:a16="http://schemas.microsoft.com/office/drawing/2014/main" val="4071544804"/>
+                  </a:ext>
+                </a:extLst>
+              </a:tr>
+              <a:tr h="370840">
+                <a:tc>
+                  <a:txBody>
+                    <a:bodyPr/>
+                    <a:lstStyle/>
+                    <a:p>
+                      <a:pPr algn="ctr"/>
+                      <a:r>
+                        <a:rPr lang="en-US" dirty="0"/>
+                        <a:t>…</a:t>
+                      </a:r>
+                    </a:p>
+                  </a:txBody>
+                  <a:tcPr/>
+                </a:tc>
+                <a:tc>
+                  <a:txBody>
+                    <a:bodyPr/>
+                    <a:lstStyle/>
+                    <a:p>
+                      <a:pPr algn="ctr"/>
+                      <a:r>
+                        <a:rPr lang="en-US" dirty="0"/>
+                        <a:t>…</a:t>
+                      </a:r>
+                    </a:p>
+                  </a:txBody>
+                  <a:tcPr/>
+                </a:tc>
+                <a:tc>
+                  <a:txBody>
+                    <a:bodyPr/>
+                    <a:lstStyle/>
+                    <a:p>
+                      <a:pPr algn="ctr"/>
+                      <a:r>
+                        <a:rPr lang="en-US" dirty="0"/>
+                        <a:t>…</a:t>
+                      </a:r>
+                    </a:p>
+                  </a:txBody>
+                  <a:tcPr/>
+                </a:tc>
+                <a:tc>
+                  <a:txBody>
+                    <a:bodyPr/>
+                    <a:lstStyle/>
+                    <a:p>
+                      <a:pPr algn="ctr"/>
+                      <a:r>
+                        <a:rPr lang="en-US" dirty="0"/>
+                        <a:t>…</a:t>
+                      </a:r>
+                    </a:p>
+                  </a:txBody>
+                  <a:tcPr/>
+                </a:tc>
+                <a:extLst>
+                  <a:ext uri="{0D108BD9-81ED-4DB2-BD59-A6C34878D82A}">
+                    <a16:rowId xmlns:a16="http://schemas.microsoft.com/office/drawing/2014/main" val="2760897089"/>
+                  </a:ext>
+                </a:extLst>
+              </a:tr>
+            </a:tbl>
+          </a:graphicData>
+        </a:graphic>
+      </p:graphicFrame>
+    </p:spTree>
+    <p:extLst>
+      <p:ext uri="{BB962C8B-B14F-4D97-AF65-F5344CB8AC3E}">
+        <p14:creationId xmlns:p14="http://schemas.microsoft.com/office/powerpoint/2010/main" val="1903491223"/>
+      </p:ext>
+    </p:extLst>
+  </p:cSld>
+  <p:clrMapOvr>
+    <a:masterClrMapping/>
+  </p:clrMapOvr>
+</p:sld>
+</file>
+
 <file path=ppt/slides/slide2.xml><?xml version="1.0" encoding="utf-8"?>
 <p:sld xmlns:a="http://schemas.openxmlformats.org/drawingml/2006/main" xmlns:r="http://schemas.openxmlformats.org/officeDocument/2006/relationships" xmlns:p="http://schemas.openxmlformats.org/presentationml/2006/main">
   <p:cSld>
@@ -4523,6 +9554,653 @@
     <p:extLst>
       <p:ext uri="{BB962C8B-B14F-4D97-AF65-F5344CB8AC3E}">
         <p14:creationId xmlns:p14="http://schemas.microsoft.com/office/powerpoint/2010/main" val="1324577660"/>
+      </p:ext>
+    </p:extLst>
+  </p:cSld>
+  <p:clrMapOvr>
+    <a:masterClrMapping/>
+  </p:clrMapOvr>
+</p:sld>
+</file>
+
+<file path=ppt/slides/slide20.xml><?xml version="1.0" encoding="utf-8"?>
+<p:sld xmlns:a="http://schemas.openxmlformats.org/drawingml/2006/main" xmlns:r="http://schemas.openxmlformats.org/officeDocument/2006/relationships" xmlns:p="http://schemas.openxmlformats.org/presentationml/2006/main">
+  <p:cSld>
+    <p:spTree>
+      <p:nvGrpSpPr>
+        <p:cNvPr id="1" name=""/>
+        <p:cNvGrpSpPr/>
+        <p:nvPr/>
+      </p:nvGrpSpPr>
+      <p:grpSpPr>
+        <a:xfrm>
+          <a:off x="0" y="0"/>
+          <a:ext cx="0" cy="0"/>
+          <a:chOff x="0" y="0"/>
+          <a:chExt cx="0" cy="0"/>
+        </a:xfrm>
+      </p:grpSpPr>
+      <p:pic>
+        <p:nvPicPr>
+          <p:cNvPr id="3" name="圖片 2" descr="一張含有 螢幕擷取畫面, 鮮豔, 正方形 的圖片&#10;&#10;AI 產生的內容可能不正確。">
+            <a:extLst>
+              <a:ext uri="{FF2B5EF4-FFF2-40B4-BE49-F238E27FC236}">
+                <a16:creationId xmlns:a16="http://schemas.microsoft.com/office/drawing/2014/main" id="{9A66E54F-C402-E507-6EA7-3A0D2F9A0EE8}"/>
+              </a:ext>
+            </a:extLst>
+          </p:cNvPr>
+          <p:cNvPicPr>
+            <a:picLocks noChangeAspect="1"/>
+          </p:cNvPicPr>
+          <p:nvPr/>
+        </p:nvPicPr>
+        <p:blipFill>
+          <a:blip r:embed="rId2">
+            <a:extLst>
+              <a:ext uri="{28A0092B-C50C-407E-A947-70E740481C1C}">
+                <a14:useLocalDpi xmlns:a14="http://schemas.microsoft.com/office/drawing/2010/main" val="0"/>
+              </a:ext>
+            </a:extLst>
+          </a:blip>
+          <a:stretch>
+            <a:fillRect/>
+          </a:stretch>
+        </p:blipFill>
+        <p:spPr>
+          <a:xfrm>
+            <a:off x="744442" y="0"/>
+            <a:ext cx="10703115" cy="6858000"/>
+          </a:xfrm>
+          <a:prstGeom prst="rect">
+            <a:avLst/>
+          </a:prstGeom>
+        </p:spPr>
+      </p:pic>
+    </p:spTree>
+    <p:extLst>
+      <p:ext uri="{BB962C8B-B14F-4D97-AF65-F5344CB8AC3E}">
+        <p14:creationId xmlns:p14="http://schemas.microsoft.com/office/powerpoint/2010/main" val="2014787931"/>
+      </p:ext>
+    </p:extLst>
+  </p:cSld>
+  <p:clrMapOvr>
+    <a:masterClrMapping/>
+  </p:clrMapOvr>
+</p:sld>
+</file>
+
+<file path=ppt/slides/slide21.xml><?xml version="1.0" encoding="utf-8"?>
+<p:sld xmlns:a="http://schemas.openxmlformats.org/drawingml/2006/main" xmlns:r="http://schemas.openxmlformats.org/officeDocument/2006/relationships" xmlns:p="http://schemas.openxmlformats.org/presentationml/2006/main">
+  <p:cSld>
+    <p:spTree>
+      <p:nvGrpSpPr>
+        <p:cNvPr id="1" name=""/>
+        <p:cNvGrpSpPr/>
+        <p:nvPr/>
+      </p:nvGrpSpPr>
+      <p:grpSpPr>
+        <a:xfrm>
+          <a:off x="0" y="0"/>
+          <a:ext cx="0" cy="0"/>
+          <a:chOff x="0" y="0"/>
+          <a:chExt cx="0" cy="0"/>
+        </a:xfrm>
+      </p:grpSpPr>
+      <p:pic>
+        <p:nvPicPr>
+          <p:cNvPr id="3" name="圖片 2" descr="一張含有 文字, 行, 圖表, 繪圖 的圖片&#10;&#10;AI 產生的內容可能不正確。">
+            <a:extLst>
+              <a:ext uri="{FF2B5EF4-FFF2-40B4-BE49-F238E27FC236}">
+                <a16:creationId xmlns:a16="http://schemas.microsoft.com/office/drawing/2014/main" id="{FF83D4FE-E844-77D1-454C-67338A60C6D8}"/>
+              </a:ext>
+            </a:extLst>
+          </p:cNvPr>
+          <p:cNvPicPr>
+            <a:picLocks noChangeAspect="1"/>
+          </p:cNvPicPr>
+          <p:nvPr/>
+        </p:nvPicPr>
+        <p:blipFill>
+          <a:blip r:embed="rId2">
+            <a:extLst>
+              <a:ext uri="{28A0092B-C50C-407E-A947-70E740481C1C}">
+                <a14:useLocalDpi xmlns:a14="http://schemas.microsoft.com/office/drawing/2010/main" val="0"/>
+              </a:ext>
+            </a:extLst>
+          </a:blip>
+          <a:stretch>
+            <a:fillRect/>
+          </a:stretch>
+        </p:blipFill>
+        <p:spPr>
+          <a:xfrm>
+            <a:off x="0" y="1000189"/>
+            <a:ext cx="12192000" cy="4857621"/>
+          </a:xfrm>
+          <a:prstGeom prst="rect">
+            <a:avLst/>
+          </a:prstGeom>
+        </p:spPr>
+      </p:pic>
+    </p:spTree>
+    <p:extLst>
+      <p:ext uri="{BB962C8B-B14F-4D97-AF65-F5344CB8AC3E}">
+        <p14:creationId xmlns:p14="http://schemas.microsoft.com/office/powerpoint/2010/main" val="1361286965"/>
+      </p:ext>
+    </p:extLst>
+  </p:cSld>
+  <p:clrMapOvr>
+    <a:masterClrMapping/>
+  </p:clrMapOvr>
+</p:sld>
+</file>
+
+<file path=ppt/slides/slide22.xml><?xml version="1.0" encoding="utf-8"?>
+<p:sld xmlns:a="http://schemas.openxmlformats.org/drawingml/2006/main" xmlns:r="http://schemas.openxmlformats.org/officeDocument/2006/relationships" xmlns:p="http://schemas.openxmlformats.org/presentationml/2006/main">
+  <p:cSld>
+    <p:spTree>
+      <p:nvGrpSpPr>
+        <p:cNvPr id="1" name=""/>
+        <p:cNvGrpSpPr/>
+        <p:nvPr/>
+      </p:nvGrpSpPr>
+      <p:grpSpPr>
+        <a:xfrm>
+          <a:off x="0" y="0"/>
+          <a:ext cx="0" cy="0"/>
+          <a:chOff x="0" y="0"/>
+          <a:chExt cx="0" cy="0"/>
+        </a:xfrm>
+      </p:grpSpPr>
+      <p:pic>
+        <p:nvPicPr>
+          <p:cNvPr id="3" name="圖片 2" descr="一張含有 螢幕擷取畫面, 鮮豔, 正方形, 紫色 的圖片&#10;&#10;AI 產生的內容可能不正確。">
+            <a:extLst>
+              <a:ext uri="{FF2B5EF4-FFF2-40B4-BE49-F238E27FC236}">
+                <a16:creationId xmlns:a16="http://schemas.microsoft.com/office/drawing/2014/main" id="{421A26B4-D962-3B14-FF7E-50358FE62DCC}"/>
+              </a:ext>
+            </a:extLst>
+          </p:cNvPr>
+          <p:cNvPicPr>
+            <a:picLocks noChangeAspect="1"/>
+          </p:cNvPicPr>
+          <p:nvPr/>
+        </p:nvPicPr>
+        <p:blipFill>
+          <a:blip r:embed="rId2">
+            <a:extLst>
+              <a:ext uri="{28A0092B-C50C-407E-A947-70E740481C1C}">
+                <a14:useLocalDpi xmlns:a14="http://schemas.microsoft.com/office/drawing/2010/main" val="0"/>
+              </a:ext>
+            </a:extLst>
+          </a:blip>
+          <a:stretch>
+            <a:fillRect/>
+          </a:stretch>
+        </p:blipFill>
+        <p:spPr>
+          <a:xfrm>
+            <a:off x="744442" y="0"/>
+            <a:ext cx="10703115" cy="6858000"/>
+          </a:xfrm>
+          <a:prstGeom prst="rect">
+            <a:avLst/>
+          </a:prstGeom>
+        </p:spPr>
+      </p:pic>
+    </p:spTree>
+    <p:extLst>
+      <p:ext uri="{BB962C8B-B14F-4D97-AF65-F5344CB8AC3E}">
+        <p14:creationId xmlns:p14="http://schemas.microsoft.com/office/powerpoint/2010/main" val="1880191836"/>
+      </p:ext>
+    </p:extLst>
+  </p:cSld>
+  <p:clrMapOvr>
+    <a:masterClrMapping/>
+  </p:clrMapOvr>
+</p:sld>
+</file>
+
+<file path=ppt/slides/slide23.xml><?xml version="1.0" encoding="utf-8"?>
+<p:sld xmlns:a="http://schemas.openxmlformats.org/drawingml/2006/main" xmlns:r="http://schemas.openxmlformats.org/officeDocument/2006/relationships" xmlns:p="http://schemas.openxmlformats.org/presentationml/2006/main">
+  <p:cSld>
+    <p:spTree>
+      <p:nvGrpSpPr>
+        <p:cNvPr id="1" name=""/>
+        <p:cNvGrpSpPr/>
+        <p:nvPr/>
+      </p:nvGrpSpPr>
+      <p:grpSpPr>
+        <a:xfrm>
+          <a:off x="0" y="0"/>
+          <a:ext cx="0" cy="0"/>
+          <a:chOff x="0" y="0"/>
+          <a:chExt cx="0" cy="0"/>
+        </a:xfrm>
+      </p:grpSpPr>
+      <p:pic>
+        <p:nvPicPr>
+          <p:cNvPr id="3" name="圖片 2" descr="一張含有 文字, 行, 圖表, 繪圖 的圖片&#10;&#10;AI 產生的內容可能不正確。">
+            <a:extLst>
+              <a:ext uri="{FF2B5EF4-FFF2-40B4-BE49-F238E27FC236}">
+                <a16:creationId xmlns:a16="http://schemas.microsoft.com/office/drawing/2014/main" id="{1438DAC3-EEBD-DA18-2E2B-8E172D61A006}"/>
+              </a:ext>
+            </a:extLst>
+          </p:cNvPr>
+          <p:cNvPicPr>
+            <a:picLocks noChangeAspect="1"/>
+          </p:cNvPicPr>
+          <p:nvPr/>
+        </p:nvPicPr>
+        <p:blipFill>
+          <a:blip r:embed="rId2">
+            <a:extLst>
+              <a:ext uri="{28A0092B-C50C-407E-A947-70E740481C1C}">
+                <a14:useLocalDpi xmlns:a14="http://schemas.microsoft.com/office/drawing/2010/main" val="0"/>
+              </a:ext>
+            </a:extLst>
+          </a:blip>
+          <a:stretch>
+            <a:fillRect/>
+          </a:stretch>
+        </p:blipFill>
+        <p:spPr>
+          <a:xfrm>
+            <a:off x="0" y="1000189"/>
+            <a:ext cx="12192000" cy="4857621"/>
+          </a:xfrm>
+          <a:prstGeom prst="rect">
+            <a:avLst/>
+          </a:prstGeom>
+        </p:spPr>
+      </p:pic>
+    </p:spTree>
+    <p:extLst>
+      <p:ext uri="{BB962C8B-B14F-4D97-AF65-F5344CB8AC3E}">
+        <p14:creationId xmlns:p14="http://schemas.microsoft.com/office/powerpoint/2010/main" val="520633334"/>
+      </p:ext>
+    </p:extLst>
+  </p:cSld>
+  <p:clrMapOvr>
+    <a:masterClrMapping/>
+  </p:clrMapOvr>
+</p:sld>
+</file>
+
+<file path=ppt/slides/slide24.xml><?xml version="1.0" encoding="utf-8"?>
+<p:sld xmlns:a="http://schemas.openxmlformats.org/drawingml/2006/main" xmlns:r="http://schemas.openxmlformats.org/officeDocument/2006/relationships" xmlns:p="http://schemas.openxmlformats.org/presentationml/2006/main">
+  <p:cSld>
+    <p:spTree>
+      <p:nvGrpSpPr>
+        <p:cNvPr id="1" name=""/>
+        <p:cNvGrpSpPr/>
+        <p:nvPr/>
+      </p:nvGrpSpPr>
+      <p:grpSpPr>
+        <a:xfrm>
+          <a:off x="0" y="0"/>
+          <a:ext cx="0" cy="0"/>
+          <a:chOff x="0" y="0"/>
+          <a:chExt cx="0" cy="0"/>
+        </a:xfrm>
+      </p:grpSpPr>
+      <p:pic>
+        <p:nvPicPr>
+          <p:cNvPr id="3" name="圖片 2" descr="一張含有 螢幕擷取畫面, 正方形, 鮮豔 的圖片&#10;&#10;AI 產生的內容可能不正確。">
+            <a:extLst>
+              <a:ext uri="{FF2B5EF4-FFF2-40B4-BE49-F238E27FC236}">
+                <a16:creationId xmlns:a16="http://schemas.microsoft.com/office/drawing/2014/main" id="{A0BA78A1-8459-4196-2804-EAFD206F34F3}"/>
+              </a:ext>
+            </a:extLst>
+          </p:cNvPr>
+          <p:cNvPicPr>
+            <a:picLocks noChangeAspect="1"/>
+          </p:cNvPicPr>
+          <p:nvPr/>
+        </p:nvPicPr>
+        <p:blipFill>
+          <a:blip r:embed="rId2">
+            <a:extLst>
+              <a:ext uri="{28A0092B-C50C-407E-A947-70E740481C1C}">
+                <a14:useLocalDpi xmlns:a14="http://schemas.microsoft.com/office/drawing/2010/main" val="0"/>
+              </a:ext>
+            </a:extLst>
+          </a:blip>
+          <a:stretch>
+            <a:fillRect/>
+          </a:stretch>
+        </p:blipFill>
+        <p:spPr>
+          <a:xfrm>
+            <a:off x="744442" y="0"/>
+            <a:ext cx="10703115" cy="6858000"/>
+          </a:xfrm>
+          <a:prstGeom prst="rect">
+            <a:avLst/>
+          </a:prstGeom>
+        </p:spPr>
+      </p:pic>
+    </p:spTree>
+    <p:extLst>
+      <p:ext uri="{BB962C8B-B14F-4D97-AF65-F5344CB8AC3E}">
+        <p14:creationId xmlns:p14="http://schemas.microsoft.com/office/powerpoint/2010/main" val="2126418179"/>
+      </p:ext>
+    </p:extLst>
+  </p:cSld>
+  <p:clrMapOvr>
+    <a:masterClrMapping/>
+  </p:clrMapOvr>
+</p:sld>
+</file>
+
+<file path=ppt/slides/slide25.xml><?xml version="1.0" encoding="utf-8"?>
+<p:sld xmlns:a="http://schemas.openxmlformats.org/drawingml/2006/main" xmlns:r="http://schemas.openxmlformats.org/officeDocument/2006/relationships" xmlns:p="http://schemas.openxmlformats.org/presentationml/2006/main">
+  <p:cSld>
+    <p:spTree>
+      <p:nvGrpSpPr>
+        <p:cNvPr id="1" name=""/>
+        <p:cNvGrpSpPr/>
+        <p:nvPr/>
+      </p:nvGrpSpPr>
+      <p:grpSpPr>
+        <a:xfrm>
+          <a:off x="0" y="0"/>
+          <a:ext cx="0" cy="0"/>
+          <a:chOff x="0" y="0"/>
+          <a:chExt cx="0" cy="0"/>
+        </a:xfrm>
+      </p:grpSpPr>
+      <p:pic>
+        <p:nvPicPr>
+          <p:cNvPr id="3" name="圖片 2" descr="一張含有 文字, 行, 圖表, 繪圖 的圖片&#10;&#10;AI 產生的內容可能不正確。">
+            <a:extLst>
+              <a:ext uri="{FF2B5EF4-FFF2-40B4-BE49-F238E27FC236}">
+                <a16:creationId xmlns:a16="http://schemas.microsoft.com/office/drawing/2014/main" id="{9A0CC634-8660-0FA9-29D8-1482E7F51D6D}"/>
+              </a:ext>
+            </a:extLst>
+          </p:cNvPr>
+          <p:cNvPicPr>
+            <a:picLocks noChangeAspect="1"/>
+          </p:cNvPicPr>
+          <p:nvPr/>
+        </p:nvPicPr>
+        <p:blipFill>
+          <a:blip r:embed="rId2">
+            <a:extLst>
+              <a:ext uri="{28A0092B-C50C-407E-A947-70E740481C1C}">
+                <a14:useLocalDpi xmlns:a14="http://schemas.microsoft.com/office/drawing/2010/main" val="0"/>
+              </a:ext>
+            </a:extLst>
+          </a:blip>
+          <a:stretch>
+            <a:fillRect/>
+          </a:stretch>
+        </p:blipFill>
+        <p:spPr>
+          <a:xfrm>
+            <a:off x="0" y="1000189"/>
+            <a:ext cx="12192000" cy="4857621"/>
+          </a:xfrm>
+          <a:prstGeom prst="rect">
+            <a:avLst/>
+          </a:prstGeom>
+        </p:spPr>
+      </p:pic>
+    </p:spTree>
+    <p:extLst>
+      <p:ext uri="{BB962C8B-B14F-4D97-AF65-F5344CB8AC3E}">
+        <p14:creationId xmlns:p14="http://schemas.microsoft.com/office/powerpoint/2010/main" val="2307599506"/>
+      </p:ext>
+    </p:extLst>
+  </p:cSld>
+  <p:clrMapOvr>
+    <a:masterClrMapping/>
+  </p:clrMapOvr>
+</p:sld>
+</file>
+
+<file path=ppt/slides/slide26.xml><?xml version="1.0" encoding="utf-8"?>
+<p:sld xmlns:a="http://schemas.openxmlformats.org/drawingml/2006/main" xmlns:r="http://schemas.openxmlformats.org/officeDocument/2006/relationships" xmlns:p="http://schemas.openxmlformats.org/presentationml/2006/main">
+  <p:cSld>
+    <p:spTree>
+      <p:nvGrpSpPr>
+        <p:cNvPr id="1" name=""/>
+        <p:cNvGrpSpPr/>
+        <p:nvPr/>
+      </p:nvGrpSpPr>
+      <p:grpSpPr>
+        <a:xfrm>
+          <a:off x="0" y="0"/>
+          <a:ext cx="0" cy="0"/>
+          <a:chOff x="0" y="0"/>
+          <a:chExt cx="0" cy="0"/>
+        </a:xfrm>
+      </p:grpSpPr>
+      <p:sp>
+        <p:nvSpPr>
+          <p:cNvPr id="2" name="標題 1">
+            <a:extLst>
+              <a:ext uri="{FF2B5EF4-FFF2-40B4-BE49-F238E27FC236}">
+                <a16:creationId xmlns:a16="http://schemas.microsoft.com/office/drawing/2014/main" id="{E17EEACC-DD58-A179-D4EE-B00270246D2F}"/>
+              </a:ext>
+            </a:extLst>
+          </p:cNvPr>
+          <p:cNvSpPr>
+            <a:spLocks noGrp="1"/>
+          </p:cNvSpPr>
+          <p:nvPr>
+            <p:ph type="title"/>
+          </p:nvPr>
+        </p:nvSpPr>
+        <p:spPr/>
+        <p:txBody>
+          <a:bodyPr/>
+          <a:lstStyle/>
+          <a:p>
+            <a:endParaRPr lang="en-US"/>
+          </a:p>
+        </p:txBody>
+      </p:sp>
+      <p:sp>
+        <p:nvSpPr>
+          <p:cNvPr id="3" name="內容版面配置區 2">
+            <a:extLst>
+              <a:ext uri="{FF2B5EF4-FFF2-40B4-BE49-F238E27FC236}">
+                <a16:creationId xmlns:a16="http://schemas.microsoft.com/office/drawing/2014/main" id="{F6CB685C-81FD-A8E1-B3C8-A549F25A29EF}"/>
+              </a:ext>
+            </a:extLst>
+          </p:cNvPr>
+          <p:cNvSpPr>
+            <a:spLocks noGrp="1"/>
+          </p:cNvSpPr>
+          <p:nvPr>
+            <p:ph idx="1"/>
+          </p:nvPr>
+        </p:nvSpPr>
+        <p:spPr/>
+        <p:txBody>
+          <a:bodyPr/>
+          <a:lstStyle/>
+          <a:p>
+            <a:r>
+              <a:rPr lang="en-US" dirty="0"/>
+              <a:t>Run Cifar100 on ICM code</a:t>
+            </a:r>
+          </a:p>
+        </p:txBody>
+      </p:sp>
+    </p:spTree>
+    <p:extLst>
+      <p:ext uri="{BB962C8B-B14F-4D97-AF65-F5344CB8AC3E}">
+        <p14:creationId xmlns:p14="http://schemas.microsoft.com/office/powerpoint/2010/main" val="1468902868"/>
+      </p:ext>
+    </p:extLst>
+  </p:cSld>
+  <p:clrMapOvr>
+    <a:masterClrMapping/>
+  </p:clrMapOvr>
+</p:sld>
+</file>
+
+<file path=ppt/slides/slide27.xml><?xml version="1.0" encoding="utf-8"?>
+<p:sld xmlns:a="http://schemas.openxmlformats.org/drawingml/2006/main" xmlns:r="http://schemas.openxmlformats.org/officeDocument/2006/relationships" xmlns:p="http://schemas.openxmlformats.org/presentationml/2006/main">
+  <p:cSld>
+    <p:spTree>
+      <p:nvGrpSpPr>
+        <p:cNvPr id="1" name=""/>
+        <p:cNvGrpSpPr/>
+        <p:nvPr/>
+      </p:nvGrpSpPr>
+      <p:grpSpPr>
+        <a:xfrm>
+          <a:off x="0" y="0"/>
+          <a:ext cx="0" cy="0"/>
+          <a:chOff x="0" y="0"/>
+          <a:chExt cx="0" cy="0"/>
+        </a:xfrm>
+      </p:grpSpPr>
+      <p:sp>
+        <p:nvSpPr>
+          <p:cNvPr id="2" name="標題 1">
+            <a:extLst>
+              <a:ext uri="{FF2B5EF4-FFF2-40B4-BE49-F238E27FC236}">
+                <a16:creationId xmlns:a16="http://schemas.microsoft.com/office/drawing/2014/main" id="{56DA23A2-1AD4-B288-9A26-4ED395DD81AE}"/>
+              </a:ext>
+            </a:extLst>
+          </p:cNvPr>
+          <p:cNvSpPr>
+            <a:spLocks noGrp="1"/>
+          </p:cNvSpPr>
+          <p:nvPr>
+            <p:ph type="title"/>
+          </p:nvPr>
+        </p:nvSpPr>
+        <p:spPr/>
+        <p:txBody>
+          <a:bodyPr/>
+          <a:lstStyle/>
+          <a:p>
+            <a:endParaRPr lang="en-US"/>
+          </a:p>
+        </p:txBody>
+      </p:sp>
+      <p:sp>
+        <p:nvSpPr>
+          <p:cNvPr id="3" name="內容版面配置區 2">
+            <a:extLst>
+              <a:ext uri="{FF2B5EF4-FFF2-40B4-BE49-F238E27FC236}">
+                <a16:creationId xmlns:a16="http://schemas.microsoft.com/office/drawing/2014/main" id="{9FAD4D45-2E6B-6CC5-E938-41E2DBB91D86}"/>
+              </a:ext>
+            </a:extLst>
+          </p:cNvPr>
+          <p:cNvSpPr>
+            <a:spLocks noGrp="1"/>
+          </p:cNvSpPr>
+          <p:nvPr>
+            <p:ph idx="1"/>
+          </p:nvPr>
+        </p:nvSpPr>
+        <p:spPr/>
+        <p:txBody>
+          <a:bodyPr/>
+          <a:lstStyle/>
+          <a:p>
+            <a:r>
+              <a:rPr lang="zh-CN" altLang="en-US" dirty="0"/>
+              <a:t>分工</a:t>
+            </a:r>
+            <a:endParaRPr lang="en-US" dirty="0"/>
+          </a:p>
+        </p:txBody>
+      </p:sp>
+    </p:spTree>
+    <p:extLst>
+      <p:ext uri="{BB962C8B-B14F-4D97-AF65-F5344CB8AC3E}">
+        <p14:creationId xmlns:p14="http://schemas.microsoft.com/office/powerpoint/2010/main" val="3494881245"/>
+      </p:ext>
+    </p:extLst>
+  </p:cSld>
+  <p:clrMapOvr>
+    <a:masterClrMapping/>
+  </p:clrMapOvr>
+</p:sld>
+</file>
+
+<file path=ppt/slides/slide28.xml><?xml version="1.0" encoding="utf-8"?>
+<p:sld xmlns:a="http://schemas.openxmlformats.org/drawingml/2006/main" xmlns:r="http://schemas.openxmlformats.org/officeDocument/2006/relationships" xmlns:p="http://schemas.openxmlformats.org/presentationml/2006/main">
+  <p:cSld>
+    <p:spTree>
+      <p:nvGrpSpPr>
+        <p:cNvPr id="1" name=""/>
+        <p:cNvGrpSpPr/>
+        <p:nvPr/>
+      </p:nvGrpSpPr>
+      <p:grpSpPr>
+        <a:xfrm>
+          <a:off x="0" y="0"/>
+          <a:ext cx="0" cy="0"/>
+          <a:chOff x="0" y="0"/>
+          <a:chExt cx="0" cy="0"/>
+        </a:xfrm>
+      </p:grpSpPr>
+      <p:sp>
+        <p:nvSpPr>
+          <p:cNvPr id="2" name="標題 1">
+            <a:extLst>
+              <a:ext uri="{FF2B5EF4-FFF2-40B4-BE49-F238E27FC236}">
+                <a16:creationId xmlns:a16="http://schemas.microsoft.com/office/drawing/2014/main" id="{05FCA062-E932-2514-5235-ECC21B5053A6}"/>
+              </a:ext>
+            </a:extLst>
+          </p:cNvPr>
+          <p:cNvSpPr>
+            <a:spLocks noGrp="1"/>
+          </p:cNvSpPr>
+          <p:nvPr>
+            <p:ph type="title"/>
+          </p:nvPr>
+        </p:nvSpPr>
+        <p:spPr/>
+        <p:txBody>
+          <a:bodyPr/>
+          <a:lstStyle/>
+          <a:p>
+            <a:r>
+              <a:rPr lang="en-US" altLang="zh-CN" dirty="0"/>
+              <a:t>Learning points</a:t>
+            </a:r>
+            <a:endParaRPr lang="en-US" dirty="0"/>
+          </a:p>
+        </p:txBody>
+      </p:sp>
+      <p:sp>
+        <p:nvSpPr>
+          <p:cNvPr id="3" name="內容版面配置區 2">
+            <a:extLst>
+              <a:ext uri="{FF2B5EF4-FFF2-40B4-BE49-F238E27FC236}">
+                <a16:creationId xmlns:a16="http://schemas.microsoft.com/office/drawing/2014/main" id="{507D7643-4169-96A7-2B48-B4B5990BD3EB}"/>
+              </a:ext>
+            </a:extLst>
+          </p:cNvPr>
+          <p:cNvSpPr>
+            <a:spLocks noGrp="1"/>
+          </p:cNvSpPr>
+          <p:nvPr>
+            <p:ph idx="1"/>
+          </p:nvPr>
+        </p:nvSpPr>
+        <p:spPr/>
+        <p:txBody>
+          <a:bodyPr/>
+          <a:lstStyle/>
+          <a:p>
+            <a:endParaRPr lang="en-US"/>
+          </a:p>
+        </p:txBody>
+      </p:sp>
+    </p:spTree>
+    <p:extLst>
+      <p:ext uri="{BB962C8B-B14F-4D97-AF65-F5344CB8AC3E}">
+        <p14:creationId xmlns:p14="http://schemas.microsoft.com/office/powerpoint/2010/main" val="1267330902"/>
       </p:ext>
     </p:extLst>
   </p:cSld>
@@ -5933,6 +11611,89 @@
           <p:cNvPr id="2" name="標題 1">
             <a:extLst>
               <a:ext uri="{FF2B5EF4-FFF2-40B4-BE49-F238E27FC236}">
+                <a16:creationId xmlns:a16="http://schemas.microsoft.com/office/drawing/2014/main" id="{BF494F78-8CF5-8B42-77EA-8C6E5D60FE50}"/>
+              </a:ext>
+            </a:extLst>
+          </p:cNvPr>
+          <p:cNvSpPr>
+            <a:spLocks noGrp="1"/>
+          </p:cNvSpPr>
+          <p:nvPr>
+            <p:ph type="title"/>
+          </p:nvPr>
+        </p:nvSpPr>
+        <p:spPr/>
+        <p:txBody>
+          <a:bodyPr/>
+          <a:lstStyle/>
+          <a:p>
+            <a:r>
+              <a:rPr lang="en-US" dirty="0"/>
+              <a:t>Dataset</a:t>
+            </a:r>
+          </a:p>
+        </p:txBody>
+      </p:sp>
+      <p:sp>
+        <p:nvSpPr>
+          <p:cNvPr id="3" name="內容版面配置區 2">
+            <a:extLst>
+              <a:ext uri="{FF2B5EF4-FFF2-40B4-BE49-F238E27FC236}">
+                <a16:creationId xmlns:a16="http://schemas.microsoft.com/office/drawing/2014/main" id="{E73E973E-7E25-A7E1-D23F-049B9384B10F}"/>
+              </a:ext>
+            </a:extLst>
+          </p:cNvPr>
+          <p:cNvSpPr>
+            <a:spLocks noGrp="1"/>
+          </p:cNvSpPr>
+          <p:nvPr>
+            <p:ph idx="1"/>
+          </p:nvPr>
+        </p:nvSpPr>
+        <p:spPr/>
+        <p:txBody>
+          <a:bodyPr/>
+          <a:lstStyle/>
+          <a:p>
+            <a:endParaRPr lang="en-US"/>
+          </a:p>
+        </p:txBody>
+      </p:sp>
+    </p:spTree>
+    <p:extLst>
+      <p:ext uri="{BB962C8B-B14F-4D97-AF65-F5344CB8AC3E}">
+        <p14:creationId xmlns:p14="http://schemas.microsoft.com/office/powerpoint/2010/main" val="337137290"/>
+      </p:ext>
+    </p:extLst>
+  </p:cSld>
+  <p:clrMapOvr>
+    <a:masterClrMapping/>
+  </p:clrMapOvr>
+</p:sld>
+</file>
+
+<file path=ppt/slides/slide7.xml><?xml version="1.0" encoding="utf-8"?>
+<p:sld xmlns:a="http://schemas.openxmlformats.org/drawingml/2006/main" xmlns:r="http://schemas.openxmlformats.org/officeDocument/2006/relationships" xmlns:p="http://schemas.openxmlformats.org/presentationml/2006/main">
+  <p:cSld>
+    <p:spTree>
+      <p:nvGrpSpPr>
+        <p:cNvPr id="1" name=""/>
+        <p:cNvGrpSpPr/>
+        <p:nvPr/>
+      </p:nvGrpSpPr>
+      <p:grpSpPr>
+        <a:xfrm>
+          <a:off x="0" y="0"/>
+          <a:ext cx="0" cy="0"/>
+          <a:chOff x="0" y="0"/>
+          <a:chExt cx="0" cy="0"/>
+        </a:xfrm>
+      </p:grpSpPr>
+      <p:sp>
+        <p:nvSpPr>
+          <p:cNvPr id="2" name="標題 1">
+            <a:extLst>
+              <a:ext uri="{FF2B5EF4-FFF2-40B4-BE49-F238E27FC236}">
                 <a16:creationId xmlns:a16="http://schemas.microsoft.com/office/drawing/2014/main" id="{9CB11864-28EC-431C-A975-D033CEECC341}"/>
               </a:ext>
             </a:extLst>
@@ -6010,13 +11771,8 @@
           <a:p>
             <a:r>
               <a:rPr lang="en-US" altLang="zh-TW" dirty="0"/>
-              <a:t>Not all high value ones are important, most may </a:t>
+              <a:t>Not all high value ones are important, most may be redundant</a:t>
             </a:r>
-            <a:r>
-              <a:rPr lang="en-US" altLang="zh-TW"/>
-              <a:t>be redundant</a:t>
-            </a:r>
-            <a:endParaRPr lang="en-US" altLang="zh-TW" dirty="0"/>
           </a:p>
           <a:p>
             <a:endParaRPr lang="en-US" altLang="zh-TW" dirty="0"/>
@@ -6030,6 +11786,242 @@
     <p:extLst>
       <p:ext uri="{BB962C8B-B14F-4D97-AF65-F5344CB8AC3E}">
         <p14:creationId xmlns:p14="http://schemas.microsoft.com/office/powerpoint/2010/main" val="1234200158"/>
+      </p:ext>
+    </p:extLst>
+  </p:cSld>
+  <p:clrMapOvr>
+    <a:masterClrMapping/>
+  </p:clrMapOvr>
+</p:sld>
+</file>
+
+<file path=ppt/slides/slide8.xml><?xml version="1.0" encoding="utf-8"?>
+<p:sld xmlns:a="http://schemas.openxmlformats.org/drawingml/2006/main" xmlns:r="http://schemas.openxmlformats.org/officeDocument/2006/relationships" xmlns:p="http://schemas.openxmlformats.org/presentationml/2006/main">
+  <p:cSld>
+    <p:spTree>
+      <p:nvGrpSpPr>
+        <p:cNvPr id="1" name=""/>
+        <p:cNvGrpSpPr/>
+        <p:nvPr/>
+      </p:nvGrpSpPr>
+      <p:grpSpPr>
+        <a:xfrm>
+          <a:off x="0" y="0"/>
+          <a:ext cx="0" cy="0"/>
+          <a:chOff x="0" y="0"/>
+          <a:chExt cx="0" cy="0"/>
+        </a:xfrm>
+      </p:grpSpPr>
+      <p:sp>
+        <p:nvSpPr>
+          <p:cNvPr id="2" name="標題 1">
+            <a:extLst>
+              <a:ext uri="{FF2B5EF4-FFF2-40B4-BE49-F238E27FC236}">
+                <a16:creationId xmlns:a16="http://schemas.microsoft.com/office/drawing/2014/main" id="{5F0F7AF1-458A-5164-D194-0711EA7E7D6D}"/>
+              </a:ext>
+            </a:extLst>
+          </p:cNvPr>
+          <p:cNvSpPr>
+            <a:spLocks noGrp="1"/>
+          </p:cNvSpPr>
+          <p:nvPr>
+            <p:ph type="title"/>
+          </p:nvPr>
+        </p:nvSpPr>
+        <p:spPr/>
+        <p:txBody>
+          <a:bodyPr/>
+          <a:lstStyle/>
+          <a:p>
+            <a:endParaRPr lang="en-US"/>
+          </a:p>
+        </p:txBody>
+      </p:sp>
+      <p:sp>
+        <p:nvSpPr>
+          <p:cNvPr id="3" name="內容版面配置區 2">
+            <a:extLst>
+              <a:ext uri="{FF2B5EF4-FFF2-40B4-BE49-F238E27FC236}">
+                <a16:creationId xmlns:a16="http://schemas.microsoft.com/office/drawing/2014/main" id="{ED5B63F6-2F18-5CAB-63CD-EAD4EA6C39C6}"/>
+              </a:ext>
+            </a:extLst>
+          </p:cNvPr>
+          <p:cNvSpPr>
+            <a:spLocks noGrp="1"/>
+          </p:cNvSpPr>
+          <p:nvPr>
+            <p:ph idx="1"/>
+          </p:nvPr>
+        </p:nvSpPr>
+        <p:spPr/>
+        <p:txBody>
+          <a:bodyPr>
+            <a:normAutofit fontScale="85000" lnSpcReduction="20000"/>
+          </a:bodyPr>
+          <a:lstStyle/>
+          <a:p>
+            <a:r>
+              <a:rPr lang="en-US" altLang="zh-CN" dirty="0"/>
+              <a:t>Indices: Delta + </a:t>
+            </a:r>
+            <a:r>
+              <a:rPr lang="en-US" dirty="0"/>
+              <a:t>Run length</a:t>
+            </a:r>
+            <a:r>
+              <a:rPr lang="en-US" altLang="zh-CN" dirty="0"/>
+              <a:t>/Huffman</a:t>
+            </a:r>
+            <a:r>
+              <a:rPr lang="en-US" dirty="0"/>
+              <a:t> encode</a:t>
+            </a:r>
+          </a:p>
+          <a:p>
+            <a:r>
+              <a:rPr lang="en-US" dirty="0"/>
+              <a:t>Values: Huffman encode</a:t>
+            </a:r>
+          </a:p>
+          <a:p>
+            <a:endParaRPr lang="en-US" dirty="0"/>
+          </a:p>
+          <a:p>
+            <a:r>
+              <a:rPr lang="en-US" dirty="0"/>
+              <a:t>Sparse</a:t>
+            </a:r>
+          </a:p>
+          <a:p>
+            <a:r>
+              <a:rPr lang="en-US" dirty="0"/>
+              <a:t>Block energy sparse</a:t>
+            </a:r>
+          </a:p>
+          <a:p>
+            <a:endParaRPr lang="en-US" dirty="0"/>
+          </a:p>
+          <a:p>
+            <a:r>
+              <a:rPr lang="en-US" dirty="0"/>
+              <a:t>Channel-wise</a:t>
+            </a:r>
+          </a:p>
+          <a:p>
+            <a:r>
+              <a:rPr lang="en-US" altLang="zh-CN" dirty="0"/>
+              <a:t>Region-wise</a:t>
+            </a:r>
+            <a:endParaRPr lang="en-US" dirty="0"/>
+          </a:p>
+          <a:p>
+            <a:r>
+              <a:rPr lang="en-US" dirty="0"/>
+              <a:t>Global</a:t>
+            </a:r>
+          </a:p>
+          <a:p>
+            <a:endParaRPr lang="en-US" dirty="0"/>
+          </a:p>
+          <a:p>
+            <a:r>
+              <a:rPr lang="en-US" dirty="0"/>
+              <a:t>Ignore border or not</a:t>
+            </a:r>
+          </a:p>
+          <a:p>
+            <a:endParaRPr lang="en-US" dirty="0"/>
+          </a:p>
+        </p:txBody>
+      </p:sp>
+    </p:spTree>
+    <p:extLst>
+      <p:ext uri="{BB962C8B-B14F-4D97-AF65-F5344CB8AC3E}">
+        <p14:creationId xmlns:p14="http://schemas.microsoft.com/office/powerpoint/2010/main" val="3370047268"/>
+      </p:ext>
+    </p:extLst>
+  </p:cSld>
+  <p:clrMapOvr>
+    <a:masterClrMapping/>
+  </p:clrMapOvr>
+</p:sld>
+</file>
+
+<file path=ppt/slides/slide9.xml><?xml version="1.0" encoding="utf-8"?>
+<p:sld xmlns:a="http://schemas.openxmlformats.org/drawingml/2006/main" xmlns:r="http://schemas.openxmlformats.org/officeDocument/2006/relationships" xmlns:p="http://schemas.openxmlformats.org/presentationml/2006/main">
+  <p:cSld>
+    <p:spTree>
+      <p:nvGrpSpPr>
+        <p:cNvPr id="1" name=""/>
+        <p:cNvGrpSpPr/>
+        <p:nvPr/>
+      </p:nvGrpSpPr>
+      <p:grpSpPr>
+        <a:xfrm>
+          <a:off x="0" y="0"/>
+          <a:ext cx="0" cy="0"/>
+          <a:chOff x="0" y="0"/>
+          <a:chExt cx="0" cy="0"/>
+        </a:xfrm>
+      </p:grpSpPr>
+      <p:sp>
+        <p:nvSpPr>
+          <p:cNvPr id="2" name="標題 1">
+            <a:extLst>
+              <a:ext uri="{FF2B5EF4-FFF2-40B4-BE49-F238E27FC236}">
+                <a16:creationId xmlns:a16="http://schemas.microsoft.com/office/drawing/2014/main" id="{FF31ED44-62E5-31F1-1648-C3B81B71B00A}"/>
+              </a:ext>
+            </a:extLst>
+          </p:cNvPr>
+          <p:cNvSpPr>
+            <a:spLocks noGrp="1"/>
+          </p:cNvSpPr>
+          <p:nvPr>
+            <p:ph type="title"/>
+          </p:nvPr>
+        </p:nvSpPr>
+        <p:spPr/>
+        <p:txBody>
+          <a:bodyPr/>
+          <a:lstStyle/>
+          <a:p>
+            <a:r>
+              <a:rPr lang="en-US" altLang="zh-CN" dirty="0"/>
+              <a:t>Block-based Tiny Feature Codec</a:t>
+            </a:r>
+            <a:endParaRPr lang="en-US" dirty="0"/>
+          </a:p>
+        </p:txBody>
+      </p:sp>
+      <p:sp>
+        <p:nvSpPr>
+          <p:cNvPr id="3" name="內容版面配置區 2">
+            <a:extLst>
+              <a:ext uri="{FF2B5EF4-FFF2-40B4-BE49-F238E27FC236}">
+                <a16:creationId xmlns:a16="http://schemas.microsoft.com/office/drawing/2014/main" id="{B84BE252-A10F-FF89-9E35-CC0A6D097E31}"/>
+              </a:ext>
+            </a:extLst>
+          </p:cNvPr>
+          <p:cNvSpPr>
+            <a:spLocks noGrp="1"/>
+          </p:cNvSpPr>
+          <p:nvPr>
+            <p:ph idx="1"/>
+          </p:nvPr>
+        </p:nvSpPr>
+        <p:spPr/>
+        <p:txBody>
+          <a:bodyPr/>
+          <a:lstStyle/>
+          <a:p>
+            <a:endParaRPr lang="en-US" dirty="0"/>
+          </a:p>
+        </p:txBody>
+      </p:sp>
+    </p:spTree>
+    <p:extLst>
+      <p:ext uri="{BB962C8B-B14F-4D97-AF65-F5344CB8AC3E}">
+        <p14:creationId xmlns:p14="http://schemas.microsoft.com/office/powerpoint/2010/main" val="2677265993"/>
       </p:ext>
     </p:extLst>
   </p:cSld>
